--- a/materials/slides/ch09-swoole-and-websocket.pptx
+++ b/materials/slides/ch09-swoole-and-websocket.pptx
@@ -233,7 +233,7 @@
           <a:p>
             <a:fld id="{E923E828-953C-4D4A-9B10-11E7329F433D}" type="datetimeFigureOut">
               <a:rPr lang="zh-CN" altLang="en-US" smtClean="0"/>
-              <a:t>2018/2/6</a:t>
+              <a:t>2018/2/28</a:t>
             </a:fld>
             <a:endParaRPr lang="zh-CN" altLang="en-US"/>
           </a:p>
@@ -414,7 +414,7 @@
           <a:p>
             <a:fld id="{867C5346-22E5-4085-8130-851344A84DFF}" type="datetimeFigureOut">
               <a:rPr lang="zh-CN" altLang="en-US" smtClean="0"/>
-              <a:t>2018/2/6</a:t>
+              <a:t>2018/2/28</a:t>
             </a:fld>
             <a:endParaRPr lang="zh-CN" altLang="en-US"/>
           </a:p>
@@ -2016,7 +2016,7 @@
           <a:p>
             <a:fld id="{A5E21016-498F-4141-B0CA-D95A38CA7D62}" type="datetimeFigureOut">
               <a:rPr lang="zh-CN" altLang="en-US" smtClean="0"/>
-              <a:t>2018/2/6</a:t>
+              <a:t>2018/2/28</a:t>
             </a:fld>
             <a:endParaRPr lang="zh-CN" altLang="en-US"/>
           </a:p>
@@ -2246,7 +2246,7 @@
           <a:p>
             <a:fld id="{A5E21016-498F-4141-B0CA-D95A38CA7D62}" type="datetimeFigureOut">
               <a:rPr lang="zh-CN" altLang="en-US" smtClean="0"/>
-              <a:t>2018/2/6</a:t>
+              <a:t>2018/2/28</a:t>
             </a:fld>
             <a:endParaRPr lang="zh-CN" altLang="en-US"/>
           </a:p>
@@ -2481,7 +2481,7 @@
           <a:p>
             <a:fld id="{A5E21016-498F-4141-B0CA-D95A38CA7D62}" type="datetimeFigureOut">
               <a:rPr lang="zh-CN" altLang="en-US" smtClean="0"/>
-              <a:t>2018/2/6</a:t>
+              <a:t>2018/2/28</a:t>
             </a:fld>
             <a:endParaRPr lang="zh-CN" altLang="en-US"/>
           </a:p>
@@ -3043,7 +3043,7 @@
           <a:p>
             <a:fld id="{A5E21016-498F-4141-B0CA-D95A38CA7D62}" type="datetimeFigureOut">
               <a:rPr lang="zh-CN" altLang="en-US" smtClean="0"/>
-              <a:t>2018/2/6</a:t>
+              <a:t>2018/2/28</a:t>
             </a:fld>
             <a:endParaRPr lang="zh-CN" altLang="en-US"/>
           </a:p>
@@ -3340,7 +3340,7 @@
           <a:p>
             <a:fld id="{A5E21016-498F-4141-B0CA-D95A38CA7D62}" type="datetimeFigureOut">
               <a:rPr lang="zh-CN" altLang="en-US" smtClean="0"/>
-              <a:t>2018/2/6</a:t>
+              <a:t>2018/2/28</a:t>
             </a:fld>
             <a:endParaRPr lang="zh-CN" altLang="en-US"/>
           </a:p>
@@ -3779,7 +3779,7 @@
           <a:p>
             <a:fld id="{A5E21016-498F-4141-B0CA-D95A38CA7D62}" type="datetimeFigureOut">
               <a:rPr lang="zh-CN" altLang="en-US" smtClean="0"/>
-              <a:t>2018/2/6</a:t>
+              <a:t>2018/2/28</a:t>
             </a:fld>
             <a:endParaRPr lang="zh-CN" altLang="en-US"/>
           </a:p>
@@ -3952,7 +3952,7 @@
           <a:p>
             <a:fld id="{A5E21016-498F-4141-B0CA-D95A38CA7D62}" type="datetimeFigureOut">
               <a:rPr lang="zh-CN" altLang="en-US" smtClean="0"/>
-              <a:t>2018/2/6</a:t>
+              <a:t>2018/2/28</a:t>
             </a:fld>
             <a:endParaRPr lang="zh-CN" altLang="en-US"/>
           </a:p>
@@ -4089,7 +4089,7 @@
           <a:p>
             <a:fld id="{A5E21016-498F-4141-B0CA-D95A38CA7D62}" type="datetimeFigureOut">
               <a:rPr lang="zh-CN" altLang="en-US" smtClean="0"/>
-              <a:t>2018/2/6</a:t>
+              <a:t>2018/2/28</a:t>
             </a:fld>
             <a:endParaRPr lang="zh-CN" altLang="en-US"/>
           </a:p>
@@ -4427,7 +4427,7 @@
           <a:p>
             <a:fld id="{A5E21016-498F-4141-B0CA-D95A38CA7D62}" type="datetimeFigureOut">
               <a:rPr lang="zh-CN" altLang="en-US" smtClean="0"/>
-              <a:t>2018/2/6</a:t>
+              <a:t>2018/2/28</a:t>
             </a:fld>
             <a:endParaRPr lang="zh-CN" altLang="en-US"/>
           </a:p>
@@ -4742,7 +4742,7 @@
           <a:p>
             <a:fld id="{A5E21016-498F-4141-B0CA-D95A38CA7D62}" type="datetimeFigureOut">
               <a:rPr lang="zh-CN" altLang="en-US" smtClean="0"/>
-              <a:t>2018/2/6</a:t>
+              <a:t>2018/2/28</a:t>
             </a:fld>
             <a:endParaRPr lang="zh-CN" altLang="en-US"/>
           </a:p>
@@ -6764,7 +6764,23 @@
             </a:br>
             <a:r>
               <a:rPr lang="en-US" altLang="zh-CN" sz="2000" dirty="0"/>
-              <a:t>$cli-&gt;upgrade('/',function($cli){</a:t>
+              <a:t>$cli-&gt;upgrade('/</a:t>
+            </a:r>
+            <a:r>
+              <a:rPr lang="en-US" altLang="zh-CN" sz="2000" dirty="0" err="1"/>
+              <a:t>push_client</a:t>
+            </a:r>
+            <a:r>
+              <a:rPr lang="en-US" altLang="zh-CN" sz="2000" dirty="0"/>
+              <a:t>/</a:t>
+            </a:r>
+            <a:r>
+              <a:rPr lang="en-US" altLang="zh-CN" sz="2000" dirty="0" err="1"/>
+              <a:t>phpswoolewebsocket</a:t>
+            </a:r>
+            <a:r>
+              <a:rPr lang="en-US" altLang="zh-CN" sz="2000" dirty="0"/>
+              <a:t>',function($cli){</a:t>
             </a:r>
             <a:br>
               <a:rPr lang="en-US" altLang="zh-CN" sz="2000" dirty="0"/>
@@ -6982,19 +6998,41 @@
             </a:pPr>
             <a:r>
               <a:rPr lang="en-US" altLang="zh-CN" sz="1600" i="1" dirty="0"/>
-              <a:t>        //</a:t>
+              <a:t>          //</a:t>
             </a:r>
             <a:r>
               <a:rPr lang="zh-CN" altLang="en-US" sz="1600" i="1" dirty="0"/>
-              <a:t>简单实现方案，通过检测本地</a:t>
+              <a:t>简单实现方案，通过检测</a:t>
             </a:r>
             <a:r>
               <a:rPr lang="en-US" altLang="zh-CN" sz="1600" i="1" dirty="0"/>
-              <a:t>IP</a:t>
+              <a:t>PATH_INFO</a:t>
             </a:r>
             <a:r>
               <a:rPr lang="zh-CN" altLang="en-US" sz="1600" i="1" dirty="0"/>
-              <a:t>地址确定是客户端发起请求</a:t>
+              <a:t>信息确定是推送事件触发客户端的连接</a:t>
+            </a:r>
+            <a:endParaRPr lang="en-US" altLang="zh-CN" sz="1600" i="1" dirty="0"/>
+          </a:p>
+          <a:p>
+            <a:pPr marL="0" indent="0">
+              <a:buNone/>
+            </a:pPr>
+            <a:r>
+              <a:rPr lang="en-US" altLang="zh-CN" sz="1600" i="1" dirty="0"/>
+              <a:t>          //PATH_INFO</a:t>
+            </a:r>
+            <a:r>
+              <a:rPr lang="zh-CN" altLang="en-US" sz="1600" i="1" dirty="0"/>
+              <a:t>在此处是以</a:t>
+            </a:r>
+            <a:r>
+              <a:rPr lang="en-US" altLang="zh-CN" sz="1600" i="1" dirty="0"/>
+              <a:t>key</a:t>
+            </a:r>
+            <a:r>
+              <a:rPr lang="zh-CN" altLang="en-US" sz="1600" i="1"/>
+              <a:t>的作用来使用的</a:t>
             </a:r>
             <a:br>
               <a:rPr lang="en-US" altLang="zh-CN" sz="2000" dirty="0"/>
@@ -7009,15 +7047,31 @@
             </a:r>
             <a:r>
               <a:rPr lang="en-US" altLang="zh-CN" sz="2000" dirty="0"/>
-              <a:t>-&gt;server['</a:t>
+              <a:t>-&gt;server[‘</a:t>
             </a:r>
             <a:r>
               <a:rPr lang="en-US" altLang="zh-CN" sz="2000" dirty="0" err="1"/>
-              <a:t>remote_addr</a:t>
-            </a:r>
-            <a:r>
-              <a:rPr lang="en-US" altLang="zh-CN" sz="2000" dirty="0"/>
-              <a:t>'] == '127.0.0.1') {</a:t>
+              <a:t>path_info</a:t>
+            </a:r>
+            <a:r>
+              <a:rPr lang="en-US" altLang="zh-CN" sz="2000" dirty="0"/>
+              <a:t>'] == ’/</a:t>
+            </a:r>
+            <a:r>
+              <a:rPr lang="en-US" altLang="zh-CN" sz="2000" dirty="0" err="1"/>
+              <a:t>push_client</a:t>
+            </a:r>
+            <a:r>
+              <a:rPr lang="en-US" altLang="zh-CN" sz="2000" dirty="0"/>
+              <a:t>/</a:t>
+            </a:r>
+            <a:r>
+              <a:rPr lang="en-US" altLang="zh-CN" sz="2000" dirty="0" err="1"/>
+              <a:t>phpswoolewebsocket</a:t>
+            </a:r>
+            <a:r>
+              <a:rPr lang="en-US" altLang="zh-CN" sz="2000" dirty="0"/>
+              <a:t>') {</a:t>
             </a:r>
             <a:br>
               <a:rPr lang="en-US" altLang="zh-CN" sz="2000" dirty="0"/>

--- a/materials/slides/ch09-swoole-and-websocket.pptx
+++ b/materials/slides/ch09-swoole-and-websocket.pptx
@@ -5,10 +5,10 @@
     <p:sldMasterId id="2147483648" r:id="rId1"/>
   </p:sldMasterIdLst>
   <p:notesMasterIdLst>
-    <p:notesMasterId r:id="rId21"/>
+    <p:notesMasterId r:id="rId19"/>
   </p:notesMasterIdLst>
   <p:handoutMasterIdLst>
-    <p:handoutMasterId r:id="rId22"/>
+    <p:handoutMasterId r:id="rId20"/>
   </p:handoutMasterIdLst>
   <p:sldIdLst>
     <p:sldId id="257" r:id="rId2"/>
@@ -17,19 +17,17 @@
     <p:sldId id="292" r:id="rId5"/>
     <p:sldId id="293" r:id="rId6"/>
     <p:sldId id="294" r:id="rId7"/>
-    <p:sldId id="297" r:id="rId8"/>
-    <p:sldId id="264" r:id="rId9"/>
-    <p:sldId id="288" r:id="rId10"/>
-    <p:sldId id="295" r:id="rId11"/>
-    <p:sldId id="299" r:id="rId12"/>
-    <p:sldId id="302" r:id="rId13"/>
-    <p:sldId id="300" r:id="rId14"/>
-    <p:sldId id="265" r:id="rId15"/>
-    <p:sldId id="291" r:id="rId16"/>
-    <p:sldId id="301" r:id="rId17"/>
-    <p:sldId id="303" r:id="rId18"/>
-    <p:sldId id="304" r:id="rId19"/>
-    <p:sldId id="305" r:id="rId20"/>
+    <p:sldId id="264" r:id="rId8"/>
+    <p:sldId id="288" r:id="rId9"/>
+    <p:sldId id="295" r:id="rId10"/>
+    <p:sldId id="302" r:id="rId11"/>
+    <p:sldId id="306" r:id="rId12"/>
+    <p:sldId id="265" r:id="rId13"/>
+    <p:sldId id="291" r:id="rId14"/>
+    <p:sldId id="301" r:id="rId15"/>
+    <p:sldId id="303" r:id="rId16"/>
+    <p:sldId id="304" r:id="rId17"/>
+    <p:sldId id="305" r:id="rId18"/>
   </p:sldIdLst>
   <p:sldSz cx="12192000" cy="6858000"/>
   <p:notesSz cx="6858000" cy="9144000"/>
@@ -840,7 +838,7 @@
     </p:spTree>
     <p:extLst>
       <p:ext uri="{BB962C8B-B14F-4D97-AF65-F5344CB8AC3E}">
-        <p14:creationId xmlns:p14="http://schemas.microsoft.com/office/powerpoint/2010/main" val="272207272"/>
+        <p14:creationId xmlns:p14="http://schemas.microsoft.com/office/powerpoint/2010/main" val="1117744153"/>
       </p:ext>
     </p:extLst>
   </p:cSld>
@@ -924,7 +922,7 @@
     </p:spTree>
     <p:extLst>
       <p:ext uri="{BB962C8B-B14F-4D97-AF65-F5344CB8AC3E}">
-        <p14:creationId xmlns:p14="http://schemas.microsoft.com/office/powerpoint/2010/main" val="290144346"/>
+        <p14:creationId xmlns:p14="http://schemas.microsoft.com/office/powerpoint/2010/main" val="3507162470"/>
       </p:ext>
     </p:extLst>
   </p:cSld>
@@ -1000,174 +998,6 @@
             <a:fld id="{9FB975F3-1C40-4D40-A7FE-36EEB7CAFC85}" type="slidenum">
               <a:rPr lang="zh-CN" altLang="en-US" smtClean="0"/>
               <a:t>17</a:t>
-            </a:fld>
-            <a:endParaRPr lang="zh-CN" altLang="en-US"/>
-          </a:p>
-        </p:txBody>
-      </p:sp>
-    </p:spTree>
-    <p:extLst>
-      <p:ext uri="{BB962C8B-B14F-4D97-AF65-F5344CB8AC3E}">
-        <p14:creationId xmlns:p14="http://schemas.microsoft.com/office/powerpoint/2010/main" val="1117744153"/>
-      </p:ext>
-    </p:extLst>
-  </p:cSld>
-  <p:clrMapOvr>
-    <a:masterClrMapping/>
-  </p:clrMapOvr>
-</p:notes>
-</file>
-
-<file path=ppt/notesSlides/notesSlide13.xml><?xml version="1.0" encoding="utf-8"?>
-<p:notes xmlns:a="http://schemas.openxmlformats.org/drawingml/2006/main" xmlns:r="http://schemas.openxmlformats.org/officeDocument/2006/relationships" xmlns:p="http://schemas.openxmlformats.org/presentationml/2006/main">
-  <p:cSld>
-    <p:spTree>
-      <p:nvGrpSpPr>
-        <p:cNvPr id="1" name=""/>
-        <p:cNvGrpSpPr/>
-        <p:nvPr/>
-      </p:nvGrpSpPr>
-      <p:grpSpPr>
-        <a:xfrm>
-          <a:off x="0" y="0"/>
-          <a:ext cx="0" cy="0"/>
-          <a:chOff x="0" y="0"/>
-          <a:chExt cx="0" cy="0"/>
-        </a:xfrm>
-      </p:grpSpPr>
-      <p:sp>
-        <p:nvSpPr>
-          <p:cNvPr id="2" name="幻灯片图像占位符 1"/>
-          <p:cNvSpPr>
-            <a:spLocks noGrp="1" noRot="1" noChangeAspect="1"/>
-          </p:cNvSpPr>
-          <p:nvPr>
-            <p:ph type="sldImg"/>
-          </p:nvPr>
-        </p:nvSpPr>
-        <p:spPr/>
-      </p:sp>
-      <p:sp>
-        <p:nvSpPr>
-          <p:cNvPr id="3" name="备注占位符 2"/>
-          <p:cNvSpPr>
-            <a:spLocks noGrp="1"/>
-          </p:cNvSpPr>
-          <p:nvPr>
-            <p:ph type="body" idx="1"/>
-          </p:nvPr>
-        </p:nvSpPr>
-        <p:spPr/>
-        <p:txBody>
-          <a:bodyPr/>
-          <a:lstStyle/>
-          <a:p>
-            <a:endParaRPr lang="zh-CN" altLang="en-US" dirty="0"/>
-          </a:p>
-        </p:txBody>
-      </p:sp>
-      <p:sp>
-        <p:nvSpPr>
-          <p:cNvPr id="4" name="灯片编号占位符 3"/>
-          <p:cNvSpPr>
-            <a:spLocks noGrp="1"/>
-          </p:cNvSpPr>
-          <p:nvPr>
-            <p:ph type="sldNum" sz="quarter" idx="10"/>
-          </p:nvPr>
-        </p:nvSpPr>
-        <p:spPr/>
-        <p:txBody>
-          <a:bodyPr/>
-          <a:lstStyle/>
-          <a:p>
-            <a:fld id="{9FB975F3-1C40-4D40-A7FE-36EEB7CAFC85}" type="slidenum">
-              <a:rPr lang="zh-CN" altLang="en-US" smtClean="0"/>
-              <a:t>18</a:t>
-            </a:fld>
-            <a:endParaRPr lang="zh-CN" altLang="en-US"/>
-          </a:p>
-        </p:txBody>
-      </p:sp>
-    </p:spTree>
-    <p:extLst>
-      <p:ext uri="{BB962C8B-B14F-4D97-AF65-F5344CB8AC3E}">
-        <p14:creationId xmlns:p14="http://schemas.microsoft.com/office/powerpoint/2010/main" val="3507162470"/>
-      </p:ext>
-    </p:extLst>
-  </p:cSld>
-  <p:clrMapOvr>
-    <a:masterClrMapping/>
-  </p:clrMapOvr>
-</p:notes>
-</file>
-
-<file path=ppt/notesSlides/notesSlide14.xml><?xml version="1.0" encoding="utf-8"?>
-<p:notes xmlns:a="http://schemas.openxmlformats.org/drawingml/2006/main" xmlns:r="http://schemas.openxmlformats.org/officeDocument/2006/relationships" xmlns:p="http://schemas.openxmlformats.org/presentationml/2006/main">
-  <p:cSld>
-    <p:spTree>
-      <p:nvGrpSpPr>
-        <p:cNvPr id="1" name=""/>
-        <p:cNvGrpSpPr/>
-        <p:nvPr/>
-      </p:nvGrpSpPr>
-      <p:grpSpPr>
-        <a:xfrm>
-          <a:off x="0" y="0"/>
-          <a:ext cx="0" cy="0"/>
-          <a:chOff x="0" y="0"/>
-          <a:chExt cx="0" cy="0"/>
-        </a:xfrm>
-      </p:grpSpPr>
-      <p:sp>
-        <p:nvSpPr>
-          <p:cNvPr id="2" name="幻灯片图像占位符 1"/>
-          <p:cNvSpPr>
-            <a:spLocks noGrp="1" noRot="1" noChangeAspect="1"/>
-          </p:cNvSpPr>
-          <p:nvPr>
-            <p:ph type="sldImg"/>
-          </p:nvPr>
-        </p:nvSpPr>
-        <p:spPr/>
-      </p:sp>
-      <p:sp>
-        <p:nvSpPr>
-          <p:cNvPr id="3" name="备注占位符 2"/>
-          <p:cNvSpPr>
-            <a:spLocks noGrp="1"/>
-          </p:cNvSpPr>
-          <p:nvPr>
-            <p:ph type="body" idx="1"/>
-          </p:nvPr>
-        </p:nvSpPr>
-        <p:spPr/>
-        <p:txBody>
-          <a:bodyPr/>
-          <a:lstStyle/>
-          <a:p>
-            <a:endParaRPr lang="zh-CN" altLang="en-US" dirty="0"/>
-          </a:p>
-        </p:txBody>
-      </p:sp>
-      <p:sp>
-        <p:nvSpPr>
-          <p:cNvPr id="4" name="灯片编号占位符 3"/>
-          <p:cNvSpPr>
-            <a:spLocks noGrp="1"/>
-          </p:cNvSpPr>
-          <p:nvPr>
-            <p:ph type="sldNum" sz="quarter" idx="10"/>
-          </p:nvPr>
-        </p:nvSpPr>
-        <p:spPr/>
-        <p:txBody>
-          <a:bodyPr/>
-          <a:lstStyle/>
-          <a:p>
-            <a:fld id="{9FB975F3-1C40-4D40-A7FE-36EEB7CAFC85}" type="slidenum">
-              <a:rPr lang="zh-CN" altLang="en-US" smtClean="0"/>
-              <a:t>19</a:t>
             </a:fld>
             <a:endParaRPr lang="zh-CN" altLang="en-US"/>
           </a:p>
@@ -1419,7 +1249,7 @@
           <a:p>
             <a:fld id="{9FB975F3-1C40-4D40-A7FE-36EEB7CAFC85}" type="slidenum">
               <a:rPr lang="zh-CN" altLang="en-US" smtClean="0"/>
-              <a:t>7</a:t>
+              <a:t>8</a:t>
             </a:fld>
             <a:endParaRPr lang="zh-CN" altLang="en-US"/>
           </a:p>
@@ -1428,7 +1258,7 @@
     </p:spTree>
     <p:extLst>
       <p:ext uri="{BB962C8B-B14F-4D97-AF65-F5344CB8AC3E}">
-        <p14:creationId xmlns:p14="http://schemas.microsoft.com/office/powerpoint/2010/main" val="314447112"/>
+        <p14:creationId xmlns:p14="http://schemas.microsoft.com/office/powerpoint/2010/main" val="251414515"/>
       </p:ext>
     </p:extLst>
   </p:cSld>
@@ -1512,7 +1342,7 @@
     </p:spTree>
     <p:extLst>
       <p:ext uri="{BB962C8B-B14F-4D97-AF65-F5344CB8AC3E}">
-        <p14:creationId xmlns:p14="http://schemas.microsoft.com/office/powerpoint/2010/main" val="251414515"/>
+        <p14:creationId xmlns:p14="http://schemas.microsoft.com/office/powerpoint/2010/main" val="1476944173"/>
       </p:ext>
     </p:extLst>
   </p:cSld>
@@ -1596,7 +1426,7 @@
     </p:spTree>
     <p:extLst>
       <p:ext uri="{BB962C8B-B14F-4D97-AF65-F5344CB8AC3E}">
-        <p14:creationId xmlns:p14="http://schemas.microsoft.com/office/powerpoint/2010/main" val="1476944173"/>
+        <p14:creationId xmlns:p14="http://schemas.microsoft.com/office/powerpoint/2010/main" val="1254337709"/>
       </p:ext>
     </p:extLst>
   </p:cSld>
@@ -1680,7 +1510,7 @@
     </p:spTree>
     <p:extLst>
       <p:ext uri="{BB962C8B-B14F-4D97-AF65-F5344CB8AC3E}">
-        <p14:creationId xmlns:p14="http://schemas.microsoft.com/office/powerpoint/2010/main" val="467974563"/>
+        <p14:creationId xmlns:p14="http://schemas.microsoft.com/office/powerpoint/2010/main" val="91756427"/>
       </p:ext>
     </p:extLst>
   </p:cSld>
@@ -1755,7 +1585,7 @@
           <a:p>
             <a:fld id="{9FB975F3-1C40-4D40-A7FE-36EEB7CAFC85}" type="slidenum">
               <a:rPr lang="zh-CN" altLang="en-US" smtClean="0"/>
-              <a:t>12</a:t>
+              <a:t>13</a:t>
             </a:fld>
             <a:endParaRPr lang="zh-CN" altLang="en-US"/>
           </a:p>
@@ -1764,7 +1594,7 @@
     </p:spTree>
     <p:extLst>
       <p:ext uri="{BB962C8B-B14F-4D97-AF65-F5344CB8AC3E}">
-        <p14:creationId xmlns:p14="http://schemas.microsoft.com/office/powerpoint/2010/main" val="1254337709"/>
+        <p14:creationId xmlns:p14="http://schemas.microsoft.com/office/powerpoint/2010/main" val="272207272"/>
       </p:ext>
     </p:extLst>
   </p:cSld>
@@ -1839,7 +1669,7 @@
           <a:p>
             <a:fld id="{9FB975F3-1C40-4D40-A7FE-36EEB7CAFC85}" type="slidenum">
               <a:rPr lang="zh-CN" altLang="en-US" smtClean="0"/>
-              <a:t>13</a:t>
+              <a:t>14</a:t>
             </a:fld>
             <a:endParaRPr lang="zh-CN" altLang="en-US"/>
           </a:p>
@@ -1848,7 +1678,7 @@
     </p:spTree>
     <p:extLst>
       <p:ext uri="{BB962C8B-B14F-4D97-AF65-F5344CB8AC3E}">
-        <p14:creationId xmlns:p14="http://schemas.microsoft.com/office/powerpoint/2010/main" val="1840762838"/>
+        <p14:creationId xmlns:p14="http://schemas.microsoft.com/office/powerpoint/2010/main" val="290144346"/>
       </p:ext>
     </p:extLst>
   </p:cSld>
@@ -5341,7 +5171,7 @@
         <p:spPr>
           <a:xfrm>
             <a:off x="672483" y="1012055"/>
-            <a:ext cx="10847034" cy="5170646"/>
+            <a:ext cx="10847034" cy="4893647"/>
           </a:xfrm>
           <a:prstGeom prst="rect">
             <a:avLst/>
@@ -5356,11 +5186,19 @@
           <a:p>
             <a:r>
               <a:rPr lang="en-US" altLang="zh-CN" sz="3200" dirty="0"/>
+              <a:t>Linux</a:t>
+            </a:r>
+            <a:r>
+              <a:rPr lang="zh-CN" altLang="en-US" sz="3200" dirty="0"/>
+              <a:t>平台</a:t>
+            </a:r>
+            <a:r>
+              <a:rPr lang="en-US" altLang="zh-CN" sz="3200" dirty="0"/>
               <a:t>PHP</a:t>
             </a:r>
             <a:r>
               <a:rPr lang="zh-CN" altLang="en-US" sz="3200" dirty="0"/>
-              <a:t>底层开发 </a:t>
+              <a:t>服务端开发</a:t>
             </a:r>
             <a:r>
               <a:rPr lang="en-US" altLang="zh-CN" sz="3200" dirty="0"/>
@@ -5381,73 +5219,47 @@
           </a:p>
           <a:p>
             <a:pPr algn="ctr"/>
-            <a:r>
-              <a:rPr lang="en-US" altLang="zh-CN" dirty="0">
-                <a:solidFill>
-                  <a:schemeClr val="tx1">
-                    <a:lumMod val="50000"/>
-                    <a:lumOff val="50000"/>
-                  </a:schemeClr>
-                </a:solidFill>
-              </a:rPr>
-              <a:t>1  0  0  1</a:t>
-            </a:r>
+            <a:endParaRPr lang="en-US" altLang="zh-CN" dirty="0">
+              <a:solidFill>
+                <a:schemeClr val="tx1">
+                  <a:lumMod val="50000"/>
+                  <a:lumOff val="50000"/>
+                </a:schemeClr>
+              </a:solidFill>
+            </a:endParaRPr>
           </a:p>
           <a:p>
             <a:pPr algn="ctr"/>
-            <a:r>
-              <a:rPr lang="en-US" altLang="zh-CN" dirty="0">
-                <a:solidFill>
-                  <a:schemeClr val="tx1">
-                    <a:lumMod val="50000"/>
-                    <a:lumOff val="50000"/>
-                  </a:schemeClr>
-                </a:solidFill>
-              </a:rPr>
-              <a:t>0  1  1  0</a:t>
-            </a:r>
+            <a:endParaRPr lang="en-US" altLang="zh-CN" dirty="0">
+              <a:solidFill>
+                <a:schemeClr val="tx1">
+                  <a:lumMod val="50000"/>
+                  <a:lumOff val="50000"/>
+                </a:schemeClr>
+              </a:solidFill>
+            </a:endParaRPr>
           </a:p>
           <a:p>
             <a:pPr algn="ctr"/>
-            <a:r>
-              <a:rPr lang="en-US" altLang="zh-CN" dirty="0">
-                <a:solidFill>
-                  <a:schemeClr val="tx1">
-                    <a:lumMod val="50000"/>
-                    <a:lumOff val="50000"/>
-                  </a:schemeClr>
-                </a:solidFill>
-              </a:rPr>
-              <a:t>1  0  0  1</a:t>
-            </a:r>
+            <a:endParaRPr lang="en-US" altLang="zh-CN" dirty="0">
+              <a:solidFill>
+                <a:schemeClr val="tx1">
+                  <a:lumMod val="50000"/>
+                  <a:lumOff val="50000"/>
+                </a:schemeClr>
+              </a:solidFill>
+            </a:endParaRPr>
           </a:p>
           <a:p>
             <a:pPr algn="ctr"/>
-            <a:r>
-              <a:rPr lang="en-US" altLang="zh-CN" dirty="0">
-                <a:solidFill>
-                  <a:schemeClr val="tx1">
-                    <a:lumMod val="50000"/>
-                    <a:lumOff val="50000"/>
-                  </a:schemeClr>
-                </a:solidFill>
-              </a:rPr>
-              <a:t>0  1  1  0</a:t>
-            </a:r>
-          </a:p>
-          <a:p>
-            <a:pPr algn="ctr"/>
-            <a:r>
-              <a:rPr lang="en-US" altLang="zh-CN" dirty="0">
-                <a:solidFill>
-                  <a:schemeClr val="tx1">
-                    <a:lumMod val="50000"/>
-                    <a:lumOff val="50000"/>
-                  </a:schemeClr>
-                </a:solidFill>
-              </a:rPr>
-              <a:t>1  0  0  1</a:t>
-            </a:r>
+            <a:endParaRPr lang="en-US" altLang="zh-CN" dirty="0">
+              <a:solidFill>
+                <a:schemeClr val="tx1">
+                  <a:lumMod val="50000"/>
+                  <a:lumOff val="50000"/>
+                </a:schemeClr>
+              </a:solidFill>
+            </a:endParaRPr>
           </a:p>
           <a:p>
             <a:pPr algn="ctr"/>
@@ -5491,61 +5303,6 @@
           </a:p>
           <a:p>
             <a:endParaRPr lang="en-US" altLang="zh-CN" dirty="0"/>
-          </a:p>
-        </p:txBody>
-      </p:sp>
-      <p:sp>
-        <p:nvSpPr>
-          <p:cNvPr id="4" name="云形 3">
-            <a:extLst>
-              <a:ext uri="{FF2B5EF4-FFF2-40B4-BE49-F238E27FC236}">
-                <a16:creationId xmlns:a16="http://schemas.microsoft.com/office/drawing/2014/main" id="{FB93CA04-9A10-4FDC-B520-5825D0C2A77A}"/>
-              </a:ext>
-            </a:extLst>
-          </p:cNvPr>
-          <p:cNvSpPr/>
-          <p:nvPr/>
-        </p:nvSpPr>
-        <p:spPr>
-          <a:xfrm>
-            <a:off x="4685710" y="1632582"/>
-            <a:ext cx="2521259" cy="1020932"/>
-          </a:xfrm>
-          <a:prstGeom prst="cloud">
-            <a:avLst/>
-          </a:prstGeom>
-          <a:noFill/>
-          <a:ln>
-            <a:solidFill>
-              <a:schemeClr val="tx1">
-                <a:lumMod val="65000"/>
-                <a:lumOff val="35000"/>
-              </a:schemeClr>
-            </a:solidFill>
-          </a:ln>
-        </p:spPr>
-        <p:style>
-          <a:lnRef idx="2">
-            <a:schemeClr val="accent1">
-              <a:shade val="50000"/>
-            </a:schemeClr>
-          </a:lnRef>
-          <a:fillRef idx="1">
-            <a:schemeClr val="accent1"/>
-          </a:fillRef>
-          <a:effectRef idx="0">
-            <a:schemeClr val="accent1"/>
-          </a:effectRef>
-          <a:fontRef idx="minor">
-            <a:schemeClr val="lt1"/>
-          </a:fontRef>
-        </p:style>
-        <p:txBody>
-          <a:bodyPr rtlCol="0" anchor="ctr"/>
-          <a:lstStyle/>
-          <a:p>
-            <a:pPr algn="ctr"/>
-            <a:endParaRPr lang="zh-CN" altLang="en-US"/>
           </a:p>
         </p:txBody>
       </p:sp>
@@ -5607,11 +5364,19 @@
           <a:p>
             <a:r>
               <a:rPr lang="en-US" altLang="zh-CN" dirty="0" err="1"/>
+              <a:t>Swoole</a:t>
+            </a:r>
+            <a:r>
+              <a:rPr lang="zh-CN" altLang="en-US" dirty="0"/>
+              <a:t>编写</a:t>
+            </a:r>
+            <a:r>
+              <a:rPr lang="en-US" altLang="zh-CN" dirty="0" err="1"/>
               <a:t>Websocket</a:t>
             </a:r>
             <a:r>
               <a:rPr lang="zh-CN" altLang="en-US" dirty="0"/>
-              <a:t>协议流程简介</a:t>
+              <a:t>服务</a:t>
             </a:r>
           </a:p>
         </p:txBody>
@@ -5640,212 +5405,293 @@
         </p:spPr>
         <p:txBody>
           <a:bodyPr>
-            <a:normAutofit/>
+            <a:normAutofit fontScale="92500" lnSpcReduction="10000"/>
           </a:bodyPr>
           <a:lstStyle/>
           <a:p>
-            <a:pPr>
+            <a:r>
+              <a:rPr lang="zh-CN" altLang="en-US" sz="2000" dirty="0"/>
+              <a:t>使用代码示例来理解如何用</a:t>
+            </a:r>
+            <a:r>
+              <a:rPr lang="en-US" altLang="zh-CN" sz="2000" dirty="0" err="1"/>
+              <a:t>Swoole</a:t>
+            </a:r>
+            <a:r>
+              <a:rPr lang="zh-CN" altLang="en-US" sz="2000" dirty="0"/>
+              <a:t>实现</a:t>
+            </a:r>
+            <a:r>
+              <a:rPr lang="en-US" altLang="zh-CN" sz="2000" dirty="0" err="1"/>
+              <a:t>Websocket</a:t>
+            </a:r>
+            <a:r>
+              <a:rPr lang="zh-CN" altLang="en-US" sz="2000" dirty="0"/>
+              <a:t>服务：</a:t>
+            </a:r>
+            <a:endParaRPr lang="en-US" altLang="zh-CN" sz="1800" dirty="0"/>
+          </a:p>
+          <a:p>
+            <a:pPr marL="457200" lvl="1" indent="0">
               <a:lnSpc>
-                <a:spcPct val="100000"/>
+                <a:spcPct val="110000"/>
               </a:lnSpc>
-              <a:spcBef>
-                <a:spcPts val="0"/>
-              </a:spcBef>
+              <a:buNone/>
             </a:pPr>
             <a:r>
-              <a:rPr lang="en-US" altLang="zh-CN" sz="2000" dirty="0"/>
-              <a:t>HTTP</a:t>
-            </a:r>
-            <a:r>
-              <a:rPr lang="zh-CN" altLang="en-US" sz="2000" dirty="0"/>
-              <a:t>请求</a:t>
-            </a:r>
-            <a:endParaRPr lang="en-US" altLang="zh-CN" sz="2000" dirty="0"/>
-          </a:p>
-          <a:p>
-            <a:pPr marL="0" indent="0">
-              <a:lnSpc>
-                <a:spcPct val="100000"/>
-              </a:lnSpc>
-              <a:spcBef>
-                <a:spcPts val="0"/>
-              </a:spcBef>
-              <a:buNone/>
-            </a:pPr>
-            <a:r>
-              <a:rPr lang="en-US" altLang="zh-CN" sz="1800" dirty="0"/>
-              <a:t>GET /chat HTTP/1.1</a:t>
-            </a:r>
-          </a:p>
-          <a:p>
-            <a:pPr marL="0" indent="0">
-              <a:lnSpc>
-                <a:spcPct val="100000"/>
-              </a:lnSpc>
-              <a:spcBef>
-                <a:spcPts val="0"/>
-              </a:spcBef>
-              <a:buNone/>
-            </a:pPr>
-            <a:r>
-              <a:rPr lang="en-US" altLang="zh-CN" sz="1800" dirty="0"/>
-              <a:t>Host: server.example.com</a:t>
-            </a:r>
-          </a:p>
-          <a:p>
-            <a:pPr marL="0" indent="0">
-              <a:lnSpc>
-                <a:spcPct val="100000"/>
-              </a:lnSpc>
-              <a:spcBef>
-                <a:spcPts val="0"/>
-              </a:spcBef>
-              <a:buNone/>
-            </a:pPr>
-            <a:r>
-              <a:rPr lang="en-US" altLang="zh-CN" sz="1800" dirty="0"/>
-              <a:t>Upgrade: </a:t>
-            </a:r>
-            <a:r>
-              <a:rPr lang="en-US" altLang="zh-CN" sz="1800" dirty="0" err="1"/>
-              <a:t>websocket</a:t>
-            </a:r>
-            <a:endParaRPr lang="en-US" altLang="zh-CN" sz="1800" dirty="0"/>
-          </a:p>
-          <a:p>
-            <a:pPr marL="0" indent="0">
-              <a:lnSpc>
-                <a:spcPct val="100000"/>
-              </a:lnSpc>
-              <a:spcBef>
-                <a:spcPts val="0"/>
-              </a:spcBef>
-              <a:buNone/>
-            </a:pPr>
-            <a:r>
-              <a:rPr lang="en-US" altLang="zh-CN" sz="1800" dirty="0">
-                <a:solidFill>
-                  <a:srgbClr val="C00000"/>
-                </a:solidFill>
-              </a:rPr>
-              <a:t>Connection: Upgrade</a:t>
-            </a:r>
-          </a:p>
-          <a:p>
-            <a:pPr marL="0" indent="0">
-              <a:lnSpc>
-                <a:spcPct val="100000"/>
-              </a:lnSpc>
-              <a:spcBef>
-                <a:spcPts val="0"/>
-              </a:spcBef>
-              <a:buNone/>
-            </a:pPr>
-            <a:r>
-              <a:rPr lang="en-US" altLang="zh-CN" sz="1800" dirty="0">
-                <a:solidFill>
-                  <a:srgbClr val="C00000"/>
-                </a:solidFill>
-              </a:rPr>
-              <a:t>Sec-</a:t>
-            </a:r>
-            <a:r>
-              <a:rPr lang="en-US" altLang="zh-CN" sz="1800" dirty="0" err="1">
-                <a:solidFill>
-                  <a:srgbClr val="C00000"/>
-                </a:solidFill>
-              </a:rPr>
-              <a:t>WebSocket</a:t>
-            </a:r>
-            <a:r>
-              <a:rPr lang="en-US" altLang="zh-CN" sz="1800" dirty="0">
-                <a:solidFill>
-                  <a:srgbClr val="C00000"/>
-                </a:solidFill>
-              </a:rPr>
-              <a:t>-Key: dGhlIHNhbXBsZSBub25jZQ==</a:t>
-            </a:r>
-          </a:p>
-          <a:p>
-            <a:pPr marL="0" indent="0">
-              <a:lnSpc>
-                <a:spcPct val="100000"/>
-              </a:lnSpc>
-              <a:spcBef>
-                <a:spcPts val="0"/>
-              </a:spcBef>
-              <a:buNone/>
-            </a:pPr>
-            <a:r>
-              <a:rPr lang="en-US" altLang="zh-CN" sz="1800" dirty="0"/>
-              <a:t>Origin: http://example.com</a:t>
-            </a:r>
-          </a:p>
-          <a:p>
-            <a:pPr marL="0" indent="0">
-              <a:lnSpc>
-                <a:spcPct val="100000"/>
-              </a:lnSpc>
-              <a:spcBef>
-                <a:spcPts val="0"/>
-              </a:spcBef>
-              <a:buNone/>
-            </a:pPr>
-            <a:r>
-              <a:rPr lang="en-US" altLang="zh-CN" sz="1800" dirty="0"/>
-              <a:t>Sec-</a:t>
-            </a:r>
-            <a:r>
-              <a:rPr lang="en-US" altLang="zh-CN" sz="1800" dirty="0" err="1"/>
-              <a:t>WebSocket</a:t>
-            </a:r>
-            <a:r>
-              <a:rPr lang="en-US" altLang="zh-CN" sz="1800" dirty="0"/>
-              <a:t>-Protocol: chat, </a:t>
-            </a:r>
-            <a:r>
-              <a:rPr lang="en-US" altLang="zh-CN" sz="1800" dirty="0" err="1"/>
-              <a:t>superchat</a:t>
-            </a:r>
-            <a:endParaRPr lang="en-US" altLang="zh-CN" sz="1800" dirty="0"/>
-          </a:p>
-          <a:p>
-            <a:pPr marL="0" indent="0">
-              <a:lnSpc>
-                <a:spcPct val="100000"/>
-              </a:lnSpc>
-              <a:spcBef>
-                <a:spcPts val="0"/>
-              </a:spcBef>
-              <a:buNone/>
-            </a:pPr>
-            <a:r>
-              <a:rPr lang="en-US" altLang="zh-CN" sz="1800" dirty="0"/>
-              <a:t>Sec-</a:t>
-            </a:r>
-            <a:r>
-              <a:rPr lang="en-US" altLang="zh-CN" sz="1800" dirty="0" err="1"/>
-              <a:t>WebSocket</a:t>
-            </a:r>
-            <a:r>
-              <a:rPr lang="en-US" altLang="zh-CN" sz="1800" dirty="0"/>
-              <a:t>-Version: 13</a:t>
-            </a:r>
-          </a:p>
-          <a:p>
-            <a:pPr>
-              <a:spcBef>
-                <a:spcPts val="0"/>
-              </a:spcBef>
-            </a:pPr>
-            <a:endParaRPr lang="en-US" altLang="zh-CN" sz="2000" dirty="0"/>
+              <a:rPr lang="en-US" altLang="zh-CN" sz="1700" dirty="0"/>
+              <a:t>class </a:t>
+            </a:r>
+            <a:r>
+              <a:rPr lang="en-US" altLang="zh-CN" sz="1700" dirty="0" err="1"/>
+              <a:t>phpWebSocket</a:t>
+            </a:r>
+            <a:br>
+              <a:rPr lang="en-US" altLang="zh-CN" sz="1700" dirty="0"/>
+            </a:br>
+            <a:r>
+              <a:rPr lang="en-US" altLang="zh-CN" sz="1700" dirty="0"/>
+              <a:t>{</a:t>
+            </a:r>
+            <a:br>
+              <a:rPr lang="en-US" altLang="zh-CN" sz="1700" dirty="0"/>
+            </a:br>
+            <a:r>
+              <a:rPr lang="en-US" altLang="zh-CN" sz="1700" dirty="0"/>
+              <a:t>    private $server;</a:t>
+            </a:r>
+            <a:br>
+              <a:rPr lang="en-US" altLang="zh-CN" sz="1700" dirty="0"/>
+            </a:br>
+            <a:r>
+              <a:rPr lang="en-US" altLang="zh-CN" sz="1700" dirty="0"/>
+              <a:t>    public function __construct() {</a:t>
+            </a:r>
+            <a:br>
+              <a:rPr lang="en-US" altLang="zh-CN" sz="1700" dirty="0"/>
+            </a:br>
+            <a:r>
+              <a:rPr lang="en-US" altLang="zh-CN" sz="1700" dirty="0"/>
+              <a:t>        $this-&gt;server = new </a:t>
+            </a:r>
+            <a:r>
+              <a:rPr lang="en-US" altLang="zh-CN" sz="1700" dirty="0" err="1"/>
+              <a:t>swoole_websocket_server</a:t>
+            </a:r>
+            <a:r>
+              <a:rPr lang="en-US" altLang="zh-CN" sz="1700" dirty="0"/>
+              <a:t>(‘localhost’,9876);</a:t>
+            </a:r>
+            <a:br>
+              <a:rPr lang="en-US" altLang="zh-CN" sz="1700" dirty="0"/>
+            </a:br>
+            <a:r>
+              <a:rPr lang="en-US" altLang="zh-CN" sz="1700" dirty="0"/>
+              <a:t>        $this-&gt;server-&gt;on('</a:t>
+            </a:r>
+            <a:r>
+              <a:rPr lang="en-US" altLang="zh-CN" sz="1700" dirty="0" err="1"/>
+              <a:t>open',function</a:t>
+            </a:r>
+            <a:r>
+              <a:rPr lang="en-US" altLang="zh-CN" sz="1700" dirty="0"/>
+              <a:t>($server, $</a:t>
+            </a:r>
+            <a:r>
+              <a:rPr lang="en-US" altLang="zh-CN" sz="1700" dirty="0" err="1"/>
+              <a:t>req</a:t>
+            </a:r>
+            <a:r>
+              <a:rPr lang="en-US" altLang="zh-CN" sz="1700" dirty="0"/>
+              <a:t>) {</a:t>
+            </a:r>
+            <a:br>
+              <a:rPr lang="en-US" altLang="zh-CN" sz="1700" dirty="0"/>
+            </a:br>
+            <a:r>
+              <a:rPr lang="en-US" altLang="zh-CN" sz="1700" dirty="0"/>
+              <a:t>            $server-&gt;push($</a:t>
+            </a:r>
+            <a:r>
+              <a:rPr lang="en-US" altLang="zh-CN" sz="1700" dirty="0" err="1"/>
+              <a:t>req</a:t>
+            </a:r>
+            <a:r>
+              <a:rPr lang="en-US" altLang="zh-CN" sz="1700" dirty="0"/>
+              <a:t>-&gt;</a:t>
+            </a:r>
+            <a:r>
+              <a:rPr lang="en-US" altLang="zh-CN" sz="1700" dirty="0" err="1"/>
+              <a:t>fd</a:t>
+            </a:r>
+            <a:r>
+              <a:rPr lang="en-US" altLang="zh-CN" sz="1700" dirty="0"/>
+              <a:t>,"Hey. $</a:t>
+            </a:r>
+            <a:r>
+              <a:rPr lang="en-US" altLang="zh-CN" sz="1700" dirty="0" err="1"/>
+              <a:t>fd</a:t>
+            </a:r>
+            <a:r>
+              <a:rPr lang="en-US" altLang="zh-CN" sz="1700" dirty="0"/>
+              <a:t>");</a:t>
+            </a:r>
+            <a:br>
+              <a:rPr lang="en-US" altLang="zh-CN" sz="1700" dirty="0"/>
+            </a:br>
+            <a:r>
+              <a:rPr lang="en-US" altLang="zh-CN" sz="1700" dirty="0"/>
+              <a:t>        });</a:t>
+            </a:r>
+            <a:br>
+              <a:rPr lang="en-US" altLang="zh-CN" sz="1700" dirty="0"/>
+            </a:br>
+            <a:r>
+              <a:rPr lang="en-US" altLang="zh-CN" sz="1700" dirty="0"/>
+              <a:t>        $this-&gt;server-&gt;on('</a:t>
+            </a:r>
+            <a:r>
+              <a:rPr lang="en-US" altLang="zh-CN" sz="1700" dirty="0" err="1"/>
+              <a:t>message',function</a:t>
+            </a:r>
+            <a:r>
+              <a:rPr lang="en-US" altLang="zh-CN" sz="1700" dirty="0"/>
+              <a:t>($server,$</a:t>
+            </a:r>
+            <a:r>
+              <a:rPr lang="en-US" altLang="zh-CN" sz="1700" dirty="0" err="1"/>
+              <a:t>cnn</a:t>
+            </a:r>
+            <a:r>
+              <a:rPr lang="en-US" altLang="zh-CN" sz="1700" dirty="0"/>
+              <a:t>) {</a:t>
+            </a:r>
+            <a:br>
+              <a:rPr lang="en-US" altLang="zh-CN" sz="1700" dirty="0"/>
+            </a:br>
+            <a:r>
+              <a:rPr lang="en-US" altLang="zh-CN" sz="1700" dirty="0"/>
+              <a:t>            $server-&gt;push($</a:t>
+            </a:r>
+            <a:r>
+              <a:rPr lang="en-US" altLang="zh-CN" sz="1700" dirty="0" err="1"/>
+              <a:t>cnn</a:t>
+            </a:r>
+            <a:r>
+              <a:rPr lang="en-US" altLang="zh-CN" sz="1700" dirty="0"/>
+              <a:t>-&gt;</a:t>
+            </a:r>
+            <a:r>
+              <a:rPr lang="en-US" altLang="zh-CN" sz="1700" dirty="0" err="1"/>
+              <a:t>fd</a:t>
+            </a:r>
+            <a:r>
+              <a:rPr lang="en-US" altLang="zh-CN" sz="1700" dirty="0"/>
+              <a:t>,$</a:t>
+            </a:r>
+            <a:r>
+              <a:rPr lang="en-US" altLang="zh-CN" sz="1700" dirty="0" err="1"/>
+              <a:t>cnn</a:t>
+            </a:r>
+            <a:r>
+              <a:rPr lang="en-US" altLang="zh-CN" sz="1700" dirty="0"/>
+              <a:t>-&gt;data);</a:t>
+            </a:r>
+            <a:br>
+              <a:rPr lang="en-US" altLang="zh-CN" sz="1700" dirty="0"/>
+            </a:br>
+            <a:r>
+              <a:rPr lang="en-US" altLang="zh-CN" sz="1700" dirty="0"/>
+              <a:t>        });</a:t>
+            </a:r>
+            <a:br>
+              <a:rPr lang="en-US" altLang="zh-CN" sz="1700" dirty="0"/>
+            </a:br>
+            <a:r>
+              <a:rPr lang="en-US" altLang="zh-CN" sz="1700" dirty="0"/>
+              <a:t>        $this-&gt;server-&gt;on('</a:t>
+            </a:r>
+            <a:r>
+              <a:rPr lang="en-US" altLang="zh-CN" sz="1700" dirty="0" err="1"/>
+              <a:t>close',function</a:t>
+            </a:r>
+            <a:r>
+              <a:rPr lang="en-US" altLang="zh-CN" sz="1700" dirty="0"/>
+              <a:t>($server, $</a:t>
+            </a:r>
+            <a:r>
+              <a:rPr lang="en-US" altLang="zh-CN" sz="1700" dirty="0" err="1"/>
+              <a:t>fd</a:t>
+            </a:r>
+            <a:r>
+              <a:rPr lang="en-US" altLang="zh-CN" sz="1700" dirty="0"/>
+              <a:t>) {</a:t>
+            </a:r>
+            <a:br>
+              <a:rPr lang="en-US" altLang="zh-CN" sz="1700" dirty="0"/>
+            </a:br>
+            <a:r>
+              <a:rPr lang="en-US" altLang="zh-CN" sz="1700" dirty="0"/>
+              <a:t>            echo $</a:t>
+            </a:r>
+            <a:r>
+              <a:rPr lang="en-US" altLang="zh-CN" sz="1700" dirty="0" err="1"/>
+              <a:t>fd</a:t>
+            </a:r>
+            <a:r>
+              <a:rPr lang="en-US" altLang="zh-CN" sz="1700" dirty="0"/>
+              <a:t> . " closed\n";</a:t>
+            </a:r>
+            <a:br>
+              <a:rPr lang="en-US" altLang="zh-CN" sz="1700" dirty="0"/>
+            </a:br>
+            <a:r>
+              <a:rPr lang="en-US" altLang="zh-CN" sz="1700" dirty="0"/>
+              <a:t>        });</a:t>
+            </a:r>
+            <a:br>
+              <a:rPr lang="en-US" altLang="zh-CN" sz="1700" dirty="0"/>
+            </a:br>
+            <a:r>
+              <a:rPr lang="en-US" altLang="zh-CN" sz="1700" dirty="0"/>
+              <a:t>        $this-&gt;server-&gt;start();</a:t>
+            </a:r>
+            <a:br>
+              <a:rPr lang="en-US" altLang="zh-CN" sz="1700" dirty="0"/>
+            </a:br>
+            <a:r>
+              <a:rPr lang="en-US" altLang="zh-CN" sz="1700" dirty="0"/>
+              <a:t>    }</a:t>
+            </a:r>
+            <a:br>
+              <a:rPr lang="en-US" altLang="zh-CN" sz="1700" dirty="0"/>
+            </a:br>
+            <a:r>
+              <a:rPr lang="en-US" altLang="zh-CN" sz="1700" dirty="0"/>
+              <a:t>}</a:t>
+            </a:r>
+            <a:br>
+              <a:rPr lang="en-US" altLang="zh-CN" sz="1700" dirty="0"/>
+            </a:br>
+            <a:r>
+              <a:rPr lang="en-US" altLang="zh-CN" sz="1700" dirty="0"/>
+              <a:t>new </a:t>
+            </a:r>
+            <a:r>
+              <a:rPr lang="en-US" altLang="zh-CN" sz="1700" dirty="0" err="1"/>
+              <a:t>phpWebSocket</a:t>
+            </a:r>
+            <a:r>
+              <a:rPr lang="en-US" altLang="zh-CN" sz="1700" dirty="0"/>
+              <a:t>();</a:t>
+            </a:r>
           </a:p>
         </p:txBody>
       </p:sp>
     </p:spTree>
     <p:extLst>
       <p:ext uri="{BB962C8B-B14F-4D97-AF65-F5344CB8AC3E}">
-        <p14:creationId xmlns:p14="http://schemas.microsoft.com/office/powerpoint/2010/main" val="1284186908"/>
+        <p14:creationId xmlns:p14="http://schemas.microsoft.com/office/powerpoint/2010/main" val="2051629585"/>
       </p:ext>
     </p:extLst>
   </p:cSld>
@@ -5899,18 +5745,30 @@
           <a:lstStyle/>
           <a:p>
             <a:r>
+              <a:rPr lang="en-US" altLang="zh-CN" dirty="0" err="1"/>
+              <a:t>Swoole</a:t>
+            </a:r>
+            <a:r>
               <a:rPr lang="zh-CN" altLang="en-US" dirty="0"/>
-              <a:t>查看通信数据</a:t>
-            </a:r>
-          </a:p>
-        </p:txBody>
-      </p:sp>
-      <p:sp>
-        <p:nvSpPr>
-          <p:cNvPr id="3" name="内容占位符 2">
+              <a:t>编写</a:t>
+            </a:r>
+            <a:r>
+              <a:rPr lang="en-US" altLang="zh-CN" dirty="0" err="1"/>
+              <a:t>Websocket</a:t>
+            </a:r>
+            <a:r>
+              <a:rPr lang="zh-CN" altLang="en-US" dirty="0"/>
+              <a:t>客户端</a:t>
+            </a:r>
+          </a:p>
+        </p:txBody>
+      </p:sp>
+      <p:sp>
+        <p:nvSpPr>
+          <p:cNvPr id="6" name="内容占位符 5">
             <a:extLst>
               <a:ext uri="{FF2B5EF4-FFF2-40B4-BE49-F238E27FC236}">
-                <a16:creationId xmlns:a16="http://schemas.microsoft.com/office/drawing/2014/main" id="{FECA8CC6-952B-46BC-BC09-A1FCDF8F912D}"/>
+                <a16:creationId xmlns:a16="http://schemas.microsoft.com/office/drawing/2014/main" id="{B83E9AD4-C606-4679-B884-01F71CC97E44}"/>
               </a:ext>
             </a:extLst>
           </p:cNvPr>
@@ -5921,21 +5779,177 @@
             <p:ph idx="1"/>
           </p:nvPr>
         </p:nvSpPr>
-        <p:spPr/>
+        <p:spPr>
+          <a:xfrm>
+            <a:off x="838200" y="1656500"/>
+            <a:ext cx="10515600" cy="4850832"/>
+          </a:xfrm>
+        </p:spPr>
         <p:txBody>
           <a:bodyPr>
             <a:normAutofit/>
           </a:bodyPr>
           <a:lstStyle/>
           <a:p>
-            <a:endParaRPr lang="zh-CN" altLang="en-US" sz="2000" dirty="0"/>
+            <a:r>
+              <a:rPr lang="zh-CN" altLang="en-US" sz="2000" dirty="0"/>
+              <a:t>客户端每隔</a:t>
+            </a:r>
+            <a:r>
+              <a:rPr lang="en-US" altLang="zh-CN" sz="2000" dirty="0"/>
+              <a:t>100ms</a:t>
+            </a:r>
+            <a:r>
+              <a:rPr lang="zh-CN" altLang="en-US" sz="2000" dirty="0"/>
+              <a:t>向服务器发送一条消息：</a:t>
+            </a:r>
+            <a:endParaRPr lang="en-US" altLang="zh-CN" sz="1800" dirty="0"/>
+          </a:p>
+          <a:p>
+            <a:pPr marL="457200" lvl="1" indent="0">
+              <a:lnSpc>
+                <a:spcPct val="110000"/>
+              </a:lnSpc>
+              <a:buNone/>
+            </a:pPr>
+            <a:r>
+              <a:rPr lang="en-US" altLang="zh-CN" sz="1800" dirty="0"/>
+              <a:t>$cli = new </a:t>
+            </a:r>
+            <a:r>
+              <a:rPr lang="en-US" altLang="zh-CN" sz="1800" dirty="0" err="1"/>
+              <a:t>swoole_http_client</a:t>
+            </a:r>
+            <a:r>
+              <a:rPr lang="en-US" altLang="zh-CN" sz="1800" dirty="0"/>
+              <a:t>(‘127.0.0.1’,9876);</a:t>
+            </a:r>
+            <a:br>
+              <a:rPr lang="en-US" altLang="zh-CN" sz="1800" dirty="0"/>
+            </a:br>
+            <a:r>
+              <a:rPr lang="en-US" altLang="zh-CN" sz="1400" i="1" dirty="0">
+                <a:solidFill>
+                  <a:srgbClr val="C00000"/>
+                </a:solidFill>
+              </a:rPr>
+              <a:t>//</a:t>
+            </a:r>
+            <a:r>
+              <a:rPr lang="en-US" altLang="zh-CN" sz="1400" i="1" dirty="0" err="1">
+                <a:solidFill>
+                  <a:srgbClr val="C00000"/>
+                </a:solidFill>
+              </a:rPr>
+              <a:t>onMessage</a:t>
+            </a:r>
+            <a:r>
+              <a:rPr lang="zh-CN" altLang="en-US" sz="1400" i="1" dirty="0">
+                <a:solidFill>
+                  <a:srgbClr val="C00000"/>
+                </a:solidFill>
+              </a:rPr>
+              <a:t>事件是必须的</a:t>
+            </a:r>
+            <a:br>
+              <a:rPr lang="en-US" altLang="zh-CN" sz="1800" dirty="0"/>
+            </a:br>
+            <a:r>
+              <a:rPr lang="en-US" altLang="zh-CN" sz="1800" dirty="0"/>
+              <a:t>$cli-&gt;on('</a:t>
+            </a:r>
+            <a:r>
+              <a:rPr lang="en-US" altLang="zh-CN" sz="1800" dirty="0" err="1"/>
+              <a:t>message',function</a:t>
+            </a:r>
+            <a:r>
+              <a:rPr lang="en-US" altLang="zh-CN" sz="1800" dirty="0"/>
+              <a:t>($</a:t>
+            </a:r>
+            <a:r>
+              <a:rPr lang="en-US" altLang="zh-CN" sz="1800" dirty="0" err="1"/>
+              <a:t>cli,$frame</a:t>
+            </a:r>
+            <a:r>
+              <a:rPr lang="en-US" altLang="zh-CN" sz="1800" dirty="0"/>
+              <a:t>){</a:t>
+            </a:r>
+            <a:br>
+              <a:rPr lang="en-US" altLang="zh-CN" sz="1800" dirty="0"/>
+            </a:br>
+            <a:r>
+              <a:rPr lang="en-US" altLang="zh-CN" sz="1800" dirty="0"/>
+              <a:t>    echo "Received: $frame-&gt;data\n";</a:t>
+            </a:r>
+            <a:br>
+              <a:rPr lang="en-US" altLang="zh-CN" sz="1800" dirty="0"/>
+            </a:br>
+            <a:r>
+              <a:rPr lang="en-US" altLang="zh-CN" sz="1800" dirty="0"/>
+              <a:t>    </a:t>
+            </a:r>
+            <a:r>
+              <a:rPr lang="en-US" altLang="zh-CN" sz="1800" dirty="0" err="1"/>
+              <a:t>usleep</a:t>
+            </a:r>
+            <a:r>
+              <a:rPr lang="en-US" altLang="zh-CN" sz="1800" dirty="0"/>
+              <a:t>(100000);</a:t>
+            </a:r>
+            <a:br>
+              <a:rPr lang="en-US" altLang="zh-CN" sz="1800" dirty="0"/>
+            </a:br>
+            <a:r>
+              <a:rPr lang="en-US" altLang="zh-CN" sz="1800" dirty="0"/>
+              <a:t>    $cli-&gt;push("Send: " . </a:t>
+            </a:r>
+            <a:r>
+              <a:rPr lang="en-US" altLang="zh-CN" sz="1800" dirty="0" err="1"/>
+              <a:t>mt_rand</a:t>
+            </a:r>
+            <a:r>
+              <a:rPr lang="en-US" altLang="zh-CN" sz="1800" dirty="0"/>
+              <a:t>(1000,10000));</a:t>
+            </a:r>
+            <a:br>
+              <a:rPr lang="en-US" altLang="zh-CN" sz="1800" dirty="0"/>
+            </a:br>
+            <a:r>
+              <a:rPr lang="en-US" altLang="zh-CN" sz="1800" dirty="0"/>
+              <a:t>});</a:t>
+            </a:r>
+            <a:br>
+              <a:rPr lang="en-US" altLang="zh-CN" sz="1800" dirty="0"/>
+            </a:br>
+            <a:br>
+              <a:rPr lang="en-US" altLang="zh-CN" sz="1800" dirty="0"/>
+            </a:br>
+            <a:r>
+              <a:rPr lang="en-US" altLang="zh-CN" sz="1800" dirty="0"/>
+              <a:t>$cli-&gt;upgrade('/',function($cli){</a:t>
+            </a:r>
+            <a:br>
+              <a:rPr lang="en-US" altLang="zh-CN" sz="1800" dirty="0"/>
+            </a:br>
+            <a:r>
+              <a:rPr lang="en-US" altLang="zh-CN" sz="1800" dirty="0"/>
+              <a:t>    $cli-&gt;push( time() );</a:t>
+            </a:r>
+            <a:br>
+              <a:rPr lang="en-US" altLang="zh-CN" sz="1800" dirty="0"/>
+            </a:br>
+            <a:r>
+              <a:rPr lang="en-US" altLang="zh-CN" sz="1800" dirty="0"/>
+              <a:t>});</a:t>
+            </a:r>
+            <a:endParaRPr lang="en-US" altLang="zh-CN" sz="1700" dirty="0"/>
           </a:p>
         </p:txBody>
       </p:sp>
     </p:spTree>
     <p:extLst>
       <p:ext uri="{BB962C8B-B14F-4D97-AF65-F5344CB8AC3E}">
-        <p14:creationId xmlns:p14="http://schemas.microsoft.com/office/powerpoint/2010/main" val="1643127994"/>
+        <p14:creationId xmlns:p14="http://schemas.microsoft.com/office/powerpoint/2010/main" val="3668390900"/>
       </p:ext>
     </p:extLst>
   </p:cSld>
@@ -5989,30 +6003,19 @@
           <a:lstStyle/>
           <a:p>
             <a:r>
-              <a:rPr lang="en-US" altLang="zh-CN" dirty="0" err="1"/>
-              <a:t>Swoole</a:t>
-            </a:r>
-            <a:r>
-              <a:rPr lang="zh-CN" altLang="en-US" dirty="0"/>
-              <a:t>编写</a:t>
-            </a:r>
-            <a:r>
-              <a:rPr lang="en-US" altLang="zh-CN" dirty="0" err="1"/>
-              <a:t>Websocket</a:t>
-            </a:r>
-            <a:r>
-              <a:rPr lang="zh-CN" altLang="en-US" dirty="0"/>
-              <a:t>服务</a:t>
-            </a:r>
-          </a:p>
-        </p:txBody>
-      </p:sp>
-      <p:sp>
-        <p:nvSpPr>
-          <p:cNvPr id="6" name="内容占位符 5">
+              <a:rPr lang="en-US" altLang="zh-CN" dirty="0"/>
+              <a:t>3</a:t>
+            </a:r>
+            <a:endParaRPr lang="zh-CN" altLang="en-US" dirty="0"/>
+          </a:p>
+        </p:txBody>
+      </p:sp>
+      <p:sp>
+        <p:nvSpPr>
+          <p:cNvPr id="3" name="内容占位符 2">
             <a:extLst>
               <a:ext uri="{FF2B5EF4-FFF2-40B4-BE49-F238E27FC236}">
-                <a16:creationId xmlns:a16="http://schemas.microsoft.com/office/drawing/2014/main" id="{B83E9AD4-C606-4679-B884-01F71CC97E44}"/>
+                <a16:creationId xmlns:a16="http://schemas.microsoft.com/office/drawing/2014/main" id="{ED7249CC-3D11-4FF8-8CF2-30C36502BA8B}"/>
               </a:ext>
             </a:extLst>
           </p:cNvPr>
@@ -6023,29 +6026,99 @@
             <p:ph idx="1"/>
           </p:nvPr>
         </p:nvSpPr>
-        <p:spPr>
-          <a:xfrm>
-            <a:off x="838200" y="1656500"/>
-            <a:ext cx="10515600" cy="4850832"/>
-          </a:xfrm>
-        </p:spPr>
-        <p:txBody>
-          <a:bodyPr>
-            <a:normAutofit/>
-          </a:bodyPr>
-          <a:lstStyle/>
-          <a:p>
-            <a:endParaRPr lang="en-US" altLang="zh-CN" sz="2000" dirty="0"/>
-          </a:p>
-          <a:p>
-            <a:endParaRPr lang="en-US" altLang="zh-CN" sz="2000" dirty="0"/>
+        <p:spPr/>
+        <p:txBody>
+          <a:bodyPr/>
+          <a:lstStyle/>
+          <a:p>
+            <a:pPr marL="0" indent="0" algn="ctr">
+              <a:buNone/>
+            </a:pPr>
+            <a:endParaRPr lang="en-US" altLang="zh-CN" dirty="0">
+              <a:solidFill>
+                <a:schemeClr val="accent1">
+                  <a:lumMod val="75000"/>
+                </a:schemeClr>
+              </a:solidFill>
+            </a:endParaRPr>
+          </a:p>
+          <a:p>
+            <a:pPr marL="0" indent="0" algn="ctr">
+              <a:buNone/>
+            </a:pPr>
+            <a:endParaRPr lang="en-US" altLang="zh-CN" dirty="0">
+              <a:solidFill>
+                <a:schemeClr val="accent1">
+                  <a:lumMod val="75000"/>
+                </a:schemeClr>
+              </a:solidFill>
+            </a:endParaRPr>
+          </a:p>
+          <a:p>
+            <a:pPr marL="0" indent="0" algn="ctr">
+              <a:buNone/>
+            </a:pPr>
+            <a:endParaRPr lang="en-US" altLang="zh-CN" dirty="0">
+              <a:solidFill>
+                <a:schemeClr val="accent1">
+                  <a:lumMod val="75000"/>
+                </a:schemeClr>
+              </a:solidFill>
+            </a:endParaRPr>
+          </a:p>
+          <a:p>
+            <a:pPr marL="0" indent="0" algn="ctr">
+              <a:buNone/>
+            </a:pPr>
+            <a:endParaRPr lang="en-US" altLang="zh-CN" dirty="0">
+              <a:solidFill>
+                <a:schemeClr val="accent1">
+                  <a:lumMod val="75000"/>
+                </a:schemeClr>
+              </a:solidFill>
+            </a:endParaRPr>
+          </a:p>
+          <a:p>
+            <a:pPr marL="0" indent="0" algn="ctr">
+              <a:buNone/>
+            </a:pPr>
+            <a:r>
+              <a:rPr lang="zh-CN" altLang="en-US" sz="3200" dirty="0">
+                <a:solidFill>
+                  <a:schemeClr val="accent1">
+                    <a:lumMod val="75000"/>
+                  </a:schemeClr>
+                </a:solidFill>
+              </a:rPr>
+              <a:t>基于</a:t>
+            </a:r>
+            <a:r>
+              <a:rPr lang="en-US" altLang="zh-CN" sz="3200" dirty="0" err="1">
+                <a:solidFill>
+                  <a:schemeClr val="accent1">
+                    <a:lumMod val="75000"/>
+                  </a:schemeClr>
+                </a:solidFill>
+              </a:rPr>
+              <a:t>Websocket</a:t>
+            </a:r>
+            <a:r>
+              <a:rPr lang="zh-CN" altLang="en-US" sz="3200" dirty="0">
+                <a:solidFill>
+                  <a:schemeClr val="accent1">
+                    <a:lumMod val="75000"/>
+                  </a:schemeClr>
+                </a:solidFill>
+              </a:rPr>
+              <a:t>实现推送</a:t>
+            </a:r>
           </a:p>
         </p:txBody>
       </p:sp>
     </p:spTree>
     <p:extLst>
       <p:ext uri="{BB962C8B-B14F-4D97-AF65-F5344CB8AC3E}">
-        <p14:creationId xmlns:p14="http://schemas.microsoft.com/office/powerpoint/2010/main" val="2051629585"/>
+        <p14:creationId xmlns:p14="http://schemas.microsoft.com/office/powerpoint/2010/main" val="1908713046"/>
       </p:ext>
     </p:extLst>
   </p:cSld>
@@ -6104,17 +6177,17 @@
             </a:r>
             <a:r>
               <a:rPr lang="zh-CN" altLang="en-US" dirty="0"/>
-              <a:t>退化为同步</a:t>
-            </a:r>
-          </a:p>
-        </p:txBody>
-      </p:sp>
-      <p:sp>
-        <p:nvSpPr>
-          <p:cNvPr id="3" name="内容占位符 2">
+              <a:t>实现每秒推送一条消息</a:t>
+            </a:r>
+          </a:p>
+        </p:txBody>
+      </p:sp>
+      <p:sp>
+        <p:nvSpPr>
+          <p:cNvPr id="6" name="内容占位符 5">
             <a:extLst>
               <a:ext uri="{FF2B5EF4-FFF2-40B4-BE49-F238E27FC236}">
-                <a16:creationId xmlns:a16="http://schemas.microsoft.com/office/drawing/2014/main" id="{0AD66112-A95E-43A5-BEC1-800B737F8E8C}"/>
+                <a16:creationId xmlns:a16="http://schemas.microsoft.com/office/drawing/2014/main" id="{B83E9AD4-C606-4679-B884-01F71CC97E44}"/>
               </a:ext>
             </a:extLst>
           </p:cNvPr>
@@ -6125,21 +6198,194 @@
             <p:ph idx="1"/>
           </p:nvPr>
         </p:nvSpPr>
-        <p:spPr/>
+        <p:spPr>
+          <a:xfrm>
+            <a:off x="838200" y="1656500"/>
+            <a:ext cx="10515600" cy="4850832"/>
+          </a:xfrm>
+        </p:spPr>
         <p:txBody>
           <a:bodyPr>
             <a:normAutofit/>
           </a:bodyPr>
           <a:lstStyle/>
           <a:p>
-            <a:endParaRPr lang="zh-CN" altLang="en-US" sz="2000" dirty="0"/>
+            <a:r>
+              <a:rPr lang="zh-CN" altLang="en-US" sz="2000" dirty="0"/>
+              <a:t>使用</a:t>
+            </a:r>
+            <a:r>
+              <a:rPr lang="en-US" altLang="zh-CN" sz="2000" dirty="0" err="1"/>
+              <a:t>Swoole</a:t>
+            </a:r>
+            <a:r>
+              <a:rPr lang="zh-CN" altLang="en-US" sz="2000" dirty="0"/>
+              <a:t>的</a:t>
+            </a:r>
+            <a:r>
+              <a:rPr lang="en-US" altLang="zh-CN" sz="2000" dirty="0" err="1"/>
+              <a:t>Websocket</a:t>
+            </a:r>
+            <a:r>
+              <a:rPr lang="zh-CN" altLang="en-US" sz="2000" dirty="0"/>
+              <a:t>服务可以实现服务端消息推送。</a:t>
+            </a:r>
+            <a:endParaRPr lang="en-US" altLang="zh-CN" sz="2000" dirty="0"/>
+          </a:p>
+          <a:p>
+            <a:r>
+              <a:rPr lang="zh-CN" altLang="en-US" sz="2000" dirty="0"/>
+              <a:t>每秒推送一条消息要考虑的问题：</a:t>
+            </a:r>
+            <a:endParaRPr lang="en-US" altLang="zh-CN" sz="2000" dirty="0"/>
+          </a:p>
+          <a:p>
+            <a:pPr lvl="1"/>
+            <a:r>
+              <a:rPr lang="en-US" altLang="zh-CN" sz="1800" dirty="0" err="1"/>
+              <a:t>Swoole</a:t>
+            </a:r>
+            <a:r>
+              <a:rPr lang="zh-CN" altLang="en-US" sz="1800" dirty="0"/>
+              <a:t>采用事件驱动的异步处理方式，</a:t>
+            </a:r>
+            <a:r>
+              <a:rPr lang="zh-CN" altLang="en-US" sz="1800" dirty="0">
+                <a:solidFill>
+                  <a:srgbClr val="C00000"/>
+                </a:solidFill>
+              </a:rPr>
+              <a:t>需要有一个触发事件。</a:t>
+            </a:r>
+            <a:endParaRPr lang="en-US" altLang="zh-CN" sz="1800" dirty="0">
+              <a:solidFill>
+                <a:srgbClr val="C00000"/>
+              </a:solidFill>
+            </a:endParaRPr>
+          </a:p>
+          <a:p>
+            <a:pPr lvl="1"/>
+            <a:r>
+              <a:rPr lang="zh-CN" altLang="en-US" sz="1800" dirty="0"/>
+              <a:t>不能使用循环与</a:t>
+            </a:r>
+            <a:r>
+              <a:rPr lang="en-US" altLang="zh-CN" sz="1800" dirty="0"/>
+              <a:t>sleep</a:t>
+            </a:r>
+            <a:r>
+              <a:rPr lang="zh-CN" altLang="en-US" sz="1800" dirty="0"/>
+              <a:t>的方式，这会把</a:t>
+            </a:r>
+            <a:r>
+              <a:rPr lang="en-US" altLang="zh-CN" sz="1800" dirty="0" err="1"/>
+              <a:t>Swoole</a:t>
+            </a:r>
+            <a:r>
+              <a:rPr lang="zh-CN" altLang="en-US" sz="1800" dirty="0"/>
+              <a:t>变成同步模式，并且每次只能处理一个请求，只有等一个连接关闭，才可以有新的请求进行处理。</a:t>
+            </a:r>
+            <a:endParaRPr lang="en-US" altLang="zh-CN" sz="1800" dirty="0"/>
+          </a:p>
+          <a:p>
+            <a:pPr lvl="1"/>
+            <a:r>
+              <a:rPr lang="en-US" altLang="zh-CN" sz="1800" dirty="0" err="1"/>
+              <a:t>Swoole</a:t>
+            </a:r>
+            <a:r>
+              <a:rPr lang="zh-CN" altLang="en-US" sz="1800" dirty="0"/>
+              <a:t>多进程分配请求导致连接信息不能由进程使用变量进行存储，需要一个公共的缓存空间进行存储。</a:t>
+            </a:r>
+            <a:endParaRPr lang="en-US" altLang="zh-CN" sz="1800" dirty="0"/>
+          </a:p>
+          <a:p>
+            <a:pPr lvl="1"/>
+            <a:r>
+              <a:rPr lang="zh-CN" altLang="en-US" sz="1800" dirty="0"/>
+              <a:t>由于是服务程序，需要创建守护进程。</a:t>
+            </a:r>
+            <a:endParaRPr lang="en-US" altLang="zh-CN" sz="1800" dirty="0"/>
+          </a:p>
+          <a:p>
+            <a:pPr lvl="1"/>
+            <a:r>
+              <a:rPr lang="zh-CN" altLang="en-US" sz="1800" dirty="0"/>
+              <a:t>进程要捕获</a:t>
+            </a:r>
+            <a:r>
+              <a:rPr lang="en-US" altLang="zh-CN" sz="1800" dirty="0"/>
+              <a:t>SIGTERM</a:t>
+            </a:r>
+            <a:r>
+              <a:rPr lang="zh-CN" altLang="en-US" sz="1800" dirty="0"/>
+              <a:t>信号进行后续处理后再退出。</a:t>
+            </a:r>
+            <a:endParaRPr lang="en-US" altLang="zh-CN" sz="1800" dirty="0"/>
+          </a:p>
+          <a:p>
+            <a:pPr lvl="1"/>
+            <a:endParaRPr lang="en-US" altLang="zh-CN" sz="1800" dirty="0"/>
+          </a:p>
+          <a:p>
+            <a:r>
+              <a:rPr lang="zh-CN" altLang="en-US" sz="2000" dirty="0"/>
+              <a:t>实现方案：</a:t>
+            </a:r>
+            <a:endParaRPr lang="en-US" altLang="zh-CN" sz="2000" dirty="0"/>
+          </a:p>
+          <a:p>
+            <a:pPr lvl="1"/>
+            <a:r>
+              <a:rPr lang="zh-CN" altLang="en-US" sz="1800" dirty="0"/>
+              <a:t>使用一个</a:t>
+            </a:r>
+            <a:r>
+              <a:rPr lang="en-US" altLang="zh-CN" sz="1800" dirty="0" err="1"/>
+              <a:t>Websocket</a:t>
+            </a:r>
+            <a:r>
+              <a:rPr lang="zh-CN" altLang="en-US" sz="1800" dirty="0"/>
+              <a:t>客户端连接到</a:t>
+            </a:r>
+            <a:r>
+              <a:rPr lang="en-US" altLang="zh-CN" sz="1800" dirty="0" err="1"/>
+              <a:t>Websocket</a:t>
+            </a:r>
+            <a:r>
+              <a:rPr lang="zh-CN" altLang="en-US" sz="1800" dirty="0"/>
+              <a:t>服务端，客户端每秒发送一条数据，服务端进行转发。由客户端触发消息推送事件。</a:t>
+            </a:r>
+            <a:endParaRPr lang="en-US" altLang="zh-CN" sz="1800" dirty="0"/>
+          </a:p>
+          <a:p>
+            <a:pPr lvl="1"/>
+            <a:r>
+              <a:rPr lang="zh-CN" altLang="en-US" sz="1800" dirty="0"/>
+              <a:t>使用</a:t>
+            </a:r>
+            <a:r>
+              <a:rPr lang="en-US" altLang="zh-CN" sz="1800" dirty="0"/>
+              <a:t>Memcached</a:t>
+            </a:r>
+            <a:r>
+              <a:rPr lang="zh-CN" altLang="en-US" sz="1800" dirty="0"/>
+              <a:t>缓存服务存储连接信息。</a:t>
+            </a:r>
+            <a:endParaRPr lang="en-US" altLang="zh-CN" sz="1800" dirty="0"/>
+          </a:p>
+          <a:p>
+            <a:pPr marL="457200" lvl="1" indent="0">
+              <a:buNone/>
+            </a:pPr>
+            <a:endParaRPr lang="en-US" altLang="zh-CN" sz="1800" dirty="0"/>
           </a:p>
         </p:txBody>
       </p:sp>
     </p:spTree>
     <p:extLst>
       <p:ext uri="{BB962C8B-B14F-4D97-AF65-F5344CB8AC3E}">
-        <p14:creationId xmlns:p14="http://schemas.microsoft.com/office/powerpoint/2010/main" val="1299681857"/>
+        <p14:creationId xmlns:p14="http://schemas.microsoft.com/office/powerpoint/2010/main" val="2224080208"/>
       </p:ext>
     </p:extLst>
   </p:cSld>
@@ -6193,10 +6439,9 @@
           <a:lstStyle/>
           <a:p>
             <a:r>
-              <a:rPr lang="en-US" altLang="zh-CN" dirty="0"/>
-              <a:t>3</a:t>
-            </a:r>
-            <a:endParaRPr lang="zh-CN" altLang="en-US" dirty="0"/>
+              <a:rPr lang="zh-CN" altLang="en-US" dirty="0"/>
+              <a:t>客户端触发推送事件</a:t>
+            </a:r>
           </a:p>
         </p:txBody>
       </p:sp>
@@ -6205,7 +6450,7 @@
           <p:cNvPr id="3" name="内容占位符 2">
             <a:extLst>
               <a:ext uri="{FF2B5EF4-FFF2-40B4-BE49-F238E27FC236}">
-                <a16:creationId xmlns:a16="http://schemas.microsoft.com/office/drawing/2014/main" id="{ED7249CC-3D11-4FF8-8CF2-30C36502BA8B}"/>
+                <a16:creationId xmlns:a16="http://schemas.microsoft.com/office/drawing/2014/main" id="{027480CB-8446-4AF1-A8AA-B2C4E952DF36}"/>
               </a:ext>
             </a:extLst>
           </p:cNvPr>
@@ -6218,97 +6463,185 @@
         </p:nvSpPr>
         <p:spPr/>
         <p:txBody>
-          <a:bodyPr/>
-          <a:lstStyle/>
-          <a:p>
-            <a:pPr marL="0" indent="0" algn="ctr">
+          <a:bodyPr>
+            <a:normAutofit/>
+          </a:bodyPr>
+          <a:lstStyle/>
+          <a:p>
+            <a:r>
+              <a:rPr lang="zh-CN" altLang="en-US" sz="2000" dirty="0"/>
+              <a:t>代码示例：</a:t>
+            </a:r>
+            <a:endParaRPr lang="en-US" altLang="zh-CN" sz="2000" dirty="0"/>
+          </a:p>
+          <a:p>
+            <a:pPr marL="0" indent="0">
               <a:buNone/>
             </a:pPr>
-            <a:endParaRPr lang="en-US" altLang="zh-CN" dirty="0">
-              <a:solidFill>
-                <a:schemeClr val="accent1">
-                  <a:lumMod val="75000"/>
-                </a:schemeClr>
-              </a:solidFill>
-            </a:endParaRPr>
-          </a:p>
-          <a:p>
-            <a:pPr marL="0" indent="0" algn="ctr">
+            <a:r>
+              <a:rPr lang="en-US" altLang="zh-CN" sz="2000" dirty="0"/>
+              <a:t>&lt;?</a:t>
+            </a:r>
+            <a:r>
+              <a:rPr lang="en-US" altLang="zh-CN" sz="2000" dirty="0" err="1"/>
+              <a:t>php</a:t>
+            </a:r>
+            <a:endParaRPr lang="en-US" altLang="zh-CN" sz="2000" dirty="0"/>
+          </a:p>
+          <a:p>
+            <a:pPr marL="0" indent="0">
               <a:buNone/>
             </a:pPr>
-            <a:endParaRPr lang="en-US" altLang="zh-CN" dirty="0">
-              <a:solidFill>
-                <a:schemeClr val="accent1">
-                  <a:lumMod val="75000"/>
-                </a:schemeClr>
-              </a:solidFill>
-            </a:endParaRPr>
-          </a:p>
-          <a:p>
-            <a:pPr marL="0" indent="0" algn="ctr">
+            <a:r>
+              <a:rPr lang="en-US" altLang="zh-CN" sz="2000" dirty="0"/>
+              <a:t>$cli = new </a:t>
+            </a:r>
+            <a:r>
+              <a:rPr lang="en-US" altLang="zh-CN" sz="2000" dirty="0" err="1"/>
+              <a:t>swoole_http_client</a:t>
+            </a:r>
+            <a:r>
+              <a:rPr lang="en-US" altLang="zh-CN" sz="2000" dirty="0"/>
+              <a:t>('127.0.0.1',4567);</a:t>
+            </a:r>
+            <a:br>
+              <a:rPr lang="en-US" altLang="zh-CN" sz="2000" dirty="0"/>
+            </a:br>
+            <a:br>
+              <a:rPr lang="en-US" altLang="zh-CN" sz="2000" dirty="0"/>
+            </a:br>
+            <a:r>
+              <a:rPr lang="en-US" altLang="zh-CN" sz="2000" dirty="0"/>
+              <a:t>$cli-&gt;on('</a:t>
+            </a:r>
+            <a:r>
+              <a:rPr lang="en-US" altLang="zh-CN" sz="2000" dirty="0" err="1"/>
+              <a:t>message',function</a:t>
+            </a:r>
+            <a:r>
+              <a:rPr lang="en-US" altLang="zh-CN" sz="2000" dirty="0"/>
+              <a:t>($</a:t>
+            </a:r>
+            <a:r>
+              <a:rPr lang="en-US" altLang="zh-CN" sz="2000" dirty="0" err="1"/>
+              <a:t>cli,$frame</a:t>
+            </a:r>
+            <a:r>
+              <a:rPr lang="en-US" altLang="zh-CN" sz="2000" dirty="0"/>
+              <a:t>){</a:t>
+            </a:r>
+          </a:p>
+          <a:p>
+            <a:pPr marL="0" indent="0">
               <a:buNone/>
             </a:pPr>
-            <a:endParaRPr lang="en-US" altLang="zh-CN" dirty="0">
-              <a:solidFill>
-                <a:schemeClr val="accent1">
-                  <a:lumMod val="75000"/>
-                </a:schemeClr>
-              </a:solidFill>
-            </a:endParaRPr>
-          </a:p>
-          <a:p>
-            <a:pPr marL="0" indent="0" algn="ctr">
+            <a:r>
+              <a:rPr lang="en-US" altLang="zh-CN" sz="2000" dirty="0"/>
+              <a:t>    //</a:t>
+            </a:r>
+            <a:r>
+              <a:rPr lang="zh-CN" altLang="en-US" sz="2000" dirty="0"/>
+              <a:t>由于</a:t>
+            </a:r>
+            <a:r>
+              <a:rPr lang="en-US" altLang="zh-CN" sz="2000" dirty="0" err="1"/>
+              <a:t>websocket</a:t>
+            </a:r>
+            <a:r>
+              <a:rPr lang="zh-CN" altLang="en-US" sz="2000" dirty="0"/>
+              <a:t>客户端必须要</a:t>
+            </a:r>
+            <a:r>
+              <a:rPr lang="en-US" altLang="zh-CN" sz="2000" dirty="0" err="1"/>
+              <a:t>onMessage</a:t>
+            </a:r>
+            <a:r>
+              <a:rPr lang="zh-CN" altLang="en-US" sz="2000" dirty="0"/>
+              <a:t>事件，但是回调函数什么也不做</a:t>
+            </a:r>
+            <a:br>
+              <a:rPr lang="en-US" altLang="zh-CN" sz="2000" dirty="0"/>
+            </a:br>
+            <a:r>
+              <a:rPr lang="en-US" altLang="zh-CN" sz="2000" dirty="0"/>
+              <a:t>});</a:t>
+            </a:r>
+            <a:br>
+              <a:rPr lang="en-US" altLang="zh-CN" sz="2000" dirty="0"/>
+            </a:br>
+            <a:br>
+              <a:rPr lang="en-US" altLang="zh-CN" sz="2000" dirty="0"/>
+            </a:br>
+            <a:r>
+              <a:rPr lang="en-US" altLang="zh-CN" sz="2000" dirty="0"/>
+              <a:t>$cli-&gt;upgrade('/</a:t>
+            </a:r>
+            <a:r>
+              <a:rPr lang="en-US" altLang="zh-CN" sz="2000" dirty="0" err="1"/>
+              <a:t>push_client</a:t>
+            </a:r>
+            <a:r>
+              <a:rPr lang="en-US" altLang="zh-CN" sz="2000" dirty="0"/>
+              <a:t>/</a:t>
+            </a:r>
+            <a:r>
+              <a:rPr lang="en-US" altLang="zh-CN" sz="2000" dirty="0" err="1"/>
+              <a:t>phpswoolewebsocket</a:t>
+            </a:r>
+            <a:r>
+              <a:rPr lang="en-US" altLang="zh-CN" sz="2000" dirty="0"/>
+              <a:t>',function($cli){</a:t>
+            </a:r>
+            <a:br>
+              <a:rPr lang="en-US" altLang="zh-CN" sz="2000" dirty="0"/>
+            </a:br>
+            <a:r>
+              <a:rPr lang="en-US" altLang="zh-CN" sz="2000" dirty="0"/>
+              <a:t>    while(true) {</a:t>
+            </a:r>
+            <a:br>
+              <a:rPr lang="en-US" altLang="zh-CN" sz="2000" dirty="0"/>
+            </a:br>
+            <a:r>
+              <a:rPr lang="en-US" altLang="zh-CN" sz="2000" dirty="0"/>
+              <a:t>        $cli-&gt;push(md5(time()));</a:t>
+            </a:r>
+            <a:br>
+              <a:rPr lang="en-US" altLang="zh-CN" sz="2000" dirty="0"/>
+            </a:br>
+            <a:r>
+              <a:rPr lang="en-US" altLang="zh-CN" sz="2000" dirty="0"/>
+              <a:t>        sleep(1);</a:t>
+            </a:r>
+          </a:p>
+          <a:p>
+            <a:pPr marL="0" indent="0">
               <a:buNone/>
             </a:pPr>
-            <a:endParaRPr lang="en-US" altLang="zh-CN" dirty="0">
-              <a:solidFill>
-                <a:schemeClr val="accent1">
-                  <a:lumMod val="75000"/>
-                </a:schemeClr>
-              </a:solidFill>
-            </a:endParaRPr>
-          </a:p>
-          <a:p>
-            <a:pPr marL="0" indent="0" algn="ctr">
+            <a:r>
+              <a:rPr lang="en-US" altLang="zh-CN" sz="2000" dirty="0"/>
+              <a:t>    }</a:t>
+            </a:r>
+            <a:br>
+              <a:rPr lang="en-US" altLang="zh-CN" sz="2000" dirty="0"/>
+            </a:br>
+            <a:r>
+              <a:rPr lang="en-US" altLang="zh-CN" sz="2000" dirty="0"/>
+              <a:t>});</a:t>
+            </a:r>
+          </a:p>
+          <a:p>
+            <a:pPr marL="0" indent="0">
               <a:buNone/>
             </a:pPr>
-            <a:r>
-              <a:rPr lang="zh-CN" altLang="en-US" sz="3200" dirty="0">
-                <a:solidFill>
-                  <a:schemeClr val="accent1">
-                    <a:lumMod val="75000"/>
-                  </a:schemeClr>
-                </a:solidFill>
-              </a:rPr>
-              <a:t>基于</a:t>
-            </a:r>
-            <a:r>
-              <a:rPr lang="en-US" altLang="zh-CN" sz="3200" dirty="0" err="1">
-                <a:solidFill>
-                  <a:schemeClr val="accent1">
-                    <a:lumMod val="75000"/>
-                  </a:schemeClr>
-                </a:solidFill>
-              </a:rPr>
-              <a:t>Websocket</a:t>
-            </a:r>
-            <a:r>
-              <a:rPr lang="zh-CN" altLang="en-US" sz="3200" dirty="0">
-                <a:solidFill>
-                  <a:schemeClr val="accent1">
-                    <a:lumMod val="75000"/>
-                  </a:schemeClr>
-                </a:solidFill>
-              </a:rPr>
-              <a:t>实现推送</a:t>
-            </a:r>
+            <a:endParaRPr lang="en-US" altLang="zh-CN" sz="2000" dirty="0"/>
           </a:p>
         </p:txBody>
       </p:sp>
     </p:spTree>
     <p:extLst>
       <p:ext uri="{BB962C8B-B14F-4D97-AF65-F5344CB8AC3E}">
-        <p14:creationId xmlns:p14="http://schemas.microsoft.com/office/powerpoint/2010/main" val="1908713046"/>
+        <p14:creationId xmlns:p14="http://schemas.microsoft.com/office/powerpoint/2010/main" val="1599767201"/>
       </p:ext>
     </p:extLst>
   </p:cSld>
@@ -6362,22 +6695,26 @@
           <a:lstStyle/>
           <a:p>
             <a:r>
+              <a:rPr lang="zh-CN" altLang="en-US" dirty="0"/>
+              <a:t>消息推送服务端：</a:t>
+            </a:r>
+            <a:r>
               <a:rPr lang="en-US" altLang="zh-CN" dirty="0" err="1"/>
-              <a:t>Swoole</a:t>
+              <a:t>onOpen</a:t>
             </a:r>
             <a:r>
               <a:rPr lang="zh-CN" altLang="en-US" dirty="0"/>
-              <a:t>实现每秒推送一条消息</a:t>
-            </a:r>
-          </a:p>
-        </p:txBody>
-      </p:sp>
-      <p:sp>
-        <p:nvSpPr>
-          <p:cNvPr id="6" name="内容占位符 5">
+              <a:t>事件</a:t>
+            </a:r>
+          </a:p>
+        </p:txBody>
+      </p:sp>
+      <p:sp>
+        <p:nvSpPr>
+          <p:cNvPr id="3" name="内容占位符 2">
             <a:extLst>
               <a:ext uri="{FF2B5EF4-FFF2-40B4-BE49-F238E27FC236}">
-                <a16:creationId xmlns:a16="http://schemas.microsoft.com/office/drawing/2014/main" id="{B83E9AD4-C606-4679-B884-01F71CC97E44}"/>
+                <a16:creationId xmlns:a16="http://schemas.microsoft.com/office/drawing/2014/main" id="{027480CB-8446-4AF1-A8AA-B2C4E952DF36}"/>
               </a:ext>
             </a:extLst>
           </p:cNvPr>
@@ -6388,12 +6725,7 @@
             <p:ph idx="1"/>
           </p:nvPr>
         </p:nvSpPr>
-        <p:spPr>
-          <a:xfrm>
-            <a:off x="838200" y="1656500"/>
-            <a:ext cx="10515600" cy="4850832"/>
-          </a:xfrm>
-        </p:spPr>
+        <p:spPr/>
         <p:txBody>
           <a:bodyPr>
             <a:normAutofit/>
@@ -6402,180 +6734,255 @@
           <a:p>
             <a:r>
               <a:rPr lang="zh-CN" altLang="en-US" sz="2000" dirty="0"/>
-              <a:t>使用</a:t>
+              <a:t>代码示例：</a:t>
+            </a:r>
+            <a:endParaRPr lang="en-US" altLang="zh-CN" sz="2000" dirty="0"/>
+          </a:p>
+          <a:p>
+            <a:pPr marL="0" indent="0">
+              <a:buNone/>
+            </a:pPr>
+            <a:r>
+              <a:rPr lang="en-US" altLang="zh-CN" sz="2000" dirty="0"/>
+              <a:t>   public function </a:t>
             </a:r>
             <a:r>
               <a:rPr lang="en-US" altLang="zh-CN" sz="2000" dirty="0" err="1"/>
-              <a:t>Swoole</a:t>
-            </a:r>
-            <a:r>
-              <a:rPr lang="zh-CN" altLang="en-US" sz="2000" dirty="0"/>
-              <a:t>的</a:t>
+              <a:t>on_open</a:t>
+            </a:r>
+            <a:r>
+              <a:rPr lang="en-US" altLang="zh-CN" sz="2000" dirty="0"/>
+              <a:t>($server, $</a:t>
             </a:r>
             <a:r>
               <a:rPr lang="en-US" altLang="zh-CN" sz="2000" dirty="0" err="1"/>
-              <a:t>Websocket</a:t>
-            </a:r>
-            <a:r>
-              <a:rPr lang="zh-CN" altLang="en-US" sz="2000" dirty="0"/>
-              <a:t>服务可以实现服务端消息推送。</a:t>
-            </a:r>
-            <a:endParaRPr lang="en-US" altLang="zh-CN" sz="2000" dirty="0"/>
-          </a:p>
-          <a:p>
-            <a:r>
-              <a:rPr lang="zh-CN" altLang="en-US" sz="2000" dirty="0"/>
-              <a:t>每秒推送一条消息要考虑的问题：</a:t>
-            </a:r>
-            <a:endParaRPr lang="en-US" altLang="zh-CN" sz="2000" dirty="0"/>
-          </a:p>
-          <a:p>
-            <a:pPr lvl="1"/>
-            <a:r>
-              <a:rPr lang="en-US" altLang="zh-CN" sz="1800" dirty="0" err="1"/>
-              <a:t>Swoole</a:t>
-            </a:r>
-            <a:r>
-              <a:rPr lang="zh-CN" altLang="en-US" sz="1800" dirty="0"/>
-              <a:t>采用事件驱动的异步处理方式，</a:t>
-            </a:r>
-            <a:r>
-              <a:rPr lang="zh-CN" altLang="en-US" sz="1800" dirty="0">
-                <a:solidFill>
-                  <a:srgbClr val="C00000"/>
-                </a:solidFill>
-              </a:rPr>
-              <a:t>需要有一个触发事件。</a:t>
-            </a:r>
-            <a:endParaRPr lang="en-US" altLang="zh-CN" sz="1800" dirty="0">
-              <a:solidFill>
-                <a:srgbClr val="C00000"/>
-              </a:solidFill>
-            </a:endParaRPr>
-          </a:p>
-          <a:p>
-            <a:pPr lvl="1"/>
-            <a:r>
-              <a:rPr lang="zh-CN" altLang="en-US" sz="1800" dirty="0"/>
-              <a:t>不能使用循环与</a:t>
-            </a:r>
-            <a:r>
-              <a:rPr lang="en-US" altLang="zh-CN" sz="1800" dirty="0"/>
-              <a:t>sleep</a:t>
-            </a:r>
-            <a:r>
-              <a:rPr lang="zh-CN" altLang="en-US" sz="1800" dirty="0"/>
-              <a:t>的方式，这会把</a:t>
-            </a:r>
-            <a:r>
-              <a:rPr lang="en-US" altLang="zh-CN" sz="1800" dirty="0" err="1"/>
-              <a:t>Swoole</a:t>
-            </a:r>
-            <a:r>
-              <a:rPr lang="zh-CN" altLang="en-US" sz="1800" dirty="0"/>
-              <a:t>变成同步模式，并且每次只能处理一个请求，只有等一个连接关闭，才可以有新的请求进行处理。</a:t>
-            </a:r>
-            <a:endParaRPr lang="en-US" altLang="zh-CN" sz="1800" dirty="0"/>
-          </a:p>
-          <a:p>
-            <a:pPr lvl="1"/>
-            <a:r>
-              <a:rPr lang="en-US" altLang="zh-CN" sz="1800" dirty="0" err="1"/>
-              <a:t>Swoole</a:t>
-            </a:r>
-            <a:r>
-              <a:rPr lang="zh-CN" altLang="en-US" sz="1800" dirty="0"/>
-              <a:t>多进程分配请求导致连接信息不能由进程使用变量进行存储，需要一个公共的缓存空间进行存储。</a:t>
-            </a:r>
-            <a:endParaRPr lang="en-US" altLang="zh-CN" sz="1800" dirty="0"/>
-          </a:p>
-          <a:p>
-            <a:pPr lvl="1"/>
-            <a:r>
-              <a:rPr lang="zh-CN" altLang="en-US" sz="1800" dirty="0"/>
-              <a:t>由于是服务程序，需要创建守护进程。</a:t>
-            </a:r>
-            <a:endParaRPr lang="en-US" altLang="zh-CN" sz="1800" dirty="0"/>
-          </a:p>
-          <a:p>
-            <a:pPr lvl="1"/>
-            <a:r>
-              <a:rPr lang="zh-CN" altLang="en-US" sz="1800" dirty="0"/>
-              <a:t>进程要捕获</a:t>
-            </a:r>
-            <a:r>
-              <a:rPr lang="en-US" altLang="zh-CN" sz="1800" dirty="0"/>
-              <a:t>SIGTERM</a:t>
-            </a:r>
-            <a:r>
-              <a:rPr lang="zh-CN" altLang="en-US" sz="1800" dirty="0"/>
-              <a:t>信号进行后续处理后再退出。</a:t>
-            </a:r>
-            <a:endParaRPr lang="en-US" altLang="zh-CN" sz="1800" dirty="0"/>
-          </a:p>
-          <a:p>
-            <a:pPr lvl="1"/>
-            <a:endParaRPr lang="en-US" altLang="zh-CN" sz="1800" dirty="0"/>
-          </a:p>
-          <a:p>
-            <a:r>
-              <a:rPr lang="zh-CN" altLang="en-US" sz="2000" dirty="0"/>
-              <a:t>实现方案：</a:t>
-            </a:r>
-            <a:endParaRPr lang="en-US" altLang="zh-CN" sz="2000" dirty="0"/>
-          </a:p>
-          <a:p>
-            <a:pPr lvl="1"/>
-            <a:r>
-              <a:rPr lang="zh-CN" altLang="en-US" sz="1800" dirty="0"/>
-              <a:t>使用一个</a:t>
-            </a:r>
-            <a:r>
-              <a:rPr lang="en-US" altLang="zh-CN" sz="1800" dirty="0" err="1"/>
-              <a:t>Websocket</a:t>
-            </a:r>
-            <a:r>
-              <a:rPr lang="zh-CN" altLang="en-US" sz="1800" dirty="0"/>
-              <a:t>客户端连接到</a:t>
-            </a:r>
-            <a:r>
-              <a:rPr lang="en-US" altLang="zh-CN" sz="1800" dirty="0" err="1"/>
-              <a:t>Websocket</a:t>
-            </a:r>
-            <a:r>
-              <a:rPr lang="zh-CN" altLang="en-US" sz="1800" dirty="0"/>
-              <a:t>服务端，客户端每秒发送一条数据，服务端进行转发。由客户端触发消息推送事件。</a:t>
-            </a:r>
-            <a:endParaRPr lang="en-US" altLang="zh-CN" sz="1800" dirty="0"/>
-          </a:p>
-          <a:p>
-            <a:pPr lvl="1"/>
-            <a:r>
-              <a:rPr lang="zh-CN" altLang="en-US" sz="1800" dirty="0"/>
-              <a:t>使用</a:t>
-            </a:r>
-            <a:r>
-              <a:rPr lang="en-US" altLang="zh-CN" sz="1800" dirty="0"/>
-              <a:t>Memcached</a:t>
-            </a:r>
-            <a:r>
-              <a:rPr lang="zh-CN" altLang="en-US" sz="1800" dirty="0"/>
-              <a:t>缓存服务存储连接信息。</a:t>
-            </a:r>
-            <a:endParaRPr lang="en-US" altLang="zh-CN" sz="1800" dirty="0"/>
-          </a:p>
-          <a:p>
-            <a:pPr marL="457200" lvl="1" indent="0">
+              <a:t>req</a:t>
+            </a:r>
+            <a:r>
+              <a:rPr lang="en-US" altLang="zh-CN" sz="2000" dirty="0"/>
+              <a:t>) {</a:t>
+            </a:r>
+            <a:br>
+              <a:rPr lang="en-US" altLang="zh-CN" sz="2000" dirty="0"/>
+            </a:br>
+            <a:r>
+              <a:rPr lang="en-US" altLang="zh-CN" sz="2000" dirty="0"/>
+              <a:t>        $</a:t>
+            </a:r>
+            <a:r>
+              <a:rPr lang="en-US" altLang="zh-CN" sz="2000" dirty="0" err="1"/>
+              <a:t>tmp_key</a:t>
+            </a:r>
+            <a:r>
+              <a:rPr lang="en-US" altLang="zh-CN" sz="2000" dirty="0"/>
+              <a:t> = $this-&gt;</a:t>
+            </a:r>
+            <a:r>
+              <a:rPr lang="en-US" altLang="zh-CN" sz="2000" dirty="0" err="1"/>
+              <a:t>conn_head</a:t>
+            </a:r>
+            <a:r>
+              <a:rPr lang="en-US" altLang="zh-CN" sz="2000" dirty="0"/>
+              <a:t> . $</a:t>
+            </a:r>
+            <a:r>
+              <a:rPr lang="en-US" altLang="zh-CN" sz="2000" dirty="0" err="1"/>
+              <a:t>req</a:t>
+            </a:r>
+            <a:r>
+              <a:rPr lang="en-US" altLang="zh-CN" sz="2000" dirty="0"/>
+              <a:t>-&gt;</a:t>
+            </a:r>
+            <a:r>
+              <a:rPr lang="en-US" altLang="zh-CN" sz="2000" dirty="0" err="1"/>
+              <a:t>fd</a:t>
+            </a:r>
+            <a:r>
+              <a:rPr lang="en-US" altLang="zh-CN" sz="2000" dirty="0"/>
+              <a:t>;</a:t>
+            </a:r>
+          </a:p>
+          <a:p>
+            <a:pPr marL="0" indent="0">
               <a:buNone/>
             </a:pPr>
-            <a:endParaRPr lang="en-US" altLang="zh-CN" sz="1800" dirty="0"/>
+            <a:r>
+              <a:rPr lang="en-US" altLang="zh-CN" sz="1600" i="1" dirty="0"/>
+              <a:t>          //</a:t>
+            </a:r>
+            <a:r>
+              <a:rPr lang="zh-CN" altLang="en-US" sz="1600" i="1" dirty="0"/>
+              <a:t>简单实现方案，通过检测</a:t>
+            </a:r>
+            <a:r>
+              <a:rPr lang="en-US" altLang="zh-CN" sz="1600" i="1" dirty="0"/>
+              <a:t>PATH_INFO</a:t>
+            </a:r>
+            <a:r>
+              <a:rPr lang="zh-CN" altLang="en-US" sz="1600" i="1" dirty="0"/>
+              <a:t>信息确定是推送事件触发客户端的连接</a:t>
+            </a:r>
+            <a:endParaRPr lang="en-US" altLang="zh-CN" sz="1600" i="1" dirty="0"/>
+          </a:p>
+          <a:p>
+            <a:pPr marL="0" indent="0">
+              <a:buNone/>
+            </a:pPr>
+            <a:r>
+              <a:rPr lang="en-US" altLang="zh-CN" sz="1600" i="1" dirty="0"/>
+              <a:t>          //PATH_INFO</a:t>
+            </a:r>
+            <a:r>
+              <a:rPr lang="zh-CN" altLang="en-US" sz="1600" i="1" dirty="0"/>
+              <a:t>在此处是以</a:t>
+            </a:r>
+            <a:r>
+              <a:rPr lang="en-US" altLang="zh-CN" sz="1600" i="1" dirty="0"/>
+              <a:t>key</a:t>
+            </a:r>
+            <a:r>
+              <a:rPr lang="zh-CN" altLang="en-US" sz="1600" i="1"/>
+              <a:t>的作用来使用的</a:t>
+            </a:r>
+            <a:br>
+              <a:rPr lang="en-US" altLang="zh-CN" sz="2000" dirty="0"/>
+            </a:br>
+            <a:r>
+              <a:rPr lang="en-US" altLang="zh-CN" sz="2000" dirty="0"/>
+              <a:t>        if ($</a:t>
+            </a:r>
+            <a:r>
+              <a:rPr lang="en-US" altLang="zh-CN" sz="2000" dirty="0" err="1"/>
+              <a:t>req</a:t>
+            </a:r>
+            <a:r>
+              <a:rPr lang="en-US" altLang="zh-CN" sz="2000" dirty="0"/>
+              <a:t>-&gt;server[‘</a:t>
+            </a:r>
+            <a:r>
+              <a:rPr lang="en-US" altLang="zh-CN" sz="2000" dirty="0" err="1"/>
+              <a:t>path_info</a:t>
+            </a:r>
+            <a:r>
+              <a:rPr lang="en-US" altLang="zh-CN" sz="2000" dirty="0"/>
+              <a:t>'] == ’/</a:t>
+            </a:r>
+            <a:r>
+              <a:rPr lang="en-US" altLang="zh-CN" sz="2000" dirty="0" err="1"/>
+              <a:t>push_client</a:t>
+            </a:r>
+            <a:r>
+              <a:rPr lang="en-US" altLang="zh-CN" sz="2000" dirty="0"/>
+              <a:t>/</a:t>
+            </a:r>
+            <a:r>
+              <a:rPr lang="en-US" altLang="zh-CN" sz="2000" dirty="0" err="1"/>
+              <a:t>phpswoolewebsocket</a:t>
+            </a:r>
+            <a:r>
+              <a:rPr lang="en-US" altLang="zh-CN" sz="2000" dirty="0"/>
+              <a:t>') {</a:t>
+            </a:r>
+            <a:br>
+              <a:rPr lang="en-US" altLang="zh-CN" sz="2000" dirty="0"/>
+            </a:br>
+            <a:r>
+              <a:rPr lang="en-US" altLang="zh-CN" sz="2000" dirty="0"/>
+              <a:t>            $</a:t>
+            </a:r>
+            <a:r>
+              <a:rPr lang="en-US" altLang="zh-CN" sz="2000" dirty="0" err="1"/>
+              <a:t>tmp_key</a:t>
+            </a:r>
+            <a:r>
+              <a:rPr lang="en-US" altLang="zh-CN" sz="2000" dirty="0"/>
+              <a:t> = $this-&gt;</a:t>
+            </a:r>
+            <a:r>
+              <a:rPr lang="en-US" altLang="zh-CN" sz="2000" dirty="0" err="1"/>
+              <a:t>client_index</a:t>
+            </a:r>
+            <a:r>
+              <a:rPr lang="en-US" altLang="zh-CN" sz="2000" dirty="0"/>
+              <a:t>;</a:t>
+            </a:r>
+            <a:br>
+              <a:rPr lang="en-US" altLang="zh-CN" sz="2000" dirty="0"/>
+            </a:br>
+            <a:r>
+              <a:rPr lang="en-US" altLang="zh-CN" sz="2000" dirty="0"/>
+              <a:t>        }</a:t>
+            </a:r>
+          </a:p>
+          <a:p>
+            <a:pPr marL="0" indent="0">
+              <a:buNone/>
+            </a:pPr>
+            <a:r>
+              <a:rPr lang="en-US" altLang="zh-CN" sz="2000" dirty="0"/>
+              <a:t>        </a:t>
+            </a:r>
+            <a:r>
+              <a:rPr lang="en-US" altLang="zh-CN" sz="1600" i="1" dirty="0"/>
+              <a:t>//</a:t>
+            </a:r>
+            <a:r>
+              <a:rPr lang="zh-CN" altLang="en-US" sz="1600" i="1" dirty="0"/>
+              <a:t>缓存连接</a:t>
+            </a:r>
+            <a:br>
+              <a:rPr lang="en-US" altLang="zh-CN" sz="2000" dirty="0"/>
+            </a:br>
+            <a:r>
+              <a:rPr lang="en-US" altLang="zh-CN" sz="2000" dirty="0"/>
+              <a:t>        $this-&gt;</a:t>
+            </a:r>
+            <a:r>
+              <a:rPr lang="en-US" altLang="zh-CN" sz="2000" dirty="0" err="1"/>
+              <a:t>mcache</a:t>
+            </a:r>
+            <a:r>
+              <a:rPr lang="en-US" altLang="zh-CN" sz="2000" dirty="0"/>
+              <a:t>-&gt;set($</a:t>
+            </a:r>
+            <a:r>
+              <a:rPr lang="en-US" altLang="zh-CN" sz="2000" dirty="0" err="1"/>
+              <a:t>tmp_key</a:t>
+            </a:r>
+            <a:r>
+              <a:rPr lang="en-US" altLang="zh-CN" sz="2000" dirty="0"/>
+              <a:t>, $</a:t>
+            </a:r>
+            <a:r>
+              <a:rPr lang="en-US" altLang="zh-CN" sz="2000" dirty="0" err="1"/>
+              <a:t>req</a:t>
+            </a:r>
+            <a:r>
+              <a:rPr lang="en-US" altLang="zh-CN" sz="2000" dirty="0"/>
+              <a:t>-&gt;</a:t>
+            </a:r>
+            <a:r>
+              <a:rPr lang="en-US" altLang="zh-CN" sz="2000" dirty="0" err="1"/>
+              <a:t>fd</a:t>
+            </a:r>
+            <a:r>
+              <a:rPr lang="en-US" altLang="zh-CN" sz="2000" dirty="0"/>
+              <a:t>);</a:t>
+            </a:r>
+            <a:br>
+              <a:rPr lang="en-US" altLang="zh-CN" sz="2000" dirty="0"/>
+            </a:br>
+            <a:r>
+              <a:rPr lang="en-US" altLang="zh-CN" sz="2000" dirty="0"/>
+              <a:t>    }</a:t>
+            </a:r>
           </a:p>
         </p:txBody>
       </p:sp>
     </p:spTree>
     <p:extLst>
       <p:ext uri="{BB962C8B-B14F-4D97-AF65-F5344CB8AC3E}">
-        <p14:creationId xmlns:p14="http://schemas.microsoft.com/office/powerpoint/2010/main" val="2224080208"/>
+        <p14:creationId xmlns:p14="http://schemas.microsoft.com/office/powerpoint/2010/main" val="3482817422"/>
       </p:ext>
     </p:extLst>
   </p:cSld>
@@ -6630,603 +7037,6 @@
           <a:p>
             <a:r>
               <a:rPr lang="zh-CN" altLang="en-US" dirty="0"/>
-              <a:t>客户端触发推送事件</a:t>
-            </a:r>
-          </a:p>
-        </p:txBody>
-      </p:sp>
-      <p:sp>
-        <p:nvSpPr>
-          <p:cNvPr id="3" name="内容占位符 2">
-            <a:extLst>
-              <a:ext uri="{FF2B5EF4-FFF2-40B4-BE49-F238E27FC236}">
-                <a16:creationId xmlns:a16="http://schemas.microsoft.com/office/drawing/2014/main" id="{027480CB-8446-4AF1-A8AA-B2C4E952DF36}"/>
-              </a:ext>
-            </a:extLst>
-          </p:cNvPr>
-          <p:cNvSpPr>
-            <a:spLocks noGrp="1"/>
-          </p:cNvSpPr>
-          <p:nvPr>
-            <p:ph idx="1"/>
-          </p:nvPr>
-        </p:nvSpPr>
-        <p:spPr/>
-        <p:txBody>
-          <a:bodyPr>
-            <a:normAutofit/>
-          </a:bodyPr>
-          <a:lstStyle/>
-          <a:p>
-            <a:r>
-              <a:rPr lang="zh-CN" altLang="en-US" sz="2000" dirty="0"/>
-              <a:t>代码示例：</a:t>
-            </a:r>
-            <a:endParaRPr lang="en-US" altLang="zh-CN" sz="2000" dirty="0"/>
-          </a:p>
-          <a:p>
-            <a:pPr marL="0" indent="0">
-              <a:buNone/>
-            </a:pPr>
-            <a:r>
-              <a:rPr lang="en-US" altLang="zh-CN" sz="2000" dirty="0"/>
-              <a:t>&lt;?</a:t>
-            </a:r>
-            <a:r>
-              <a:rPr lang="en-US" altLang="zh-CN" sz="2000" dirty="0" err="1"/>
-              <a:t>php</a:t>
-            </a:r>
-            <a:endParaRPr lang="en-US" altLang="zh-CN" sz="2000" dirty="0"/>
-          </a:p>
-          <a:p>
-            <a:pPr marL="0" indent="0">
-              <a:buNone/>
-            </a:pPr>
-            <a:r>
-              <a:rPr lang="en-US" altLang="zh-CN" sz="2000" dirty="0"/>
-              <a:t>$cli = new </a:t>
-            </a:r>
-            <a:r>
-              <a:rPr lang="en-US" altLang="zh-CN" sz="2000" dirty="0" err="1"/>
-              <a:t>swoole_http_client</a:t>
-            </a:r>
-            <a:r>
-              <a:rPr lang="en-US" altLang="zh-CN" sz="2000" dirty="0"/>
-              <a:t>('127.0.0.1',4567);</a:t>
-            </a:r>
-            <a:br>
-              <a:rPr lang="en-US" altLang="zh-CN" sz="2000" dirty="0"/>
-            </a:br>
-            <a:br>
-              <a:rPr lang="en-US" altLang="zh-CN" sz="2000" dirty="0"/>
-            </a:br>
-            <a:r>
-              <a:rPr lang="en-US" altLang="zh-CN" sz="2000" dirty="0"/>
-              <a:t>$cli-&gt;on('</a:t>
-            </a:r>
-            <a:r>
-              <a:rPr lang="en-US" altLang="zh-CN" sz="2000" dirty="0" err="1"/>
-              <a:t>message',function</a:t>
-            </a:r>
-            <a:r>
-              <a:rPr lang="en-US" altLang="zh-CN" sz="2000" dirty="0"/>
-              <a:t>($</a:t>
-            </a:r>
-            <a:r>
-              <a:rPr lang="en-US" altLang="zh-CN" sz="2000" dirty="0" err="1"/>
-              <a:t>cli,$frame</a:t>
-            </a:r>
-            <a:r>
-              <a:rPr lang="en-US" altLang="zh-CN" sz="2000" dirty="0"/>
-              <a:t>){</a:t>
-            </a:r>
-          </a:p>
-          <a:p>
-            <a:pPr marL="0" indent="0">
-              <a:buNone/>
-            </a:pPr>
-            <a:r>
-              <a:rPr lang="en-US" altLang="zh-CN" sz="2000" dirty="0"/>
-              <a:t>    //</a:t>
-            </a:r>
-            <a:r>
-              <a:rPr lang="zh-CN" altLang="en-US" sz="2000" dirty="0"/>
-              <a:t>由于</a:t>
-            </a:r>
-            <a:r>
-              <a:rPr lang="en-US" altLang="zh-CN" sz="2000" dirty="0" err="1"/>
-              <a:t>websocket</a:t>
-            </a:r>
-            <a:r>
-              <a:rPr lang="zh-CN" altLang="en-US" sz="2000" dirty="0"/>
-              <a:t>客户端必须要</a:t>
-            </a:r>
-            <a:r>
-              <a:rPr lang="en-US" altLang="zh-CN" sz="2000" dirty="0" err="1"/>
-              <a:t>onMessage</a:t>
-            </a:r>
-            <a:r>
-              <a:rPr lang="zh-CN" altLang="en-US" sz="2000" dirty="0"/>
-              <a:t>事件，但是回调函数什么也不做</a:t>
-            </a:r>
-            <a:br>
-              <a:rPr lang="en-US" altLang="zh-CN" sz="2000" dirty="0"/>
-            </a:br>
-            <a:r>
-              <a:rPr lang="en-US" altLang="zh-CN" sz="2000" dirty="0"/>
-              <a:t>});</a:t>
-            </a:r>
-            <a:br>
-              <a:rPr lang="en-US" altLang="zh-CN" sz="2000" dirty="0"/>
-            </a:br>
-            <a:br>
-              <a:rPr lang="en-US" altLang="zh-CN" sz="2000" dirty="0"/>
-            </a:br>
-            <a:r>
-              <a:rPr lang="en-US" altLang="zh-CN" sz="2000" dirty="0"/>
-              <a:t>$cli-&gt;upgrade('/</a:t>
-            </a:r>
-            <a:r>
-              <a:rPr lang="en-US" altLang="zh-CN" sz="2000" dirty="0" err="1"/>
-              <a:t>push_client</a:t>
-            </a:r>
-            <a:r>
-              <a:rPr lang="en-US" altLang="zh-CN" sz="2000" dirty="0"/>
-              <a:t>/</a:t>
-            </a:r>
-            <a:r>
-              <a:rPr lang="en-US" altLang="zh-CN" sz="2000" dirty="0" err="1"/>
-              <a:t>phpswoolewebsocket</a:t>
-            </a:r>
-            <a:r>
-              <a:rPr lang="en-US" altLang="zh-CN" sz="2000" dirty="0"/>
-              <a:t>',function($cli){</a:t>
-            </a:r>
-            <a:br>
-              <a:rPr lang="en-US" altLang="zh-CN" sz="2000" dirty="0"/>
-            </a:br>
-            <a:r>
-              <a:rPr lang="en-US" altLang="zh-CN" sz="2000" dirty="0"/>
-              <a:t>    while(true) {</a:t>
-            </a:r>
-            <a:br>
-              <a:rPr lang="en-US" altLang="zh-CN" sz="2000" dirty="0"/>
-            </a:br>
-            <a:r>
-              <a:rPr lang="en-US" altLang="zh-CN" sz="2000" dirty="0"/>
-              <a:t>        $cli-&gt;push(md5(time()));</a:t>
-            </a:r>
-            <a:br>
-              <a:rPr lang="en-US" altLang="zh-CN" sz="2000" dirty="0"/>
-            </a:br>
-            <a:r>
-              <a:rPr lang="en-US" altLang="zh-CN" sz="2000" dirty="0"/>
-              <a:t>        sleep(1);</a:t>
-            </a:r>
-          </a:p>
-          <a:p>
-            <a:pPr marL="0" indent="0">
-              <a:buNone/>
-            </a:pPr>
-            <a:r>
-              <a:rPr lang="en-US" altLang="zh-CN" sz="2000" dirty="0"/>
-              <a:t>    }</a:t>
-            </a:r>
-            <a:br>
-              <a:rPr lang="en-US" altLang="zh-CN" sz="2000" dirty="0"/>
-            </a:br>
-            <a:r>
-              <a:rPr lang="en-US" altLang="zh-CN" sz="2000" dirty="0"/>
-              <a:t>});</a:t>
-            </a:r>
-          </a:p>
-          <a:p>
-            <a:pPr marL="0" indent="0">
-              <a:buNone/>
-            </a:pPr>
-            <a:endParaRPr lang="en-US" altLang="zh-CN" sz="2000" dirty="0"/>
-          </a:p>
-        </p:txBody>
-      </p:sp>
-    </p:spTree>
-    <p:extLst>
-      <p:ext uri="{BB962C8B-B14F-4D97-AF65-F5344CB8AC3E}">
-        <p14:creationId xmlns:p14="http://schemas.microsoft.com/office/powerpoint/2010/main" val="1599767201"/>
-      </p:ext>
-    </p:extLst>
-  </p:cSld>
-  <p:clrMapOvr>
-    <a:masterClrMapping/>
-  </p:clrMapOvr>
-</p:sld>
-</file>
-
-<file path=ppt/slides/slide17.xml><?xml version="1.0" encoding="utf-8"?>
-<p:sld xmlns:a="http://schemas.openxmlformats.org/drawingml/2006/main" xmlns:r="http://schemas.openxmlformats.org/officeDocument/2006/relationships" xmlns:p="http://schemas.openxmlformats.org/presentationml/2006/main">
-  <p:cSld>
-    <p:spTree>
-      <p:nvGrpSpPr>
-        <p:cNvPr id="1" name=""/>
-        <p:cNvGrpSpPr/>
-        <p:nvPr/>
-      </p:nvGrpSpPr>
-      <p:grpSpPr>
-        <a:xfrm>
-          <a:off x="0" y="0"/>
-          <a:ext cx="0" cy="0"/>
-          <a:chOff x="0" y="0"/>
-          <a:chExt cx="0" cy="0"/>
-        </a:xfrm>
-      </p:grpSpPr>
-      <p:sp>
-        <p:nvSpPr>
-          <p:cNvPr id="4" name="标题 3">
-            <a:extLst>
-              <a:ext uri="{FF2B5EF4-FFF2-40B4-BE49-F238E27FC236}">
-                <a16:creationId xmlns:a16="http://schemas.microsoft.com/office/drawing/2014/main" id="{2729939D-814A-4BD2-9922-3F8EA865938B}"/>
-              </a:ext>
-            </a:extLst>
-          </p:cNvPr>
-          <p:cNvSpPr>
-            <a:spLocks noGrp="1"/>
-          </p:cNvSpPr>
-          <p:nvPr>
-            <p:ph type="title"/>
-          </p:nvPr>
-        </p:nvSpPr>
-        <p:spPr>
-          <a:xfrm>
-            <a:off x="838200" y="683581"/>
-            <a:ext cx="10515600" cy="736846"/>
-          </a:xfrm>
-        </p:spPr>
-        <p:txBody>
-          <a:bodyPr/>
-          <a:lstStyle/>
-          <a:p>
-            <a:r>
-              <a:rPr lang="zh-CN" altLang="en-US" dirty="0"/>
-              <a:t>消息推送服务端：</a:t>
-            </a:r>
-            <a:r>
-              <a:rPr lang="en-US" altLang="zh-CN" dirty="0" err="1"/>
-              <a:t>onOpen</a:t>
-            </a:r>
-            <a:r>
-              <a:rPr lang="zh-CN" altLang="en-US" dirty="0"/>
-              <a:t>事件</a:t>
-            </a:r>
-          </a:p>
-        </p:txBody>
-      </p:sp>
-      <p:sp>
-        <p:nvSpPr>
-          <p:cNvPr id="3" name="内容占位符 2">
-            <a:extLst>
-              <a:ext uri="{FF2B5EF4-FFF2-40B4-BE49-F238E27FC236}">
-                <a16:creationId xmlns:a16="http://schemas.microsoft.com/office/drawing/2014/main" id="{027480CB-8446-4AF1-A8AA-B2C4E952DF36}"/>
-              </a:ext>
-            </a:extLst>
-          </p:cNvPr>
-          <p:cNvSpPr>
-            <a:spLocks noGrp="1"/>
-          </p:cNvSpPr>
-          <p:nvPr>
-            <p:ph idx="1"/>
-          </p:nvPr>
-        </p:nvSpPr>
-        <p:spPr/>
-        <p:txBody>
-          <a:bodyPr>
-            <a:normAutofit/>
-          </a:bodyPr>
-          <a:lstStyle/>
-          <a:p>
-            <a:r>
-              <a:rPr lang="zh-CN" altLang="en-US" sz="2000" dirty="0"/>
-              <a:t>代码示例：</a:t>
-            </a:r>
-            <a:endParaRPr lang="en-US" altLang="zh-CN" sz="2000" dirty="0"/>
-          </a:p>
-          <a:p>
-            <a:pPr marL="0" indent="0">
-              <a:buNone/>
-            </a:pPr>
-            <a:r>
-              <a:rPr lang="en-US" altLang="zh-CN" sz="2000" dirty="0"/>
-              <a:t>   public function </a:t>
-            </a:r>
-            <a:r>
-              <a:rPr lang="en-US" altLang="zh-CN" sz="2000" dirty="0" err="1"/>
-              <a:t>on_open</a:t>
-            </a:r>
-            <a:r>
-              <a:rPr lang="en-US" altLang="zh-CN" sz="2000" dirty="0"/>
-              <a:t>($server, $</a:t>
-            </a:r>
-            <a:r>
-              <a:rPr lang="en-US" altLang="zh-CN" sz="2000" dirty="0" err="1"/>
-              <a:t>req</a:t>
-            </a:r>
-            <a:r>
-              <a:rPr lang="en-US" altLang="zh-CN" sz="2000" dirty="0"/>
-              <a:t>) {</a:t>
-            </a:r>
-            <a:br>
-              <a:rPr lang="en-US" altLang="zh-CN" sz="2000" dirty="0"/>
-            </a:br>
-            <a:r>
-              <a:rPr lang="en-US" altLang="zh-CN" sz="2000" dirty="0"/>
-              <a:t>        $</a:t>
-            </a:r>
-            <a:r>
-              <a:rPr lang="en-US" altLang="zh-CN" sz="2000" dirty="0" err="1"/>
-              <a:t>tmp_key</a:t>
-            </a:r>
-            <a:r>
-              <a:rPr lang="en-US" altLang="zh-CN" sz="2000" dirty="0"/>
-              <a:t> = $this-&gt;</a:t>
-            </a:r>
-            <a:r>
-              <a:rPr lang="en-US" altLang="zh-CN" sz="2000" dirty="0" err="1"/>
-              <a:t>conn_head</a:t>
-            </a:r>
-            <a:r>
-              <a:rPr lang="en-US" altLang="zh-CN" sz="2000" dirty="0"/>
-              <a:t> . $</a:t>
-            </a:r>
-            <a:r>
-              <a:rPr lang="en-US" altLang="zh-CN" sz="2000" dirty="0" err="1"/>
-              <a:t>req</a:t>
-            </a:r>
-            <a:r>
-              <a:rPr lang="en-US" altLang="zh-CN" sz="2000" dirty="0"/>
-              <a:t>-&gt;</a:t>
-            </a:r>
-            <a:r>
-              <a:rPr lang="en-US" altLang="zh-CN" sz="2000" dirty="0" err="1"/>
-              <a:t>fd</a:t>
-            </a:r>
-            <a:r>
-              <a:rPr lang="en-US" altLang="zh-CN" sz="2000" dirty="0"/>
-              <a:t>;</a:t>
-            </a:r>
-          </a:p>
-          <a:p>
-            <a:pPr marL="0" indent="0">
-              <a:buNone/>
-            </a:pPr>
-            <a:r>
-              <a:rPr lang="en-US" altLang="zh-CN" sz="1600" i="1" dirty="0"/>
-              <a:t>          //</a:t>
-            </a:r>
-            <a:r>
-              <a:rPr lang="zh-CN" altLang="en-US" sz="1600" i="1" dirty="0"/>
-              <a:t>简单实现方案，通过检测</a:t>
-            </a:r>
-            <a:r>
-              <a:rPr lang="en-US" altLang="zh-CN" sz="1600" i="1" dirty="0"/>
-              <a:t>PATH_INFO</a:t>
-            </a:r>
-            <a:r>
-              <a:rPr lang="zh-CN" altLang="en-US" sz="1600" i="1" dirty="0"/>
-              <a:t>信息确定是推送事件触发客户端的连接</a:t>
-            </a:r>
-            <a:endParaRPr lang="en-US" altLang="zh-CN" sz="1600" i="1" dirty="0"/>
-          </a:p>
-          <a:p>
-            <a:pPr marL="0" indent="0">
-              <a:buNone/>
-            </a:pPr>
-            <a:r>
-              <a:rPr lang="en-US" altLang="zh-CN" sz="1600" i="1" dirty="0"/>
-              <a:t>          //PATH_INFO</a:t>
-            </a:r>
-            <a:r>
-              <a:rPr lang="zh-CN" altLang="en-US" sz="1600" i="1" dirty="0"/>
-              <a:t>在此处是以</a:t>
-            </a:r>
-            <a:r>
-              <a:rPr lang="en-US" altLang="zh-CN" sz="1600" i="1" dirty="0"/>
-              <a:t>key</a:t>
-            </a:r>
-            <a:r>
-              <a:rPr lang="zh-CN" altLang="en-US" sz="1600" i="1"/>
-              <a:t>的作用来使用的</a:t>
-            </a:r>
-            <a:br>
-              <a:rPr lang="en-US" altLang="zh-CN" sz="2000" dirty="0"/>
-            </a:br>
-            <a:r>
-              <a:rPr lang="en-US" altLang="zh-CN" sz="2000" dirty="0"/>
-              <a:t>        if ($</a:t>
-            </a:r>
-            <a:r>
-              <a:rPr lang="en-US" altLang="zh-CN" sz="2000" dirty="0" err="1"/>
-              <a:t>req</a:t>
-            </a:r>
-            <a:r>
-              <a:rPr lang="en-US" altLang="zh-CN" sz="2000" dirty="0"/>
-              <a:t>-&gt;server[‘</a:t>
-            </a:r>
-            <a:r>
-              <a:rPr lang="en-US" altLang="zh-CN" sz="2000" dirty="0" err="1"/>
-              <a:t>path_info</a:t>
-            </a:r>
-            <a:r>
-              <a:rPr lang="en-US" altLang="zh-CN" sz="2000" dirty="0"/>
-              <a:t>'] == ’/</a:t>
-            </a:r>
-            <a:r>
-              <a:rPr lang="en-US" altLang="zh-CN" sz="2000" dirty="0" err="1"/>
-              <a:t>push_client</a:t>
-            </a:r>
-            <a:r>
-              <a:rPr lang="en-US" altLang="zh-CN" sz="2000" dirty="0"/>
-              <a:t>/</a:t>
-            </a:r>
-            <a:r>
-              <a:rPr lang="en-US" altLang="zh-CN" sz="2000" dirty="0" err="1"/>
-              <a:t>phpswoolewebsocket</a:t>
-            </a:r>
-            <a:r>
-              <a:rPr lang="en-US" altLang="zh-CN" sz="2000" dirty="0"/>
-              <a:t>') {</a:t>
-            </a:r>
-            <a:br>
-              <a:rPr lang="en-US" altLang="zh-CN" sz="2000" dirty="0"/>
-            </a:br>
-            <a:r>
-              <a:rPr lang="en-US" altLang="zh-CN" sz="2000" dirty="0"/>
-              <a:t>            $</a:t>
-            </a:r>
-            <a:r>
-              <a:rPr lang="en-US" altLang="zh-CN" sz="2000" dirty="0" err="1"/>
-              <a:t>tmp_key</a:t>
-            </a:r>
-            <a:r>
-              <a:rPr lang="en-US" altLang="zh-CN" sz="2000" dirty="0"/>
-              <a:t> = $this-&gt;</a:t>
-            </a:r>
-            <a:r>
-              <a:rPr lang="en-US" altLang="zh-CN" sz="2000" dirty="0" err="1"/>
-              <a:t>client_index</a:t>
-            </a:r>
-            <a:r>
-              <a:rPr lang="en-US" altLang="zh-CN" sz="2000" dirty="0"/>
-              <a:t>;</a:t>
-            </a:r>
-            <a:br>
-              <a:rPr lang="en-US" altLang="zh-CN" sz="2000" dirty="0"/>
-            </a:br>
-            <a:r>
-              <a:rPr lang="en-US" altLang="zh-CN" sz="2000" dirty="0"/>
-              <a:t>        }</a:t>
-            </a:r>
-          </a:p>
-          <a:p>
-            <a:pPr marL="0" indent="0">
-              <a:buNone/>
-            </a:pPr>
-            <a:r>
-              <a:rPr lang="en-US" altLang="zh-CN" sz="2000" dirty="0"/>
-              <a:t>        </a:t>
-            </a:r>
-            <a:r>
-              <a:rPr lang="en-US" altLang="zh-CN" sz="1600" i="1" dirty="0"/>
-              <a:t>//</a:t>
-            </a:r>
-            <a:r>
-              <a:rPr lang="zh-CN" altLang="en-US" sz="1600" i="1" dirty="0"/>
-              <a:t>缓存连接</a:t>
-            </a:r>
-            <a:br>
-              <a:rPr lang="en-US" altLang="zh-CN" sz="2000" dirty="0"/>
-            </a:br>
-            <a:r>
-              <a:rPr lang="en-US" altLang="zh-CN" sz="2000" dirty="0"/>
-              <a:t>        $this-&gt;</a:t>
-            </a:r>
-            <a:r>
-              <a:rPr lang="en-US" altLang="zh-CN" sz="2000" dirty="0" err="1"/>
-              <a:t>mcache</a:t>
-            </a:r>
-            <a:r>
-              <a:rPr lang="en-US" altLang="zh-CN" sz="2000" dirty="0"/>
-              <a:t>-&gt;set($</a:t>
-            </a:r>
-            <a:r>
-              <a:rPr lang="en-US" altLang="zh-CN" sz="2000" dirty="0" err="1"/>
-              <a:t>tmp_key</a:t>
-            </a:r>
-            <a:r>
-              <a:rPr lang="en-US" altLang="zh-CN" sz="2000" dirty="0"/>
-              <a:t>, $</a:t>
-            </a:r>
-            <a:r>
-              <a:rPr lang="en-US" altLang="zh-CN" sz="2000" dirty="0" err="1"/>
-              <a:t>req</a:t>
-            </a:r>
-            <a:r>
-              <a:rPr lang="en-US" altLang="zh-CN" sz="2000" dirty="0"/>
-              <a:t>-&gt;</a:t>
-            </a:r>
-            <a:r>
-              <a:rPr lang="en-US" altLang="zh-CN" sz="2000" dirty="0" err="1"/>
-              <a:t>fd</a:t>
-            </a:r>
-            <a:r>
-              <a:rPr lang="en-US" altLang="zh-CN" sz="2000" dirty="0"/>
-              <a:t>);</a:t>
-            </a:r>
-            <a:br>
-              <a:rPr lang="en-US" altLang="zh-CN" sz="2000" dirty="0"/>
-            </a:br>
-            <a:r>
-              <a:rPr lang="en-US" altLang="zh-CN" sz="2000" dirty="0"/>
-              <a:t>    }</a:t>
-            </a:r>
-          </a:p>
-        </p:txBody>
-      </p:sp>
-    </p:spTree>
-    <p:extLst>
-      <p:ext uri="{BB962C8B-B14F-4D97-AF65-F5344CB8AC3E}">
-        <p14:creationId xmlns:p14="http://schemas.microsoft.com/office/powerpoint/2010/main" val="3482817422"/>
-      </p:ext>
-    </p:extLst>
-  </p:cSld>
-  <p:clrMapOvr>
-    <a:masterClrMapping/>
-  </p:clrMapOvr>
-</p:sld>
-</file>
-
-<file path=ppt/slides/slide18.xml><?xml version="1.0" encoding="utf-8"?>
-<p:sld xmlns:a="http://schemas.openxmlformats.org/drawingml/2006/main" xmlns:r="http://schemas.openxmlformats.org/officeDocument/2006/relationships" xmlns:p="http://schemas.openxmlformats.org/presentationml/2006/main">
-  <p:cSld>
-    <p:spTree>
-      <p:nvGrpSpPr>
-        <p:cNvPr id="1" name=""/>
-        <p:cNvGrpSpPr/>
-        <p:nvPr/>
-      </p:nvGrpSpPr>
-      <p:grpSpPr>
-        <a:xfrm>
-          <a:off x="0" y="0"/>
-          <a:ext cx="0" cy="0"/>
-          <a:chOff x="0" y="0"/>
-          <a:chExt cx="0" cy="0"/>
-        </a:xfrm>
-      </p:grpSpPr>
-      <p:sp>
-        <p:nvSpPr>
-          <p:cNvPr id="4" name="标题 3">
-            <a:extLst>
-              <a:ext uri="{FF2B5EF4-FFF2-40B4-BE49-F238E27FC236}">
-                <a16:creationId xmlns:a16="http://schemas.microsoft.com/office/drawing/2014/main" id="{2729939D-814A-4BD2-9922-3F8EA865938B}"/>
-              </a:ext>
-            </a:extLst>
-          </p:cNvPr>
-          <p:cNvSpPr>
-            <a:spLocks noGrp="1"/>
-          </p:cNvSpPr>
-          <p:nvPr>
-            <p:ph type="title"/>
-          </p:nvPr>
-        </p:nvSpPr>
-        <p:spPr>
-          <a:xfrm>
-            <a:off x="838200" y="683581"/>
-            <a:ext cx="10515600" cy="736846"/>
-          </a:xfrm>
-        </p:spPr>
-        <p:txBody>
-          <a:bodyPr/>
-          <a:lstStyle/>
-          <a:p>
-            <a:r>
-              <a:rPr lang="zh-CN" altLang="en-US" dirty="0"/>
               <a:t>消息推送服务端：</a:t>
             </a:r>
             <a:r>
@@ -7535,7 +7345,7 @@
 </p:sld>
 </file>
 
-<file path=ppt/slides/slide19.xml><?xml version="1.0" encoding="utf-8"?>
+<file path=ppt/slides/slide17.xml><?xml version="1.0" encoding="utf-8"?>
 <p:sld xmlns:a="http://schemas.openxmlformats.org/drawingml/2006/main" xmlns:r="http://schemas.openxmlformats.org/officeDocument/2006/relationships" xmlns:p="http://schemas.openxmlformats.org/presentationml/2006/main">
   <p:cSld>
     <p:spTree>
@@ -7867,7 +7677,7 @@
             <p:ph idx="1"/>
             <p:extLst>
               <p:ext uri="{D42A27DB-BD31-4B8C-83A1-F6EECF244321}">
-                <p14:modId xmlns:p14="http://schemas.microsoft.com/office/powerpoint/2010/main" val="318473906"/>
+                <p14:modId xmlns:p14="http://schemas.microsoft.com/office/powerpoint/2010/main" val="4276448197"/>
               </p:ext>
             </p:extLst>
           </p:nvPr>
@@ -7910,7 +7720,7 @@
                           <a:latin typeface="汉仪家书简" panose="02010609000101010101" pitchFamily="49" charset="-122"/>
                           <a:ea typeface="汉仪家书简" panose="02010609000101010101" pitchFamily="49" charset="-122"/>
                         </a:rPr>
-                        <a:t>协议的不足</a:t>
+                        <a:t>协议的特点与不足</a:t>
                       </a:r>
                     </a:p>
                   </a:txBody>
@@ -8230,7 +8040,7 @@
                   </a:schemeClr>
                 </a:solidFill>
               </a:rPr>
-              <a:t>协议的不足</a:t>
+              <a:t>协议的特点与不足</a:t>
             </a:r>
           </a:p>
         </p:txBody>
@@ -8292,6 +8102,10 @@
           <a:lstStyle/>
           <a:p>
             <a:r>
+              <a:rPr lang="en-US" altLang="zh-CN" dirty="0"/>
+              <a:t>HTTP</a:t>
+            </a:r>
+            <a:r>
               <a:rPr lang="zh-CN" altLang="en-US" dirty="0"/>
               <a:t>无状态</a:t>
             </a:r>
@@ -8325,6 +8139,34 @@
             <a:normAutofit/>
           </a:bodyPr>
           <a:lstStyle/>
+          <a:p>
+            <a:r>
+              <a:rPr lang="en-US" altLang="zh-CN" sz="2000" dirty="0"/>
+              <a:t>HTTP</a:t>
+            </a:r>
+            <a:r>
+              <a:rPr lang="zh-CN" altLang="en-US" sz="2000" dirty="0"/>
+              <a:t>是无状态协议，客户端的每次请求之间没有关系。</a:t>
+            </a:r>
+            <a:endParaRPr lang="en-US" altLang="zh-CN" sz="2000" dirty="0"/>
+          </a:p>
+          <a:p>
+            <a:endParaRPr lang="en-US" altLang="zh-CN" sz="2000" dirty="0"/>
+          </a:p>
+          <a:p>
+            <a:r>
+              <a:rPr lang="en-US" altLang="zh-CN" sz="2000" dirty="0"/>
+              <a:t>HTTP</a:t>
+            </a:r>
+            <a:r>
+              <a:rPr lang="zh-CN" altLang="en-US" sz="2000" dirty="0"/>
+              <a:t>服务端并不清楚客户端是什么情况，客户端发起请求，服务端就处理请求返回数据。</a:t>
+            </a:r>
+            <a:endParaRPr lang="en-US" altLang="zh-CN" sz="2000" dirty="0"/>
+          </a:p>
+          <a:p>
+            <a:endParaRPr lang="en-US" altLang="zh-CN" sz="2000" dirty="0"/>
+          </a:p>
           <a:p>
             <a:endParaRPr lang="en-US" altLang="zh-CN" sz="2000" dirty="0"/>
           </a:p>
@@ -8387,8 +8229,12 @@
           <a:lstStyle/>
           <a:p>
             <a:r>
+              <a:rPr lang="en-US" altLang="zh-CN" dirty="0"/>
+              <a:t>HTTP</a:t>
+            </a:r>
+            <a:r>
               <a:rPr lang="zh-CN" altLang="en-US" dirty="0"/>
-              <a:t>传输数据频繁创建连接</a:t>
+              <a:t>连接</a:t>
             </a:r>
           </a:p>
         </p:txBody>
@@ -8421,6 +8267,44 @@
           </a:bodyPr>
           <a:lstStyle/>
           <a:p>
+            <a:r>
+              <a:rPr lang="en-US" altLang="zh-CN" sz="2000" dirty="0"/>
+              <a:t>HTTP/1.0</a:t>
+            </a:r>
+            <a:r>
+              <a:rPr lang="zh-CN" altLang="en-US" sz="2000" dirty="0"/>
+              <a:t>使用短连接，数据传输完成就会关闭连接。</a:t>
+            </a:r>
+            <a:endParaRPr lang="en-US" altLang="zh-CN" sz="2000" dirty="0"/>
+          </a:p>
+          <a:p>
+            <a:endParaRPr lang="en-US" altLang="zh-CN" sz="2000" dirty="0"/>
+          </a:p>
+          <a:p>
+            <a:r>
+              <a:rPr lang="en-US" altLang="zh-CN" sz="2000" dirty="0"/>
+              <a:t>HTTP/1.1</a:t>
+            </a:r>
+            <a:r>
+              <a:rPr lang="zh-CN" altLang="en-US" sz="2000" dirty="0"/>
+              <a:t>默认使用长连接，响应头部信息会有</a:t>
+            </a:r>
+            <a:r>
+              <a:rPr lang="en-US" altLang="zh-CN" sz="2000" dirty="0"/>
+              <a:t>Connection:</a:t>
+            </a:r>
+            <a:r>
+              <a:rPr lang="zh-CN" altLang="en-US" sz="2000" dirty="0"/>
+              <a:t> </a:t>
+            </a:r>
+            <a:r>
+              <a:rPr lang="en-US" altLang="zh-CN" sz="2000" dirty="0"/>
+              <a:t>keep-alive</a:t>
+            </a:r>
+            <a:r>
+              <a:rPr lang="zh-CN" altLang="en-US" sz="2000" dirty="0"/>
+              <a:t> 。连接在数据传输完成后会维持一段时间。</a:t>
+            </a:r>
             <a:endParaRPr lang="en-US" altLang="zh-CN" sz="2000" dirty="0"/>
           </a:p>
         </p:txBody>
@@ -8483,7 +8367,14 @@
           </a:bodyPr>
           <a:lstStyle/>
           <a:p>
-            <a:endParaRPr lang="zh-CN" altLang="en-US" dirty="0"/>
+            <a:r>
+              <a:rPr lang="en-US" altLang="zh-CN" dirty="0"/>
+              <a:t>HTTP</a:t>
+            </a:r>
+            <a:r>
+              <a:rPr lang="zh-CN" altLang="en-US" dirty="0"/>
+              <a:t>与服务端推送</a:t>
+            </a:r>
           </a:p>
         </p:txBody>
       </p:sp>
@@ -8515,6 +8406,17 @@
           </a:bodyPr>
           <a:lstStyle/>
           <a:p>
+            <a:endParaRPr lang="en-US" altLang="zh-CN" sz="2000" dirty="0"/>
+          </a:p>
+          <a:p>
+            <a:r>
+              <a:rPr lang="en-US" altLang="zh-CN" sz="2000" dirty="0"/>
+              <a:t>HTTP</a:t>
+            </a:r>
+            <a:r>
+              <a:rPr lang="zh-CN" altLang="en-US" sz="2000" dirty="0"/>
+              <a:t>无法实现服务端推送，请求是由客户端发起的。服务端无法主动向客户端发送数据。</a:t>
+            </a:r>
             <a:endParaRPr lang="en-US" altLang="zh-CN" sz="2000" dirty="0"/>
           </a:p>
           <a:p>
@@ -8593,16 +8495,20 @@
           <a:bodyPr/>
           <a:lstStyle/>
           <a:p>
+            <a:r>
+              <a:rPr lang="en-US" altLang="zh-CN" dirty="0"/>
+              <a:t>2</a:t>
+            </a:r>
             <a:endParaRPr lang="zh-CN" altLang="en-US" dirty="0"/>
           </a:p>
         </p:txBody>
       </p:sp>
       <p:sp>
         <p:nvSpPr>
-          <p:cNvPr id="6" name="内容占位符 5">
+          <p:cNvPr id="3" name="内容占位符 2">
             <a:extLst>
               <a:ext uri="{FF2B5EF4-FFF2-40B4-BE49-F238E27FC236}">
-                <a16:creationId xmlns:a16="http://schemas.microsoft.com/office/drawing/2014/main" id="{B83E9AD4-C606-4679-B884-01F71CC97E44}"/>
+                <a16:creationId xmlns:a16="http://schemas.microsoft.com/office/drawing/2014/main" id="{ED7249CC-3D11-4FF8-8CF2-30C36502BA8B}"/>
               </a:ext>
             </a:extLst>
           </p:cNvPr>
@@ -8613,26 +8519,89 @@
             <p:ph idx="1"/>
           </p:nvPr>
         </p:nvSpPr>
-        <p:spPr>
-          <a:xfrm>
-            <a:off x="838200" y="1656500"/>
-            <a:ext cx="10515600" cy="4850832"/>
-          </a:xfrm>
-        </p:spPr>
-        <p:txBody>
-          <a:bodyPr>
-            <a:normAutofit/>
-          </a:bodyPr>
-          <a:lstStyle/>
-          <a:p>
-            <a:endParaRPr lang="en-US" altLang="zh-CN" sz="1800" dirty="0"/>
+        <p:spPr/>
+        <p:txBody>
+          <a:bodyPr/>
+          <a:lstStyle/>
+          <a:p>
+            <a:pPr marL="0" indent="0" algn="ctr">
+              <a:buNone/>
+            </a:pPr>
+            <a:endParaRPr lang="en-US" altLang="zh-CN" dirty="0">
+              <a:solidFill>
+                <a:schemeClr val="accent1">
+                  <a:lumMod val="75000"/>
+                </a:schemeClr>
+              </a:solidFill>
+            </a:endParaRPr>
+          </a:p>
+          <a:p>
+            <a:pPr marL="0" indent="0" algn="ctr">
+              <a:buNone/>
+            </a:pPr>
+            <a:endParaRPr lang="en-US" altLang="zh-CN" dirty="0">
+              <a:solidFill>
+                <a:schemeClr val="accent1">
+                  <a:lumMod val="75000"/>
+                </a:schemeClr>
+              </a:solidFill>
+            </a:endParaRPr>
+          </a:p>
+          <a:p>
+            <a:pPr marL="0" indent="0" algn="ctr">
+              <a:buNone/>
+            </a:pPr>
+            <a:endParaRPr lang="en-US" altLang="zh-CN" dirty="0">
+              <a:solidFill>
+                <a:schemeClr val="accent1">
+                  <a:lumMod val="75000"/>
+                </a:schemeClr>
+              </a:solidFill>
+            </a:endParaRPr>
+          </a:p>
+          <a:p>
+            <a:pPr marL="0" indent="0" algn="ctr">
+              <a:buNone/>
+            </a:pPr>
+            <a:endParaRPr lang="en-US" altLang="zh-CN" dirty="0">
+              <a:solidFill>
+                <a:schemeClr val="accent1">
+                  <a:lumMod val="75000"/>
+                </a:schemeClr>
+              </a:solidFill>
+            </a:endParaRPr>
+          </a:p>
+          <a:p>
+            <a:pPr marL="0" indent="0" algn="ctr">
+              <a:buNone/>
+            </a:pPr>
+            <a:r>
+              <a:rPr lang="en-US" altLang="zh-CN" sz="3200" dirty="0" err="1">
+                <a:solidFill>
+                  <a:schemeClr val="accent1">
+                    <a:lumMod val="75000"/>
+                  </a:schemeClr>
+                </a:solidFill>
+              </a:rPr>
+              <a:t>Websocket</a:t>
+            </a:r>
+            <a:r>
+              <a:rPr lang="zh-CN" altLang="en-US" sz="3200" dirty="0">
+                <a:solidFill>
+                  <a:schemeClr val="accent1">
+                    <a:lumMod val="75000"/>
+                  </a:schemeClr>
+                </a:solidFill>
+              </a:rPr>
+              <a:t>协议</a:t>
+            </a:r>
           </a:p>
         </p:txBody>
       </p:sp>
     </p:spTree>
     <p:extLst>
       <p:ext uri="{BB962C8B-B14F-4D97-AF65-F5344CB8AC3E}">
-        <p14:creationId xmlns:p14="http://schemas.microsoft.com/office/powerpoint/2010/main" val="3190725958"/>
+        <p14:creationId xmlns:p14="http://schemas.microsoft.com/office/powerpoint/2010/main" val="678941122"/>
       </p:ext>
     </p:extLst>
   </p:cSld>
@@ -8682,23 +8651,28 @@
           </a:xfrm>
         </p:spPr>
         <p:txBody>
-          <a:bodyPr/>
-          <a:lstStyle/>
-          <a:p>
-            <a:r>
-              <a:rPr lang="en-US" altLang="zh-CN" dirty="0"/>
-              <a:t>2</a:t>
-            </a:r>
-            <a:endParaRPr lang="zh-CN" altLang="en-US" dirty="0"/>
-          </a:p>
-        </p:txBody>
-      </p:sp>
-      <p:sp>
-        <p:nvSpPr>
-          <p:cNvPr id="3" name="内容占位符 2">
+          <a:bodyPr>
+            <a:normAutofit/>
+          </a:bodyPr>
+          <a:lstStyle/>
+          <a:p>
+            <a:r>
+              <a:rPr lang="en-US" altLang="zh-CN" dirty="0" err="1"/>
+              <a:t>Websocket</a:t>
+            </a:r>
+            <a:r>
+              <a:rPr lang="zh-CN" altLang="en-US" dirty="0"/>
+              <a:t>协议基本介绍</a:t>
+            </a:r>
+          </a:p>
+        </p:txBody>
+      </p:sp>
+      <p:sp>
+        <p:nvSpPr>
+          <p:cNvPr id="6" name="内容占位符 5">
             <a:extLst>
               <a:ext uri="{FF2B5EF4-FFF2-40B4-BE49-F238E27FC236}">
-                <a16:creationId xmlns:a16="http://schemas.microsoft.com/office/drawing/2014/main" id="{ED7249CC-3D11-4FF8-8CF2-30C36502BA8B}"/>
+                <a16:creationId xmlns:a16="http://schemas.microsoft.com/office/drawing/2014/main" id="{B83E9AD4-C606-4679-B884-01F71CC97E44}"/>
               </a:ext>
             </a:extLst>
           </p:cNvPr>
@@ -8709,89 +8683,110 @@
             <p:ph idx="1"/>
           </p:nvPr>
         </p:nvSpPr>
-        <p:spPr/>
-        <p:txBody>
-          <a:bodyPr/>
-          <a:lstStyle/>
-          <a:p>
-            <a:pPr marL="0" indent="0" algn="ctr">
-              <a:buNone/>
-            </a:pPr>
-            <a:endParaRPr lang="en-US" altLang="zh-CN" dirty="0">
-              <a:solidFill>
-                <a:schemeClr val="accent1">
-                  <a:lumMod val="75000"/>
-                </a:schemeClr>
-              </a:solidFill>
-            </a:endParaRPr>
-          </a:p>
-          <a:p>
-            <a:pPr marL="0" indent="0" algn="ctr">
-              <a:buNone/>
-            </a:pPr>
-            <a:endParaRPr lang="en-US" altLang="zh-CN" dirty="0">
-              <a:solidFill>
-                <a:schemeClr val="accent1">
-                  <a:lumMod val="75000"/>
-                </a:schemeClr>
-              </a:solidFill>
-            </a:endParaRPr>
-          </a:p>
-          <a:p>
-            <a:pPr marL="0" indent="0" algn="ctr">
-              <a:buNone/>
-            </a:pPr>
-            <a:endParaRPr lang="en-US" altLang="zh-CN" dirty="0">
-              <a:solidFill>
-                <a:schemeClr val="accent1">
-                  <a:lumMod val="75000"/>
-                </a:schemeClr>
-              </a:solidFill>
-            </a:endParaRPr>
-          </a:p>
-          <a:p>
-            <a:pPr marL="0" indent="0" algn="ctr">
-              <a:buNone/>
-            </a:pPr>
-            <a:endParaRPr lang="en-US" altLang="zh-CN" dirty="0">
-              <a:solidFill>
-                <a:schemeClr val="accent1">
-                  <a:lumMod val="75000"/>
-                </a:schemeClr>
-              </a:solidFill>
-            </a:endParaRPr>
-          </a:p>
-          <a:p>
-            <a:pPr marL="0" indent="0" algn="ctr">
-              <a:buNone/>
-            </a:pPr>
-            <a:r>
-              <a:rPr lang="en-US" altLang="zh-CN" sz="3200" dirty="0" err="1">
-                <a:solidFill>
-                  <a:schemeClr val="accent1">
-                    <a:lumMod val="75000"/>
-                  </a:schemeClr>
-                </a:solidFill>
-              </a:rPr>
+        <p:spPr>
+          <a:xfrm>
+            <a:off x="838200" y="1656500"/>
+            <a:ext cx="10515600" cy="4850832"/>
+          </a:xfrm>
+        </p:spPr>
+        <p:txBody>
+          <a:bodyPr>
+            <a:normAutofit/>
+          </a:bodyPr>
+          <a:lstStyle/>
+          <a:p>
+            <a:r>
+              <a:rPr lang="en-US" altLang="zh-CN" sz="2000" dirty="0" err="1"/>
               <a:t>Websocket</a:t>
             </a:r>
             <a:r>
-              <a:rPr lang="zh-CN" altLang="en-US" sz="3200" dirty="0">
-                <a:solidFill>
-                  <a:schemeClr val="accent1">
-                    <a:lumMod val="75000"/>
-                  </a:schemeClr>
-                </a:solidFill>
-              </a:rPr>
-              <a:t>协议</a:t>
-            </a:r>
+              <a:rPr lang="zh-CN" altLang="en-US" sz="2000" dirty="0"/>
+              <a:t>协议解决了基于</a:t>
+            </a:r>
+            <a:r>
+              <a:rPr lang="en-US" altLang="zh-CN" sz="2000" dirty="0"/>
+              <a:t>Web</a:t>
+            </a:r>
+            <a:r>
+              <a:rPr lang="zh-CN" altLang="en-US" sz="2000" dirty="0"/>
+              <a:t>的服务端推送问题。</a:t>
+            </a:r>
+            <a:endParaRPr lang="en-US" altLang="zh-CN" sz="2000" dirty="0"/>
+          </a:p>
+          <a:p>
+            <a:endParaRPr lang="en-US" altLang="zh-CN" sz="2000" dirty="0"/>
+          </a:p>
+          <a:p>
+            <a:r>
+              <a:rPr lang="en-US" altLang="zh-CN" sz="2000" dirty="0" err="1"/>
+              <a:t>Websocket</a:t>
+            </a:r>
+            <a:r>
+              <a:rPr lang="zh-CN" altLang="en-US" sz="2000" dirty="0"/>
+              <a:t>基于</a:t>
+            </a:r>
+            <a:r>
+              <a:rPr lang="en-US" altLang="zh-CN" sz="2000" dirty="0"/>
+              <a:t>TCP</a:t>
+            </a:r>
+            <a:r>
+              <a:rPr lang="zh-CN" altLang="en-US" sz="2000" dirty="0"/>
+              <a:t>协议，但是要依靠</a:t>
+            </a:r>
+            <a:r>
+              <a:rPr lang="en-US" altLang="zh-CN" sz="2000" dirty="0"/>
+              <a:t>HTTP</a:t>
+            </a:r>
+            <a:r>
+              <a:rPr lang="zh-CN" altLang="en-US" sz="2000" dirty="0"/>
+              <a:t>协议建立连接。使用</a:t>
+            </a:r>
+            <a:r>
+              <a:rPr lang="en-US" altLang="zh-CN" sz="2000" dirty="0"/>
+              <a:t>HTTP</a:t>
+            </a:r>
+            <a:r>
+              <a:rPr lang="zh-CN" altLang="en-US" sz="2000" dirty="0"/>
+              <a:t>实现握手操作之后，就会建立</a:t>
+            </a:r>
+            <a:r>
+              <a:rPr lang="en-US" altLang="zh-CN" sz="2000" dirty="0" err="1"/>
+              <a:t>Websocket</a:t>
+            </a:r>
+            <a:r>
+              <a:rPr lang="zh-CN" altLang="en-US" sz="2000" dirty="0"/>
+              <a:t>连接。</a:t>
+            </a:r>
+            <a:endParaRPr lang="en-US" altLang="zh-CN" sz="2000" dirty="0"/>
+          </a:p>
+          <a:p>
+            <a:endParaRPr lang="en-US" altLang="zh-CN" sz="2000" dirty="0"/>
+          </a:p>
+          <a:p>
+            <a:r>
+              <a:rPr lang="en-US" altLang="zh-CN" sz="2000" dirty="0"/>
+              <a:t>2011</a:t>
+            </a:r>
+            <a:r>
+              <a:rPr lang="zh-CN" altLang="en-US" sz="2000" dirty="0"/>
+              <a:t>年</a:t>
+            </a:r>
+            <a:r>
+              <a:rPr lang="en-US" altLang="zh-CN" sz="2000" dirty="0" err="1"/>
+              <a:t>Websocket</a:t>
+            </a:r>
+            <a:r>
+              <a:rPr lang="zh-CN" altLang="en-US" sz="2000" dirty="0"/>
+              <a:t>成为国际标准。</a:t>
+            </a:r>
+            <a:endParaRPr lang="en-US" altLang="zh-CN" sz="2000" dirty="0"/>
           </a:p>
         </p:txBody>
       </p:sp>
     </p:spTree>
     <p:extLst>
       <p:ext uri="{BB962C8B-B14F-4D97-AF65-F5344CB8AC3E}">
-        <p14:creationId xmlns:p14="http://schemas.microsoft.com/office/powerpoint/2010/main" val="678941122"/>
+        <p14:creationId xmlns:p14="http://schemas.microsoft.com/office/powerpoint/2010/main" val="3334003570"/>
       </p:ext>
     </p:extLst>
   </p:cSld>
@@ -8841,9 +8836,7 @@
           </a:xfrm>
         </p:spPr>
         <p:txBody>
-          <a:bodyPr>
-            <a:normAutofit/>
-          </a:bodyPr>
+          <a:bodyPr/>
           <a:lstStyle/>
           <a:p>
             <a:r>
@@ -8852,7 +8845,7 @@
             </a:r>
             <a:r>
               <a:rPr lang="zh-CN" altLang="en-US" dirty="0"/>
-              <a:t>协议基本介绍</a:t>
+              <a:t>协议流程简介</a:t>
             </a:r>
           </a:p>
         </p:txBody>
@@ -8885,17 +8878,348 @@
           </a:bodyPr>
           <a:lstStyle/>
           <a:p>
+            <a:pPr>
+              <a:lnSpc>
+                <a:spcPct val="100000"/>
+              </a:lnSpc>
+              <a:spcBef>
+                <a:spcPts val="0"/>
+              </a:spcBef>
+            </a:pPr>
+            <a:r>
+              <a:rPr lang="en-US" altLang="zh-CN" sz="2000" dirty="0"/>
+              <a:t>HTTP</a:t>
+            </a:r>
+            <a:r>
+              <a:rPr lang="zh-CN" altLang="en-US" sz="2000" dirty="0"/>
+              <a:t>请求头部信息：</a:t>
+            </a:r>
+            <a:endParaRPr lang="en-US" altLang="zh-CN" sz="2000" dirty="0"/>
+          </a:p>
+          <a:p>
+            <a:pPr marL="457200" lvl="1" indent="0">
+              <a:lnSpc>
+                <a:spcPct val="100000"/>
+              </a:lnSpc>
+              <a:spcBef>
+                <a:spcPts val="0"/>
+              </a:spcBef>
+              <a:buNone/>
+            </a:pPr>
+            <a:r>
+              <a:rPr lang="en-US" altLang="zh-CN" sz="1800" dirty="0"/>
+              <a:t>GET /chat HTTP/1.1</a:t>
+            </a:r>
+          </a:p>
+          <a:p>
+            <a:pPr marL="457200" lvl="1" indent="0">
+              <a:lnSpc>
+                <a:spcPct val="100000"/>
+              </a:lnSpc>
+              <a:spcBef>
+                <a:spcPts val="0"/>
+              </a:spcBef>
+              <a:buNone/>
+            </a:pPr>
+            <a:r>
+              <a:rPr lang="en-US" altLang="zh-CN" sz="1800" dirty="0"/>
+              <a:t>Host: server.example.com</a:t>
+            </a:r>
+          </a:p>
+          <a:p>
+            <a:pPr marL="457200" lvl="1" indent="0">
+              <a:lnSpc>
+                <a:spcPct val="100000"/>
+              </a:lnSpc>
+              <a:spcBef>
+                <a:spcPts val="0"/>
+              </a:spcBef>
+              <a:buNone/>
+            </a:pPr>
+            <a:r>
+              <a:rPr lang="en-US" altLang="zh-CN" sz="1800" dirty="0">
+                <a:solidFill>
+                  <a:srgbClr val="C00000"/>
+                </a:solidFill>
+              </a:rPr>
+              <a:t>Upgrade: </a:t>
+            </a:r>
+            <a:r>
+              <a:rPr lang="en-US" altLang="zh-CN" sz="1800" dirty="0" err="1">
+                <a:solidFill>
+                  <a:srgbClr val="C00000"/>
+                </a:solidFill>
+              </a:rPr>
+              <a:t>websocket</a:t>
+            </a:r>
+            <a:endParaRPr lang="en-US" altLang="zh-CN" sz="1800" dirty="0">
+              <a:solidFill>
+                <a:srgbClr val="C00000"/>
+              </a:solidFill>
+            </a:endParaRPr>
+          </a:p>
+          <a:p>
+            <a:pPr marL="457200" lvl="1" indent="0">
+              <a:lnSpc>
+                <a:spcPct val="100000"/>
+              </a:lnSpc>
+              <a:spcBef>
+                <a:spcPts val="0"/>
+              </a:spcBef>
+              <a:buNone/>
+            </a:pPr>
+            <a:r>
+              <a:rPr lang="en-US" altLang="zh-CN" sz="1800" dirty="0">
+                <a:solidFill>
+                  <a:srgbClr val="C00000"/>
+                </a:solidFill>
+              </a:rPr>
+              <a:t>Connection: Upgrade</a:t>
+            </a:r>
+          </a:p>
+          <a:p>
+            <a:pPr marL="457200" lvl="1" indent="0">
+              <a:lnSpc>
+                <a:spcPct val="100000"/>
+              </a:lnSpc>
+              <a:spcBef>
+                <a:spcPts val="0"/>
+              </a:spcBef>
+              <a:buNone/>
+            </a:pPr>
+            <a:r>
+              <a:rPr lang="en-US" altLang="zh-CN" sz="1800" dirty="0">
+                <a:solidFill>
+                  <a:srgbClr val="C00000"/>
+                </a:solidFill>
+              </a:rPr>
+              <a:t>Sec-</a:t>
+            </a:r>
+            <a:r>
+              <a:rPr lang="en-US" altLang="zh-CN" sz="1800" dirty="0" err="1">
+                <a:solidFill>
+                  <a:srgbClr val="C00000"/>
+                </a:solidFill>
+              </a:rPr>
+              <a:t>WebSocket</a:t>
+            </a:r>
+            <a:r>
+              <a:rPr lang="en-US" altLang="zh-CN" sz="1800" dirty="0">
+                <a:solidFill>
+                  <a:srgbClr val="C00000"/>
+                </a:solidFill>
+              </a:rPr>
+              <a:t>-Key: dGhlIHNhbXBsZSBub25jZQ==</a:t>
+            </a:r>
+          </a:p>
+          <a:p>
+            <a:pPr marL="457200" lvl="1" indent="0">
+              <a:lnSpc>
+                <a:spcPct val="100000"/>
+              </a:lnSpc>
+              <a:spcBef>
+                <a:spcPts val="0"/>
+              </a:spcBef>
+              <a:buNone/>
+            </a:pPr>
+            <a:r>
+              <a:rPr lang="en-US" altLang="zh-CN" sz="1800" dirty="0"/>
+              <a:t>Origin: http://example.com</a:t>
+            </a:r>
+          </a:p>
+          <a:p>
+            <a:pPr marL="457200" lvl="1" indent="0">
+              <a:lnSpc>
+                <a:spcPct val="100000"/>
+              </a:lnSpc>
+              <a:spcBef>
+                <a:spcPts val="0"/>
+              </a:spcBef>
+              <a:buNone/>
+            </a:pPr>
+            <a:r>
+              <a:rPr lang="en-US" altLang="zh-CN" sz="1800" dirty="0"/>
+              <a:t>Sec-</a:t>
+            </a:r>
+            <a:r>
+              <a:rPr lang="en-US" altLang="zh-CN" sz="1800" dirty="0" err="1"/>
+              <a:t>WebSocket</a:t>
+            </a:r>
+            <a:r>
+              <a:rPr lang="en-US" altLang="zh-CN" sz="1800" dirty="0"/>
+              <a:t>-Protocol: chat, </a:t>
+            </a:r>
+            <a:r>
+              <a:rPr lang="en-US" altLang="zh-CN" sz="1800" dirty="0" err="1"/>
+              <a:t>superchat</a:t>
+            </a:r>
+            <a:endParaRPr lang="en-US" altLang="zh-CN" sz="1800" dirty="0"/>
+          </a:p>
+          <a:p>
+            <a:pPr marL="457200" lvl="1" indent="0">
+              <a:lnSpc>
+                <a:spcPct val="100000"/>
+              </a:lnSpc>
+              <a:spcBef>
+                <a:spcPts val="0"/>
+              </a:spcBef>
+              <a:buNone/>
+            </a:pPr>
+            <a:r>
+              <a:rPr lang="en-US" altLang="zh-CN" sz="1800" dirty="0"/>
+              <a:t>Sec-</a:t>
+            </a:r>
+            <a:r>
+              <a:rPr lang="en-US" altLang="zh-CN" sz="1800" dirty="0" err="1"/>
+              <a:t>WebSocket</a:t>
+            </a:r>
+            <a:r>
+              <a:rPr lang="en-US" altLang="zh-CN" sz="1800" dirty="0"/>
+              <a:t>-Version: 13</a:t>
+            </a:r>
+          </a:p>
+          <a:p>
+            <a:pPr marL="457200" lvl="1" indent="0">
+              <a:lnSpc>
+                <a:spcPct val="100000"/>
+              </a:lnSpc>
+              <a:spcBef>
+                <a:spcPts val="0"/>
+              </a:spcBef>
+              <a:buNone/>
+            </a:pPr>
+            <a:endParaRPr lang="en-US" altLang="zh-CN" sz="1800" dirty="0"/>
+          </a:p>
+          <a:p>
+            <a:pPr>
+              <a:spcBef>
+                <a:spcPts val="0"/>
+              </a:spcBef>
+            </a:pPr>
+            <a:r>
+              <a:rPr lang="en-US" altLang="zh-CN" sz="2000" dirty="0"/>
+              <a:t>Web</a:t>
+            </a:r>
+            <a:r>
+              <a:rPr lang="zh-CN" altLang="en-US" sz="2000" dirty="0"/>
+              <a:t>服务器在遇到</a:t>
+            </a:r>
+            <a:r>
+              <a:rPr lang="en-US" altLang="zh-CN" sz="2000" dirty="0"/>
+              <a:t>Upgrade</a:t>
+            </a:r>
+            <a:r>
+              <a:rPr lang="zh-CN" altLang="en-US" sz="2000" dirty="0"/>
+              <a:t>：</a:t>
+            </a:r>
+            <a:r>
+              <a:rPr lang="en-US" altLang="zh-CN" sz="2000" dirty="0" err="1"/>
+              <a:t>websocket</a:t>
+            </a:r>
+            <a:r>
+              <a:rPr lang="zh-CN" altLang="en-US" sz="2000" dirty="0"/>
+              <a:t>和</a:t>
+            </a:r>
+            <a:r>
+              <a:rPr lang="en-US" altLang="zh-CN" sz="2000" dirty="0"/>
+              <a:t>Connection</a:t>
+            </a:r>
+            <a:r>
+              <a:rPr lang="zh-CN" altLang="en-US" sz="2000" dirty="0"/>
+              <a:t>：</a:t>
+            </a:r>
+            <a:r>
+              <a:rPr lang="en-US" altLang="zh-CN" sz="2000" dirty="0"/>
+              <a:t>Upgrade</a:t>
+            </a:r>
+            <a:r>
+              <a:rPr lang="zh-CN" altLang="en-US" sz="2000" dirty="0"/>
+              <a:t>后会把连接协议升级成基于</a:t>
+            </a:r>
+            <a:r>
+              <a:rPr lang="en-US" altLang="zh-CN" sz="2000" dirty="0"/>
+              <a:t>TCP</a:t>
+            </a:r>
+            <a:r>
+              <a:rPr lang="zh-CN" altLang="en-US" sz="2000" dirty="0"/>
+              <a:t>的</a:t>
+            </a:r>
             <a:r>
               <a:rPr lang="en-US" altLang="zh-CN" sz="2000" dirty="0" err="1"/>
               <a:t>Websocket</a:t>
             </a:r>
             <a:r>
               <a:rPr lang="zh-CN" altLang="en-US" sz="2000" dirty="0"/>
-              <a:t>协议</a:t>
+              <a:t>协议。</a:t>
             </a:r>
             <a:endParaRPr lang="en-US" altLang="zh-CN" sz="2000" dirty="0"/>
           </a:p>
           <a:p>
+            <a:pPr>
+              <a:spcBef>
+                <a:spcPts val="0"/>
+              </a:spcBef>
+            </a:pPr>
+            <a:endParaRPr lang="en-US" altLang="zh-CN" sz="2000" dirty="0"/>
+          </a:p>
+          <a:p>
+            <a:pPr>
+              <a:spcBef>
+                <a:spcPts val="0"/>
+              </a:spcBef>
+            </a:pPr>
+            <a:r>
+              <a:rPr lang="zh-CN" altLang="en-US" sz="2000" dirty="0"/>
+              <a:t>建立连接的过程称为</a:t>
+            </a:r>
+            <a:r>
+              <a:rPr lang="en-US" altLang="zh-CN" sz="2000" dirty="0"/>
+              <a:t>Handshake</a:t>
+            </a:r>
+            <a:r>
+              <a:rPr lang="zh-CN" altLang="en-US" sz="2000" dirty="0"/>
+              <a:t>（握手操作）。简单来讲服务端根据</a:t>
+            </a:r>
+            <a:r>
+              <a:rPr lang="en-US" altLang="zh-CN" sz="2000" dirty="0"/>
+              <a:t>Sec-</a:t>
+            </a:r>
+            <a:r>
+              <a:rPr lang="en-US" altLang="zh-CN" sz="2000" dirty="0" err="1"/>
+              <a:t>Websocket</a:t>
+            </a:r>
+            <a:r>
+              <a:rPr lang="en-US" altLang="zh-CN" sz="2000" dirty="0"/>
+              <a:t>-Key</a:t>
+            </a:r>
+            <a:r>
+              <a:rPr lang="zh-CN" altLang="en-US" sz="2000" dirty="0"/>
+              <a:t>字段的值加上一个固定的</a:t>
+            </a:r>
+            <a:r>
+              <a:rPr lang="en-US" altLang="zh-CN" sz="2000" dirty="0"/>
+              <a:t>GUID</a:t>
+            </a:r>
+            <a:r>
+              <a:rPr lang="zh-CN" altLang="en-US" sz="2000" dirty="0"/>
+              <a:t>值并进行</a:t>
+            </a:r>
+            <a:r>
+              <a:rPr lang="en-US" altLang="zh-CN" sz="2000" dirty="0"/>
+              <a:t>sha1</a:t>
+            </a:r>
+            <a:r>
+              <a:rPr lang="zh-CN" altLang="en-US" sz="2000" dirty="0"/>
+              <a:t>与</a:t>
+            </a:r>
+            <a:r>
+              <a:rPr lang="en-US" altLang="zh-CN" sz="2000" dirty="0"/>
+              <a:t>based64</a:t>
+            </a:r>
+            <a:r>
+              <a:rPr lang="zh-CN" altLang="en-US" sz="2000" dirty="0"/>
+              <a:t>编码后返回给客户端。</a:t>
+            </a:r>
             <a:endParaRPr lang="en-US" altLang="zh-CN" sz="2000" dirty="0"/>
           </a:p>
         </p:txBody>
@@ -8903,7 +9227,7 @@
     </p:spTree>
     <p:extLst>
       <p:ext uri="{BB962C8B-B14F-4D97-AF65-F5344CB8AC3E}">
-        <p14:creationId xmlns:p14="http://schemas.microsoft.com/office/powerpoint/2010/main" val="3334003570"/>
+        <p14:creationId xmlns:p14="http://schemas.microsoft.com/office/powerpoint/2010/main" val="1284186908"/>
       </p:ext>
     </p:extLst>
   </p:cSld>

--- a/materials/slides/ch09-swoole-and-websocket.pptx
+++ b/materials/slides/ch09-swoole-and-websocket.pptx
@@ -231,7 +231,7 @@
           <a:p>
             <a:fld id="{E923E828-953C-4D4A-9B10-11E7329F433D}" type="datetimeFigureOut">
               <a:rPr lang="zh-CN" altLang="en-US" smtClean="0"/>
-              <a:t>2018/2/28</a:t>
+              <a:t>2018/4/9</a:t>
             </a:fld>
             <a:endParaRPr lang="zh-CN" altLang="en-US"/>
           </a:p>
@@ -412,7 +412,7 @@
           <a:p>
             <a:fld id="{867C5346-22E5-4085-8130-851344A84DFF}" type="datetimeFigureOut">
               <a:rPr lang="zh-CN" altLang="en-US" smtClean="0"/>
-              <a:t>2018/2/28</a:t>
+              <a:t>2018/4/9</a:t>
             </a:fld>
             <a:endParaRPr lang="zh-CN" altLang="en-US"/>
           </a:p>
@@ -1846,7 +1846,7 @@
           <a:p>
             <a:fld id="{A5E21016-498F-4141-B0CA-D95A38CA7D62}" type="datetimeFigureOut">
               <a:rPr lang="zh-CN" altLang="en-US" smtClean="0"/>
-              <a:t>2018/2/28</a:t>
+              <a:t>2018/4/9</a:t>
             </a:fld>
             <a:endParaRPr lang="zh-CN" altLang="en-US"/>
           </a:p>
@@ -2076,7 +2076,7 @@
           <a:p>
             <a:fld id="{A5E21016-498F-4141-B0CA-D95A38CA7D62}" type="datetimeFigureOut">
               <a:rPr lang="zh-CN" altLang="en-US" smtClean="0"/>
-              <a:t>2018/2/28</a:t>
+              <a:t>2018/4/9</a:t>
             </a:fld>
             <a:endParaRPr lang="zh-CN" altLang="en-US"/>
           </a:p>
@@ -2311,7 +2311,7 @@
           <a:p>
             <a:fld id="{A5E21016-498F-4141-B0CA-D95A38CA7D62}" type="datetimeFigureOut">
               <a:rPr lang="zh-CN" altLang="en-US" smtClean="0"/>
-              <a:t>2018/2/28</a:t>
+              <a:t>2018/4/9</a:t>
             </a:fld>
             <a:endParaRPr lang="zh-CN" altLang="en-US"/>
           </a:p>
@@ -2873,7 +2873,7 @@
           <a:p>
             <a:fld id="{A5E21016-498F-4141-B0CA-D95A38CA7D62}" type="datetimeFigureOut">
               <a:rPr lang="zh-CN" altLang="en-US" smtClean="0"/>
-              <a:t>2018/2/28</a:t>
+              <a:t>2018/4/9</a:t>
             </a:fld>
             <a:endParaRPr lang="zh-CN" altLang="en-US"/>
           </a:p>
@@ -3170,7 +3170,7 @@
           <a:p>
             <a:fld id="{A5E21016-498F-4141-B0CA-D95A38CA7D62}" type="datetimeFigureOut">
               <a:rPr lang="zh-CN" altLang="en-US" smtClean="0"/>
-              <a:t>2018/2/28</a:t>
+              <a:t>2018/4/9</a:t>
             </a:fld>
             <a:endParaRPr lang="zh-CN" altLang="en-US"/>
           </a:p>
@@ -3609,7 +3609,7 @@
           <a:p>
             <a:fld id="{A5E21016-498F-4141-B0CA-D95A38CA7D62}" type="datetimeFigureOut">
               <a:rPr lang="zh-CN" altLang="en-US" smtClean="0"/>
-              <a:t>2018/2/28</a:t>
+              <a:t>2018/4/9</a:t>
             </a:fld>
             <a:endParaRPr lang="zh-CN" altLang="en-US"/>
           </a:p>
@@ -3782,7 +3782,7 @@
           <a:p>
             <a:fld id="{A5E21016-498F-4141-B0CA-D95A38CA7D62}" type="datetimeFigureOut">
               <a:rPr lang="zh-CN" altLang="en-US" smtClean="0"/>
-              <a:t>2018/2/28</a:t>
+              <a:t>2018/4/9</a:t>
             </a:fld>
             <a:endParaRPr lang="zh-CN" altLang="en-US"/>
           </a:p>
@@ -3919,7 +3919,7 @@
           <a:p>
             <a:fld id="{A5E21016-498F-4141-B0CA-D95A38CA7D62}" type="datetimeFigureOut">
               <a:rPr lang="zh-CN" altLang="en-US" smtClean="0"/>
-              <a:t>2018/2/28</a:t>
+              <a:t>2018/4/9</a:t>
             </a:fld>
             <a:endParaRPr lang="zh-CN" altLang="en-US"/>
           </a:p>
@@ -4257,7 +4257,7 @@
           <a:p>
             <a:fld id="{A5E21016-498F-4141-B0CA-D95A38CA7D62}" type="datetimeFigureOut">
               <a:rPr lang="zh-CN" altLang="en-US" smtClean="0"/>
-              <a:t>2018/2/28</a:t>
+              <a:t>2018/4/9</a:t>
             </a:fld>
             <a:endParaRPr lang="zh-CN" altLang="en-US"/>
           </a:p>
@@ -4572,7 +4572,7 @@
           <a:p>
             <a:fld id="{A5E21016-498F-4141-B0CA-D95A38CA7D62}" type="datetimeFigureOut">
               <a:rPr lang="zh-CN" altLang="en-US" smtClean="0"/>
-              <a:t>2018/2/28</a:t>
+              <a:t>2018/4/9</a:t>
             </a:fld>
             <a:endParaRPr lang="zh-CN" altLang="en-US"/>
           </a:p>
@@ -5171,7 +5171,7 @@
         <p:spPr>
           <a:xfrm>
             <a:off x="672483" y="1012055"/>
-            <a:ext cx="10847034" cy="4893647"/>
+            <a:ext cx="10847034" cy="4955203"/>
           </a:xfrm>
           <a:prstGeom prst="rect">
             <a:avLst/>
@@ -5268,26 +5268,26 @@
           <a:p>
             <a:pPr algn="ctr"/>
             <a:r>
-              <a:rPr lang="zh-CN" altLang="en-US" sz="2800" dirty="0"/>
+              <a:rPr lang="zh-CN" altLang="en-US" sz="3200" dirty="0"/>
               <a:t>第九讲 </a:t>
             </a:r>
             <a:r>
-              <a:rPr lang="en-US" altLang="zh-CN" sz="2800" dirty="0" err="1"/>
+              <a:rPr lang="en-US" altLang="zh-CN" sz="3200" dirty="0" err="1"/>
               <a:t>Swoole</a:t>
             </a:r>
             <a:r>
-              <a:rPr lang="zh-CN" altLang="en-US" sz="2800" dirty="0"/>
+              <a:rPr lang="zh-CN" altLang="en-US" sz="3200" dirty="0"/>
               <a:t>与</a:t>
             </a:r>
             <a:r>
-              <a:rPr lang="en-US" altLang="zh-CN" sz="2800" dirty="0" err="1"/>
+              <a:rPr lang="en-US" altLang="zh-CN" sz="3200" dirty="0" err="1"/>
               <a:t>Websocket</a:t>
             </a:r>
             <a:r>
-              <a:rPr lang="zh-CN" altLang="en-US" sz="2800" dirty="0"/>
+              <a:rPr lang="zh-CN" altLang="en-US" sz="3200" dirty="0"/>
               <a:t>协议</a:t>
             </a:r>
-            <a:endParaRPr lang="en-US" altLang="zh-CN" sz="2800" dirty="0"/>
+            <a:endParaRPr lang="en-US" altLang="zh-CN" sz="3200" dirty="0"/>
           </a:p>
           <a:p>
             <a:endParaRPr lang="en-US" altLang="zh-CN" dirty="0"/>
@@ -5400,7 +5400,7 @@
         <p:spPr>
           <a:xfrm>
             <a:off x="838200" y="1656500"/>
-            <a:ext cx="10515600" cy="4850832"/>
+            <a:ext cx="10515600" cy="5043238"/>
           </a:xfrm>
         </p:spPr>
         <p:txBody>
@@ -5410,26 +5410,26 @@
           <a:lstStyle/>
           <a:p>
             <a:r>
-              <a:rPr lang="zh-CN" altLang="en-US" sz="2000" dirty="0"/>
+              <a:rPr lang="zh-CN" altLang="en-US" sz="1900" dirty="0"/>
               <a:t>使用代码示例来理解如何用</a:t>
             </a:r>
             <a:r>
-              <a:rPr lang="en-US" altLang="zh-CN" sz="2000" dirty="0" err="1"/>
+              <a:rPr lang="en-US" altLang="zh-CN" sz="1900" dirty="0" err="1"/>
               <a:t>Swoole</a:t>
             </a:r>
             <a:r>
-              <a:rPr lang="zh-CN" altLang="en-US" sz="2000" dirty="0"/>
+              <a:rPr lang="zh-CN" altLang="en-US" sz="1900" dirty="0"/>
               <a:t>实现</a:t>
             </a:r>
             <a:r>
-              <a:rPr lang="en-US" altLang="zh-CN" sz="2000" dirty="0" err="1"/>
+              <a:rPr lang="en-US" altLang="zh-CN" sz="1900" dirty="0" err="1"/>
               <a:t>Websocket</a:t>
             </a:r>
             <a:r>
-              <a:rPr lang="zh-CN" altLang="en-US" sz="2000" dirty="0"/>
+              <a:rPr lang="zh-CN" altLang="en-US" sz="1900" dirty="0"/>
               <a:t>服务：</a:t>
             </a:r>
-            <a:endParaRPr lang="en-US" altLang="zh-CN" sz="1800" dirty="0"/>
+            <a:endParaRPr lang="en-US" altLang="zh-CN" sz="1900" dirty="0"/>
           </a:p>
           <a:p>
             <a:pPr marL="457200" lvl="1" indent="0">
@@ -5439,250 +5439,251 @@
               <a:buNone/>
             </a:pPr>
             <a:r>
-              <a:rPr lang="en-US" altLang="zh-CN" sz="1700" dirty="0"/>
-              <a:t>class </a:t>
-            </a:r>
-            <a:r>
-              <a:rPr lang="en-US" altLang="zh-CN" sz="1700" dirty="0" err="1"/>
+              <a:rPr lang="en-US" altLang="zh-CN" sz="1900" dirty="0"/>
+              <a:t>class</a:t>
+            </a:r>
+            <a:r>
+              <a:rPr lang="en-US" altLang="zh-CN" sz="1900"/>
+              <a:t> phpWebSocket</a:t>
+            </a:r>
+            <a:r>
+              <a:rPr lang="en-US" altLang="zh-CN" sz="1900" dirty="0"/>
+              <a:t> </a:t>
+            </a:r>
+            <a:r>
+              <a:rPr lang="en-US" altLang="zh-CN" sz="1900"/>
+              <a:t>{</a:t>
+            </a:r>
+            <a:br>
+              <a:rPr lang="en-US" altLang="zh-CN" sz="1900" dirty="0"/>
+            </a:br>
+            <a:r>
+              <a:rPr lang="en-US" altLang="zh-CN" sz="1900" dirty="0"/>
+              <a:t>    private $server;</a:t>
+            </a:r>
+            <a:br>
+              <a:rPr lang="en-US" altLang="zh-CN" sz="1900" dirty="0"/>
+            </a:br>
+            <a:r>
+              <a:rPr lang="en-US" altLang="zh-CN" sz="1900" dirty="0"/>
+              <a:t>    public function __construct() {</a:t>
+            </a:r>
+            <a:br>
+              <a:rPr lang="en-US" altLang="zh-CN" sz="1900" dirty="0"/>
+            </a:br>
+            <a:r>
+              <a:rPr lang="en-US" altLang="zh-CN" sz="1900" dirty="0"/>
+              <a:t>        $this-&gt;server = new </a:t>
+            </a:r>
+            <a:r>
+              <a:rPr lang="en-US" altLang="zh-CN" sz="1900" dirty="0" err="1"/>
+              <a:t>swoole_websocket_server</a:t>
+            </a:r>
+            <a:r>
+              <a:rPr lang="en-US" altLang="zh-CN" sz="1900" dirty="0"/>
+              <a:t>(‘localhost’,9876);</a:t>
+            </a:r>
+            <a:br>
+              <a:rPr lang="en-US" altLang="zh-CN" sz="1900" dirty="0"/>
+            </a:br>
+            <a:r>
+              <a:rPr lang="en-US" altLang="zh-CN" sz="1900" dirty="0"/>
+              <a:t>        $this-&gt;server-&gt;on('</a:t>
+            </a:r>
+            <a:r>
+              <a:rPr lang="en-US" altLang="zh-CN" sz="1900" dirty="0" err="1"/>
+              <a:t>open',function</a:t>
+            </a:r>
+            <a:r>
+              <a:rPr lang="en-US" altLang="zh-CN" sz="1900" dirty="0"/>
+              <a:t>($server, $</a:t>
+            </a:r>
+            <a:r>
+              <a:rPr lang="en-US" altLang="zh-CN" sz="1900" dirty="0" err="1"/>
+              <a:t>req</a:t>
+            </a:r>
+            <a:r>
+              <a:rPr lang="en-US" altLang="zh-CN" sz="1900" dirty="0"/>
+              <a:t>) {</a:t>
+            </a:r>
+            <a:br>
+              <a:rPr lang="en-US" altLang="zh-CN" sz="1900" dirty="0"/>
+            </a:br>
+            <a:r>
+              <a:rPr lang="en-US" altLang="zh-CN" sz="1900" dirty="0"/>
+              <a:t>            $server-&gt;push($</a:t>
+            </a:r>
+            <a:r>
+              <a:rPr lang="en-US" altLang="zh-CN" sz="1900" dirty="0" err="1"/>
+              <a:t>req</a:t>
+            </a:r>
+            <a:r>
+              <a:rPr lang="en-US" altLang="zh-CN" sz="1900" dirty="0"/>
+              <a:t>-&gt;</a:t>
+            </a:r>
+            <a:r>
+              <a:rPr lang="en-US" altLang="zh-CN" sz="1900" dirty="0" err="1"/>
+              <a:t>fd</a:t>
+            </a:r>
+            <a:r>
+              <a:rPr lang="en-US" altLang="zh-CN" sz="1900" dirty="0"/>
+              <a:t>,"Hey. $</a:t>
+            </a:r>
+            <a:r>
+              <a:rPr lang="en-US" altLang="zh-CN" sz="1900" dirty="0" err="1"/>
+              <a:t>fd</a:t>
+            </a:r>
+            <a:r>
+              <a:rPr lang="en-US" altLang="zh-CN" sz="1900" dirty="0"/>
+              <a:t>");</a:t>
+            </a:r>
+            <a:br>
+              <a:rPr lang="en-US" altLang="zh-CN" sz="1900" dirty="0"/>
+            </a:br>
+            <a:r>
+              <a:rPr lang="en-US" altLang="zh-CN" sz="1900" dirty="0"/>
+              <a:t>        });</a:t>
+            </a:r>
+            <a:br>
+              <a:rPr lang="en-US" altLang="zh-CN" sz="1900" dirty="0"/>
+            </a:br>
+            <a:r>
+              <a:rPr lang="en-US" altLang="zh-CN" sz="1900" dirty="0"/>
+              <a:t>        $this-&gt;server-&gt;on('</a:t>
+            </a:r>
+            <a:r>
+              <a:rPr lang="en-US" altLang="zh-CN" sz="1900" dirty="0" err="1"/>
+              <a:t>message',function</a:t>
+            </a:r>
+            <a:r>
+              <a:rPr lang="en-US" altLang="zh-CN" sz="1900" dirty="0"/>
+              <a:t>($server,$</a:t>
+            </a:r>
+            <a:r>
+              <a:rPr lang="en-US" altLang="zh-CN" sz="1900" dirty="0" err="1"/>
+              <a:t>cnn</a:t>
+            </a:r>
+            <a:r>
+              <a:rPr lang="en-US" altLang="zh-CN" sz="1900" dirty="0"/>
+              <a:t>) {</a:t>
+            </a:r>
+            <a:br>
+              <a:rPr lang="en-US" altLang="zh-CN" sz="1900" dirty="0"/>
+            </a:br>
+            <a:r>
+              <a:rPr lang="en-US" altLang="zh-CN" sz="1900" dirty="0"/>
+              <a:t>            $server-&gt;push($</a:t>
+            </a:r>
+            <a:r>
+              <a:rPr lang="en-US" altLang="zh-CN" sz="1900" dirty="0" err="1"/>
+              <a:t>cnn</a:t>
+            </a:r>
+            <a:r>
+              <a:rPr lang="en-US" altLang="zh-CN" sz="1900" dirty="0"/>
+              <a:t>-&gt;</a:t>
+            </a:r>
+            <a:r>
+              <a:rPr lang="en-US" altLang="zh-CN" sz="1900" dirty="0" err="1"/>
+              <a:t>fd</a:t>
+            </a:r>
+            <a:r>
+              <a:rPr lang="en-US" altLang="zh-CN" sz="1900" dirty="0"/>
+              <a:t>,$</a:t>
+            </a:r>
+            <a:r>
+              <a:rPr lang="en-US" altLang="zh-CN" sz="1900" dirty="0" err="1"/>
+              <a:t>cnn</a:t>
+            </a:r>
+            <a:r>
+              <a:rPr lang="en-US" altLang="zh-CN" sz="1900" dirty="0"/>
+              <a:t>-&gt;data);</a:t>
+            </a:r>
+            <a:br>
+              <a:rPr lang="en-US" altLang="zh-CN" sz="1900" dirty="0"/>
+            </a:br>
+            <a:r>
+              <a:rPr lang="en-US" altLang="zh-CN" sz="1900" dirty="0"/>
+              <a:t>        });</a:t>
+            </a:r>
+            <a:br>
+              <a:rPr lang="en-US" altLang="zh-CN" sz="1900" dirty="0"/>
+            </a:br>
+            <a:r>
+              <a:rPr lang="en-US" altLang="zh-CN" sz="1900" dirty="0"/>
+              <a:t>        $this-&gt;server-&gt;on('</a:t>
+            </a:r>
+            <a:r>
+              <a:rPr lang="en-US" altLang="zh-CN" sz="1900" dirty="0" err="1"/>
+              <a:t>close',function</a:t>
+            </a:r>
+            <a:r>
+              <a:rPr lang="en-US" altLang="zh-CN" sz="1900" dirty="0"/>
+              <a:t>($server, $</a:t>
+            </a:r>
+            <a:r>
+              <a:rPr lang="en-US" altLang="zh-CN" sz="1900" dirty="0" err="1"/>
+              <a:t>fd</a:t>
+            </a:r>
+            <a:r>
+              <a:rPr lang="en-US" altLang="zh-CN" sz="1900" dirty="0"/>
+              <a:t>) {</a:t>
+            </a:r>
+            <a:br>
+              <a:rPr lang="en-US" altLang="zh-CN" sz="1900" dirty="0"/>
+            </a:br>
+            <a:r>
+              <a:rPr lang="en-US" altLang="zh-CN" sz="1900" dirty="0"/>
+              <a:t>            echo $</a:t>
+            </a:r>
+            <a:r>
+              <a:rPr lang="en-US" altLang="zh-CN" sz="1900" dirty="0" err="1"/>
+              <a:t>fd</a:t>
+            </a:r>
+            <a:r>
+              <a:rPr lang="en-US" altLang="zh-CN" sz="1900" dirty="0"/>
+              <a:t> . " closed\n";</a:t>
+            </a:r>
+            <a:br>
+              <a:rPr lang="en-US" altLang="zh-CN" sz="1900" dirty="0"/>
+            </a:br>
+            <a:r>
+              <a:rPr lang="en-US" altLang="zh-CN" sz="1900" dirty="0"/>
+              <a:t>        });</a:t>
+            </a:r>
+            <a:br>
+              <a:rPr lang="en-US" altLang="zh-CN" sz="1900" dirty="0"/>
+            </a:br>
+            <a:r>
+              <a:rPr lang="en-US" altLang="zh-CN" sz="1900" dirty="0"/>
+              <a:t>        $this-&gt;server-&gt;start();</a:t>
+            </a:r>
+            <a:br>
+              <a:rPr lang="en-US" altLang="zh-CN" sz="1900" dirty="0"/>
+            </a:br>
+            <a:r>
+              <a:rPr lang="en-US" altLang="zh-CN" sz="1900" dirty="0"/>
+              <a:t>    }</a:t>
+            </a:r>
+            <a:br>
+              <a:rPr lang="en-US" altLang="zh-CN" sz="1900" dirty="0"/>
+            </a:br>
+            <a:r>
+              <a:rPr lang="en-US" altLang="zh-CN" sz="1900" dirty="0"/>
+              <a:t>}</a:t>
+            </a:r>
+            <a:br>
+              <a:rPr lang="en-US" altLang="zh-CN" sz="1900" dirty="0"/>
+            </a:br>
+            <a:r>
+              <a:rPr lang="en-US" altLang="zh-CN" sz="1900" dirty="0"/>
+              <a:t>new </a:t>
+            </a:r>
+            <a:r>
+              <a:rPr lang="en-US" altLang="zh-CN" sz="1900" dirty="0" err="1"/>
               <a:t>phpWebSocket</a:t>
             </a:r>
-            <a:br>
-              <a:rPr lang="en-US" altLang="zh-CN" sz="1700" dirty="0"/>
-            </a:br>
-            <a:r>
-              <a:rPr lang="en-US" altLang="zh-CN" sz="1700" dirty="0"/>
-              <a:t>{</a:t>
-            </a:r>
-            <a:br>
-              <a:rPr lang="en-US" altLang="zh-CN" sz="1700" dirty="0"/>
-            </a:br>
-            <a:r>
-              <a:rPr lang="en-US" altLang="zh-CN" sz="1700" dirty="0"/>
-              <a:t>    private $server;</a:t>
-            </a:r>
-            <a:br>
-              <a:rPr lang="en-US" altLang="zh-CN" sz="1700" dirty="0"/>
-            </a:br>
-            <a:r>
-              <a:rPr lang="en-US" altLang="zh-CN" sz="1700" dirty="0"/>
-              <a:t>    public function __construct() {</a:t>
-            </a:r>
-            <a:br>
-              <a:rPr lang="en-US" altLang="zh-CN" sz="1700" dirty="0"/>
-            </a:br>
-            <a:r>
-              <a:rPr lang="en-US" altLang="zh-CN" sz="1700" dirty="0"/>
-              <a:t>        $this-&gt;server = new </a:t>
-            </a:r>
-            <a:r>
-              <a:rPr lang="en-US" altLang="zh-CN" sz="1700" dirty="0" err="1"/>
-              <a:t>swoole_websocket_server</a:t>
-            </a:r>
-            <a:r>
-              <a:rPr lang="en-US" altLang="zh-CN" sz="1700" dirty="0"/>
-              <a:t>(‘localhost’,9876);</a:t>
-            </a:r>
-            <a:br>
-              <a:rPr lang="en-US" altLang="zh-CN" sz="1700" dirty="0"/>
-            </a:br>
-            <a:r>
-              <a:rPr lang="en-US" altLang="zh-CN" sz="1700" dirty="0"/>
-              <a:t>        $this-&gt;server-&gt;on('</a:t>
-            </a:r>
-            <a:r>
-              <a:rPr lang="en-US" altLang="zh-CN" sz="1700" dirty="0" err="1"/>
-              <a:t>open',function</a:t>
-            </a:r>
-            <a:r>
-              <a:rPr lang="en-US" altLang="zh-CN" sz="1700" dirty="0"/>
-              <a:t>($server, $</a:t>
-            </a:r>
-            <a:r>
-              <a:rPr lang="en-US" altLang="zh-CN" sz="1700" dirty="0" err="1"/>
-              <a:t>req</a:t>
-            </a:r>
-            <a:r>
-              <a:rPr lang="en-US" altLang="zh-CN" sz="1700" dirty="0"/>
-              <a:t>) {</a:t>
-            </a:r>
-            <a:br>
-              <a:rPr lang="en-US" altLang="zh-CN" sz="1700" dirty="0"/>
-            </a:br>
-            <a:r>
-              <a:rPr lang="en-US" altLang="zh-CN" sz="1700" dirty="0"/>
-              <a:t>            $server-&gt;push($</a:t>
-            </a:r>
-            <a:r>
-              <a:rPr lang="en-US" altLang="zh-CN" sz="1700" dirty="0" err="1"/>
-              <a:t>req</a:t>
-            </a:r>
-            <a:r>
-              <a:rPr lang="en-US" altLang="zh-CN" sz="1700" dirty="0"/>
-              <a:t>-&gt;</a:t>
-            </a:r>
-            <a:r>
-              <a:rPr lang="en-US" altLang="zh-CN" sz="1700" dirty="0" err="1"/>
-              <a:t>fd</a:t>
-            </a:r>
-            <a:r>
-              <a:rPr lang="en-US" altLang="zh-CN" sz="1700" dirty="0"/>
-              <a:t>,"Hey. $</a:t>
-            </a:r>
-            <a:r>
-              <a:rPr lang="en-US" altLang="zh-CN" sz="1700" dirty="0" err="1"/>
-              <a:t>fd</a:t>
-            </a:r>
-            <a:r>
-              <a:rPr lang="en-US" altLang="zh-CN" sz="1700" dirty="0"/>
-              <a:t>");</a:t>
-            </a:r>
-            <a:br>
-              <a:rPr lang="en-US" altLang="zh-CN" sz="1700" dirty="0"/>
-            </a:br>
-            <a:r>
-              <a:rPr lang="en-US" altLang="zh-CN" sz="1700" dirty="0"/>
-              <a:t>        });</a:t>
-            </a:r>
-            <a:br>
-              <a:rPr lang="en-US" altLang="zh-CN" sz="1700" dirty="0"/>
-            </a:br>
-            <a:r>
-              <a:rPr lang="en-US" altLang="zh-CN" sz="1700" dirty="0"/>
-              <a:t>        $this-&gt;server-&gt;on('</a:t>
-            </a:r>
-            <a:r>
-              <a:rPr lang="en-US" altLang="zh-CN" sz="1700" dirty="0" err="1"/>
-              <a:t>message',function</a:t>
-            </a:r>
-            <a:r>
-              <a:rPr lang="en-US" altLang="zh-CN" sz="1700" dirty="0"/>
-              <a:t>($server,$</a:t>
-            </a:r>
-            <a:r>
-              <a:rPr lang="en-US" altLang="zh-CN" sz="1700" dirty="0" err="1"/>
-              <a:t>cnn</a:t>
-            </a:r>
-            <a:r>
-              <a:rPr lang="en-US" altLang="zh-CN" sz="1700" dirty="0"/>
-              <a:t>) {</a:t>
-            </a:r>
-            <a:br>
-              <a:rPr lang="en-US" altLang="zh-CN" sz="1700" dirty="0"/>
-            </a:br>
-            <a:r>
-              <a:rPr lang="en-US" altLang="zh-CN" sz="1700" dirty="0"/>
-              <a:t>            $server-&gt;push($</a:t>
-            </a:r>
-            <a:r>
-              <a:rPr lang="en-US" altLang="zh-CN" sz="1700" dirty="0" err="1"/>
-              <a:t>cnn</a:t>
-            </a:r>
-            <a:r>
-              <a:rPr lang="en-US" altLang="zh-CN" sz="1700" dirty="0"/>
-              <a:t>-&gt;</a:t>
-            </a:r>
-            <a:r>
-              <a:rPr lang="en-US" altLang="zh-CN" sz="1700" dirty="0" err="1"/>
-              <a:t>fd</a:t>
-            </a:r>
-            <a:r>
-              <a:rPr lang="en-US" altLang="zh-CN" sz="1700" dirty="0"/>
-              <a:t>,$</a:t>
-            </a:r>
-            <a:r>
-              <a:rPr lang="en-US" altLang="zh-CN" sz="1700" dirty="0" err="1"/>
-              <a:t>cnn</a:t>
-            </a:r>
-            <a:r>
-              <a:rPr lang="en-US" altLang="zh-CN" sz="1700" dirty="0"/>
-              <a:t>-&gt;data);</a:t>
-            </a:r>
-            <a:br>
-              <a:rPr lang="en-US" altLang="zh-CN" sz="1700" dirty="0"/>
-            </a:br>
-            <a:r>
-              <a:rPr lang="en-US" altLang="zh-CN" sz="1700" dirty="0"/>
-              <a:t>        });</a:t>
-            </a:r>
-            <a:br>
-              <a:rPr lang="en-US" altLang="zh-CN" sz="1700" dirty="0"/>
-            </a:br>
-            <a:r>
-              <a:rPr lang="en-US" altLang="zh-CN" sz="1700" dirty="0"/>
-              <a:t>        $this-&gt;server-&gt;on('</a:t>
-            </a:r>
-            <a:r>
-              <a:rPr lang="en-US" altLang="zh-CN" sz="1700" dirty="0" err="1"/>
-              <a:t>close',function</a:t>
-            </a:r>
-            <a:r>
-              <a:rPr lang="en-US" altLang="zh-CN" sz="1700" dirty="0"/>
-              <a:t>($server, $</a:t>
-            </a:r>
-            <a:r>
-              <a:rPr lang="en-US" altLang="zh-CN" sz="1700" dirty="0" err="1"/>
-              <a:t>fd</a:t>
-            </a:r>
-            <a:r>
-              <a:rPr lang="en-US" altLang="zh-CN" sz="1700" dirty="0"/>
-              <a:t>) {</a:t>
-            </a:r>
-            <a:br>
-              <a:rPr lang="en-US" altLang="zh-CN" sz="1700" dirty="0"/>
-            </a:br>
-            <a:r>
-              <a:rPr lang="en-US" altLang="zh-CN" sz="1700" dirty="0"/>
-              <a:t>            echo $</a:t>
-            </a:r>
-            <a:r>
-              <a:rPr lang="en-US" altLang="zh-CN" sz="1700" dirty="0" err="1"/>
-              <a:t>fd</a:t>
-            </a:r>
-            <a:r>
-              <a:rPr lang="en-US" altLang="zh-CN" sz="1700" dirty="0"/>
-              <a:t> . " closed\n";</a:t>
-            </a:r>
-            <a:br>
-              <a:rPr lang="en-US" altLang="zh-CN" sz="1700" dirty="0"/>
-            </a:br>
-            <a:r>
-              <a:rPr lang="en-US" altLang="zh-CN" sz="1700" dirty="0"/>
-              <a:t>        });</a:t>
-            </a:r>
-            <a:br>
-              <a:rPr lang="en-US" altLang="zh-CN" sz="1700" dirty="0"/>
-            </a:br>
-            <a:r>
-              <a:rPr lang="en-US" altLang="zh-CN" sz="1700" dirty="0"/>
-              <a:t>        $this-&gt;server-&gt;start();</a:t>
-            </a:r>
-            <a:br>
-              <a:rPr lang="en-US" altLang="zh-CN" sz="1700" dirty="0"/>
-            </a:br>
-            <a:r>
-              <a:rPr lang="en-US" altLang="zh-CN" sz="1700" dirty="0"/>
-              <a:t>    }</a:t>
-            </a:r>
-            <a:br>
-              <a:rPr lang="en-US" altLang="zh-CN" sz="1700" dirty="0"/>
-            </a:br>
-            <a:r>
-              <a:rPr lang="en-US" altLang="zh-CN" sz="1700" dirty="0"/>
-              <a:t>}</a:t>
-            </a:r>
-            <a:br>
-              <a:rPr lang="en-US" altLang="zh-CN" sz="1700" dirty="0"/>
-            </a:br>
-            <a:r>
-              <a:rPr lang="en-US" altLang="zh-CN" sz="1700" dirty="0"/>
-              <a:t>new </a:t>
-            </a:r>
-            <a:r>
-              <a:rPr lang="en-US" altLang="zh-CN" sz="1700" dirty="0" err="1"/>
-              <a:t>phpWebSocket</a:t>
-            </a:r>
-            <a:r>
-              <a:rPr lang="en-US" altLang="zh-CN" sz="1700" dirty="0"/>
+            <a:r>
+              <a:rPr lang="en-US" altLang="zh-CN" sz="1900" dirty="0"/>
               <a:t>();</a:t>
             </a:r>
           </a:p>
@@ -5803,7 +5804,7 @@
               <a:rPr lang="zh-CN" altLang="en-US" sz="2000" dirty="0"/>
               <a:t>向服务器发送一条消息：</a:t>
             </a:r>
-            <a:endParaRPr lang="en-US" altLang="zh-CN" sz="1800" dirty="0"/>
+            <a:endParaRPr lang="en-US" altLang="zh-CN" sz="2000" dirty="0"/>
           </a:p>
           <a:p>
             <a:pPr marL="457200" lvl="1" indent="0">
@@ -5813,22 +5814,22 @@
               <a:buNone/>
             </a:pPr>
             <a:r>
-              <a:rPr lang="en-US" altLang="zh-CN" sz="1800" dirty="0"/>
+              <a:rPr lang="en-US" altLang="zh-CN" sz="2000" dirty="0"/>
               <a:t>$cli = new </a:t>
             </a:r>
             <a:r>
-              <a:rPr lang="en-US" altLang="zh-CN" sz="1800" dirty="0" err="1"/>
+              <a:rPr lang="en-US" altLang="zh-CN" sz="2000" dirty="0" err="1"/>
               <a:t>swoole_http_client</a:t>
             </a:r>
             <a:r>
-              <a:rPr lang="en-US" altLang="zh-CN" sz="1800" dirty="0"/>
+              <a:rPr lang="en-US" altLang="zh-CN" sz="2000" dirty="0"/>
               <a:t>(‘127.0.0.1’,9876);</a:t>
             </a:r>
             <a:br>
-              <a:rPr lang="en-US" altLang="zh-CN" sz="1800" dirty="0"/>
+              <a:rPr lang="en-US" altLang="zh-CN" sz="2000" dirty="0"/>
             </a:br>
             <a:r>
-              <a:rPr lang="en-US" altLang="zh-CN" sz="1400" i="1" dirty="0">
+              <a:rPr lang="en-US" altLang="zh-CN" sz="2000" i="1" dirty="0">
                 <a:solidFill>
                   <a:srgbClr val="C00000"/>
                 </a:solidFill>
@@ -5836,7 +5837,7 @@
               <a:t>//</a:t>
             </a:r>
             <a:r>
-              <a:rPr lang="en-US" altLang="zh-CN" sz="1400" i="1" dirty="0" err="1">
+              <a:rPr lang="en-US" altLang="zh-CN" sz="2000" i="1" dirty="0" err="1">
                 <a:solidFill>
                   <a:srgbClr val="C00000"/>
                 </a:solidFill>
@@ -5844,7 +5845,7 @@
               <a:t>onMessage</a:t>
             </a:r>
             <a:r>
-              <a:rPr lang="zh-CN" altLang="en-US" sz="1400" i="1" dirty="0">
+              <a:rPr lang="zh-CN" altLang="en-US" sz="2000" i="1" dirty="0">
                 <a:solidFill>
                   <a:srgbClr val="C00000"/>
                 </a:solidFill>
@@ -5852,97 +5853,96 @@
               <a:t>事件是必须的</a:t>
             </a:r>
             <a:br>
-              <a:rPr lang="en-US" altLang="zh-CN" sz="1800" dirty="0"/>
+              <a:rPr lang="en-US" altLang="zh-CN" sz="2000" dirty="0"/>
             </a:br>
             <a:r>
-              <a:rPr lang="en-US" altLang="zh-CN" sz="1800" dirty="0"/>
+              <a:rPr lang="en-US" altLang="zh-CN" sz="2000" dirty="0"/>
               <a:t>$cli-&gt;on('</a:t>
             </a:r>
             <a:r>
-              <a:rPr lang="en-US" altLang="zh-CN" sz="1800" dirty="0" err="1"/>
+              <a:rPr lang="en-US" altLang="zh-CN" sz="2000" dirty="0" err="1"/>
               <a:t>message',function</a:t>
             </a:r>
             <a:r>
-              <a:rPr lang="en-US" altLang="zh-CN" sz="1800" dirty="0"/>
+              <a:rPr lang="en-US" altLang="zh-CN" sz="2000" dirty="0"/>
               <a:t>($</a:t>
             </a:r>
             <a:r>
-              <a:rPr lang="en-US" altLang="zh-CN" sz="1800" dirty="0" err="1"/>
+              <a:rPr lang="en-US" altLang="zh-CN" sz="2000" dirty="0" err="1"/>
               <a:t>cli,$frame</a:t>
             </a:r>
             <a:r>
-              <a:rPr lang="en-US" altLang="zh-CN" sz="1800" dirty="0"/>
+              <a:rPr lang="en-US" altLang="zh-CN" sz="2000" dirty="0"/>
               <a:t>){</a:t>
             </a:r>
             <a:br>
-              <a:rPr lang="en-US" altLang="zh-CN" sz="1800" dirty="0"/>
+              <a:rPr lang="en-US" altLang="zh-CN" sz="2000" dirty="0"/>
             </a:br>
             <a:r>
-              <a:rPr lang="en-US" altLang="zh-CN" sz="1800" dirty="0"/>
+              <a:rPr lang="en-US" altLang="zh-CN" sz="2000" dirty="0"/>
               <a:t>    echo "Received: $frame-&gt;data\n";</a:t>
             </a:r>
             <a:br>
-              <a:rPr lang="en-US" altLang="zh-CN" sz="1800" dirty="0"/>
+              <a:rPr lang="en-US" altLang="zh-CN" sz="2000" dirty="0"/>
             </a:br>
             <a:r>
-              <a:rPr lang="en-US" altLang="zh-CN" sz="1800" dirty="0"/>
+              <a:rPr lang="en-US" altLang="zh-CN" sz="2000" dirty="0"/>
               <a:t>    </a:t>
             </a:r>
             <a:r>
-              <a:rPr lang="en-US" altLang="zh-CN" sz="1800" dirty="0" err="1"/>
+              <a:rPr lang="en-US" altLang="zh-CN" sz="2000" dirty="0" err="1"/>
               <a:t>usleep</a:t>
             </a:r>
             <a:r>
-              <a:rPr lang="en-US" altLang="zh-CN" sz="1800" dirty="0"/>
+              <a:rPr lang="en-US" altLang="zh-CN" sz="2000" dirty="0"/>
               <a:t>(100000);</a:t>
             </a:r>
             <a:br>
-              <a:rPr lang="en-US" altLang="zh-CN" sz="1800" dirty="0"/>
+              <a:rPr lang="en-US" altLang="zh-CN" sz="2000" dirty="0"/>
             </a:br>
             <a:r>
-              <a:rPr lang="en-US" altLang="zh-CN" sz="1800" dirty="0"/>
+              <a:rPr lang="en-US" altLang="zh-CN" sz="2000" dirty="0"/>
               <a:t>    $cli-&gt;push("Send: " . </a:t>
             </a:r>
             <a:r>
-              <a:rPr lang="en-US" altLang="zh-CN" sz="1800" dirty="0" err="1"/>
+              <a:rPr lang="en-US" altLang="zh-CN" sz="2000" dirty="0" err="1"/>
               <a:t>mt_rand</a:t>
             </a:r>
             <a:r>
-              <a:rPr lang="en-US" altLang="zh-CN" sz="1800" dirty="0"/>
+              <a:rPr lang="en-US" altLang="zh-CN" sz="2000" dirty="0"/>
               <a:t>(1000,10000));</a:t>
             </a:r>
             <a:br>
-              <a:rPr lang="en-US" altLang="zh-CN" sz="1800" dirty="0"/>
+              <a:rPr lang="en-US" altLang="zh-CN" sz="2000" dirty="0"/>
             </a:br>
             <a:r>
-              <a:rPr lang="en-US" altLang="zh-CN" sz="1800" dirty="0"/>
+              <a:rPr lang="en-US" altLang="zh-CN" sz="2000" dirty="0"/>
               <a:t>});</a:t>
             </a:r>
             <a:br>
-              <a:rPr lang="en-US" altLang="zh-CN" sz="1800" dirty="0"/>
+              <a:rPr lang="en-US" altLang="zh-CN" sz="2000" dirty="0"/>
             </a:br>
             <a:br>
-              <a:rPr lang="en-US" altLang="zh-CN" sz="1800" dirty="0"/>
+              <a:rPr lang="en-US" altLang="zh-CN" sz="2000" dirty="0"/>
             </a:br>
             <a:r>
-              <a:rPr lang="en-US" altLang="zh-CN" sz="1800" dirty="0"/>
+              <a:rPr lang="en-US" altLang="zh-CN" sz="2000" dirty="0"/>
               <a:t>$cli-&gt;upgrade('/',function($cli){</a:t>
             </a:r>
             <a:br>
-              <a:rPr lang="en-US" altLang="zh-CN" sz="1800" dirty="0"/>
+              <a:rPr lang="en-US" altLang="zh-CN" sz="2000" dirty="0"/>
             </a:br>
             <a:r>
-              <a:rPr lang="en-US" altLang="zh-CN" sz="1800" dirty="0"/>
+              <a:rPr lang="en-US" altLang="zh-CN" sz="2000" dirty="0"/>
               <a:t>    $cli-&gt;push( time() );</a:t>
             </a:r>
             <a:br>
-              <a:rPr lang="en-US" altLang="zh-CN" sz="1800" dirty="0"/>
+              <a:rPr lang="en-US" altLang="zh-CN" sz="2000" dirty="0"/>
             </a:br>
             <a:r>
-              <a:rPr lang="en-US" altLang="zh-CN" sz="1800" dirty="0"/>
+              <a:rPr lang="en-US" altLang="zh-CN" sz="2000" dirty="0"/>
               <a:t>});</a:t>
             </a:r>
-            <a:endParaRPr lang="en-US" altLang="zh-CN" sz="1700" dirty="0"/>
           </a:p>
         </p:txBody>
       </p:sp>
@@ -6211,53 +6211,53 @@
           <a:lstStyle/>
           <a:p>
             <a:r>
-              <a:rPr lang="zh-CN" altLang="en-US" sz="2000" dirty="0"/>
+              <a:rPr lang="zh-CN" altLang="en-US" sz="2400" dirty="0"/>
               <a:t>使用</a:t>
             </a:r>
+            <a:r>
+              <a:rPr lang="en-US" altLang="zh-CN" sz="2400" dirty="0" err="1"/>
+              <a:t>Swoole</a:t>
+            </a:r>
+            <a:r>
+              <a:rPr lang="zh-CN" altLang="en-US" sz="2400" dirty="0"/>
+              <a:t>的</a:t>
+            </a:r>
+            <a:r>
+              <a:rPr lang="en-US" altLang="zh-CN" sz="2400" dirty="0" err="1"/>
+              <a:t>Websocket</a:t>
+            </a:r>
+            <a:r>
+              <a:rPr lang="zh-CN" altLang="en-US" sz="2400" dirty="0"/>
+              <a:t>服务可以实现服务端消息推送。</a:t>
+            </a:r>
+            <a:endParaRPr lang="en-US" altLang="zh-CN" sz="2400" dirty="0"/>
+          </a:p>
+          <a:p>
+            <a:r>
+              <a:rPr lang="zh-CN" altLang="en-US" sz="2400" dirty="0"/>
+              <a:t>每秒推送一条消息要考虑的问题：</a:t>
+            </a:r>
+            <a:endParaRPr lang="en-US" altLang="zh-CN" sz="2400" dirty="0"/>
+          </a:p>
+          <a:p>
+            <a:pPr lvl="1"/>
             <a:r>
               <a:rPr lang="en-US" altLang="zh-CN" sz="2000" dirty="0" err="1"/>
               <a:t>Swoole</a:t>
             </a:r>
             <a:r>
               <a:rPr lang="zh-CN" altLang="en-US" sz="2000" dirty="0"/>
-              <a:t>的</a:t>
-            </a:r>
-            <a:r>
-              <a:rPr lang="en-US" altLang="zh-CN" sz="2000" dirty="0" err="1"/>
-              <a:t>Websocket</a:t>
-            </a:r>
-            <a:r>
-              <a:rPr lang="zh-CN" altLang="en-US" sz="2000" dirty="0"/>
-              <a:t>服务可以实现服务端消息推送。</a:t>
-            </a:r>
-            <a:endParaRPr lang="en-US" altLang="zh-CN" sz="2000" dirty="0"/>
-          </a:p>
-          <a:p>
-            <a:r>
-              <a:rPr lang="zh-CN" altLang="en-US" sz="2000" dirty="0"/>
-              <a:t>每秒推送一条消息要考虑的问题：</a:t>
-            </a:r>
-            <a:endParaRPr lang="en-US" altLang="zh-CN" sz="2000" dirty="0"/>
-          </a:p>
-          <a:p>
-            <a:pPr lvl="1"/>
-            <a:r>
-              <a:rPr lang="en-US" altLang="zh-CN" sz="1800" dirty="0" err="1"/>
-              <a:t>Swoole</a:t>
-            </a:r>
-            <a:r>
-              <a:rPr lang="zh-CN" altLang="en-US" sz="1800" dirty="0"/>
               <a:t>采用事件驱动的异步处理方式，</a:t>
             </a:r>
             <a:r>
-              <a:rPr lang="zh-CN" altLang="en-US" sz="1800" dirty="0">
+              <a:rPr lang="zh-CN" altLang="en-US" sz="2000" dirty="0">
                 <a:solidFill>
                   <a:srgbClr val="C00000"/>
                 </a:solidFill>
               </a:rPr>
               <a:t>需要有一个触发事件。</a:t>
             </a:r>
-            <a:endParaRPr lang="en-US" altLang="zh-CN" sz="1800" dirty="0">
+            <a:endParaRPr lang="en-US" altLang="zh-CN" sz="2000" dirty="0">
               <a:solidFill>
                 <a:srgbClr val="C00000"/>
               </a:solidFill>
@@ -6266,113 +6266,113 @@
           <a:p>
             <a:pPr lvl="1"/>
             <a:r>
-              <a:rPr lang="zh-CN" altLang="en-US" sz="1800" dirty="0"/>
+              <a:rPr lang="zh-CN" altLang="en-US" sz="2000" dirty="0"/>
               <a:t>不能使用循环与</a:t>
             </a:r>
             <a:r>
-              <a:rPr lang="en-US" altLang="zh-CN" sz="1800" dirty="0"/>
+              <a:rPr lang="en-US" altLang="zh-CN" sz="2000" dirty="0"/>
               <a:t>sleep</a:t>
             </a:r>
             <a:r>
-              <a:rPr lang="zh-CN" altLang="en-US" sz="1800" dirty="0"/>
+              <a:rPr lang="zh-CN" altLang="en-US" sz="2000" dirty="0"/>
               <a:t>的方式，这会把</a:t>
             </a:r>
             <a:r>
-              <a:rPr lang="en-US" altLang="zh-CN" sz="1800" dirty="0" err="1"/>
+              <a:rPr lang="en-US" altLang="zh-CN" sz="2000" dirty="0" err="1"/>
               <a:t>Swoole</a:t>
             </a:r>
             <a:r>
-              <a:rPr lang="zh-CN" altLang="en-US" sz="1800" dirty="0"/>
+              <a:rPr lang="zh-CN" altLang="en-US" sz="2000" dirty="0"/>
               <a:t>变成同步模式，并且每次只能处理一个请求，只有等一个连接关闭，才可以有新的请求进行处理。</a:t>
             </a:r>
+            <a:endParaRPr lang="en-US" altLang="zh-CN" sz="2000" dirty="0"/>
+          </a:p>
+          <a:p>
+            <a:pPr lvl="1"/>
+            <a:r>
+              <a:rPr lang="en-US" altLang="zh-CN" sz="2000" dirty="0" err="1"/>
+              <a:t>Swoole</a:t>
+            </a:r>
+            <a:r>
+              <a:rPr lang="zh-CN" altLang="en-US" sz="2000" dirty="0"/>
+              <a:t>多进程分配请求导致连接信息不能由进程使用变量进行存储，需要一个公共的缓存空间进行存储。</a:t>
+            </a:r>
+            <a:endParaRPr lang="en-US" altLang="zh-CN" sz="2000" dirty="0"/>
+          </a:p>
+          <a:p>
+            <a:pPr lvl="1"/>
+            <a:r>
+              <a:rPr lang="zh-CN" altLang="en-US" sz="2000" dirty="0"/>
+              <a:t>由于是服务程序，需要创建守护进程。</a:t>
+            </a:r>
+            <a:endParaRPr lang="en-US" altLang="zh-CN" sz="2000" dirty="0"/>
+          </a:p>
+          <a:p>
+            <a:pPr lvl="1"/>
+            <a:r>
+              <a:rPr lang="zh-CN" altLang="en-US" sz="2000" dirty="0"/>
+              <a:t>进程要捕获</a:t>
+            </a:r>
+            <a:r>
+              <a:rPr lang="en-US" altLang="zh-CN" sz="2000" dirty="0"/>
+              <a:t>SIGTERM</a:t>
+            </a:r>
+            <a:r>
+              <a:rPr lang="zh-CN" altLang="en-US" sz="2000" dirty="0"/>
+              <a:t>信号进行后续处理后再</a:t>
+            </a:r>
+            <a:r>
+              <a:rPr lang="zh-CN" altLang="en-US" sz="2000"/>
+              <a:t>退出。</a:t>
+            </a:r>
             <a:endParaRPr lang="en-US" altLang="zh-CN" sz="1800" dirty="0"/>
           </a:p>
           <a:p>
+            <a:r>
+              <a:rPr lang="zh-CN" altLang="en-US" sz="2400" dirty="0"/>
+              <a:t>实现方案：</a:t>
+            </a:r>
+            <a:endParaRPr lang="en-US" altLang="zh-CN" sz="2400" dirty="0"/>
+          </a:p>
+          <a:p>
             <a:pPr lvl="1"/>
             <a:r>
-              <a:rPr lang="en-US" altLang="zh-CN" sz="1800" dirty="0" err="1"/>
-              <a:t>Swoole</a:t>
-            </a:r>
-            <a:r>
-              <a:rPr lang="zh-CN" altLang="en-US" sz="1800" dirty="0"/>
-              <a:t>多进程分配请求导致连接信息不能由进程使用变量进行存储，需要一个公共的缓存空间进行存储。</a:t>
-            </a:r>
-            <a:endParaRPr lang="en-US" altLang="zh-CN" sz="1800" dirty="0"/>
+              <a:rPr lang="zh-CN" altLang="en-US" sz="2000" dirty="0"/>
+              <a:t>使用一个</a:t>
+            </a:r>
+            <a:r>
+              <a:rPr lang="en-US" altLang="zh-CN" sz="2000" dirty="0" err="1"/>
+              <a:t>Websocket</a:t>
+            </a:r>
+            <a:r>
+              <a:rPr lang="zh-CN" altLang="en-US" sz="2000" dirty="0"/>
+              <a:t>客户端连接到</a:t>
+            </a:r>
+            <a:r>
+              <a:rPr lang="en-US" altLang="zh-CN" sz="2000" dirty="0" err="1"/>
+              <a:t>Websocket</a:t>
+            </a:r>
+            <a:r>
+              <a:rPr lang="zh-CN" altLang="en-US" sz="2000" dirty="0"/>
+              <a:t>服务端，客户端每秒发送一条数据，服务端进行转发。由客户端触发消息推送事件。</a:t>
+            </a:r>
+            <a:endParaRPr lang="en-US" altLang="zh-CN" sz="2000" dirty="0"/>
           </a:p>
           <a:p>
             <a:pPr lvl="1"/>
             <a:r>
-              <a:rPr lang="zh-CN" altLang="en-US" sz="1800" dirty="0"/>
-              <a:t>由于是服务程序，需要创建守护进程。</a:t>
-            </a:r>
-            <a:endParaRPr lang="en-US" altLang="zh-CN" sz="1800" dirty="0"/>
-          </a:p>
-          <a:p>
-            <a:pPr lvl="1"/>
-            <a:r>
-              <a:rPr lang="zh-CN" altLang="en-US" sz="1800" dirty="0"/>
-              <a:t>进程要捕获</a:t>
-            </a:r>
-            <a:r>
-              <a:rPr lang="en-US" altLang="zh-CN" sz="1800" dirty="0"/>
-              <a:t>SIGTERM</a:t>
-            </a:r>
-            <a:r>
-              <a:rPr lang="zh-CN" altLang="en-US" sz="1800" dirty="0"/>
-              <a:t>信号进行后续处理后再退出。</a:t>
-            </a:r>
-            <a:endParaRPr lang="en-US" altLang="zh-CN" sz="1800" dirty="0"/>
-          </a:p>
-          <a:p>
-            <a:pPr lvl="1"/>
-            <a:endParaRPr lang="en-US" altLang="zh-CN" sz="1800" dirty="0"/>
-          </a:p>
-          <a:p>
-            <a:r>
               <a:rPr lang="zh-CN" altLang="en-US" sz="2000" dirty="0"/>
-              <a:t>实现方案：</a:t>
+              <a:t>使用</a:t>
+            </a:r>
+            <a:r>
+              <a:rPr lang="en-US" altLang="zh-CN" sz="2000" dirty="0"/>
+              <a:t>Memcached</a:t>
+            </a:r>
+            <a:r>
+              <a:rPr lang="zh-CN" altLang="en-US" sz="2000" dirty="0"/>
+              <a:t>缓存服务存储连接信息。</a:t>
             </a:r>
             <a:endParaRPr lang="en-US" altLang="zh-CN" sz="2000" dirty="0"/>
-          </a:p>
-          <a:p>
-            <a:pPr lvl="1"/>
-            <a:r>
-              <a:rPr lang="zh-CN" altLang="en-US" sz="1800" dirty="0"/>
-              <a:t>使用一个</a:t>
-            </a:r>
-            <a:r>
-              <a:rPr lang="en-US" altLang="zh-CN" sz="1800" dirty="0" err="1"/>
-              <a:t>Websocket</a:t>
-            </a:r>
-            <a:r>
-              <a:rPr lang="zh-CN" altLang="en-US" sz="1800" dirty="0"/>
-              <a:t>客户端连接到</a:t>
-            </a:r>
-            <a:r>
-              <a:rPr lang="en-US" altLang="zh-CN" sz="1800" dirty="0" err="1"/>
-              <a:t>Websocket</a:t>
-            </a:r>
-            <a:r>
-              <a:rPr lang="zh-CN" altLang="en-US" sz="1800" dirty="0"/>
-              <a:t>服务端，客户端每秒发送一条数据，服务端进行转发。由客户端触发消息推送事件。</a:t>
-            </a:r>
-            <a:endParaRPr lang="en-US" altLang="zh-CN" sz="1800" dirty="0"/>
-          </a:p>
-          <a:p>
-            <a:pPr lvl="1"/>
-            <a:r>
-              <a:rPr lang="zh-CN" altLang="en-US" sz="1800" dirty="0"/>
-              <a:t>使用</a:t>
-            </a:r>
-            <a:r>
-              <a:rPr lang="en-US" altLang="zh-CN" sz="1800" dirty="0"/>
-              <a:t>Memcached</a:t>
-            </a:r>
-            <a:r>
-              <a:rPr lang="zh-CN" altLang="en-US" sz="1800" dirty="0"/>
-              <a:t>缓存服务存储连接信息。</a:t>
-            </a:r>
-            <a:endParaRPr lang="en-US" altLang="zh-CN" sz="1800" dirty="0"/>
           </a:p>
           <a:p>
             <a:pPr marL="457200" lvl="1" indent="0">
@@ -7677,7 +7677,7 @@
             <p:ph idx="1"/>
             <p:extLst>
               <p:ext uri="{D42A27DB-BD31-4B8C-83A1-F6EECF244321}">
-                <p14:modId xmlns:p14="http://schemas.microsoft.com/office/powerpoint/2010/main" val="4276448197"/>
+                <p14:modId xmlns:p14="http://schemas.microsoft.com/office/powerpoint/2010/main" val="3273106482"/>
               </p:ext>
             </p:extLst>
           </p:nvPr>
@@ -7709,14 +7709,14 @@
                     <a:p>
                       <a:pPr lvl="4" algn="l"/>
                       <a:r>
-                        <a:rPr lang="en-US" altLang="zh-CN" sz="2000" b="0" dirty="0">
+                        <a:rPr lang="en-US" altLang="zh-CN" sz="2400" b="0" dirty="0">
                           <a:latin typeface="汉仪家书简" panose="02010609000101010101" pitchFamily="49" charset="-122"/>
                           <a:ea typeface="汉仪家书简" panose="02010609000101010101" pitchFamily="49" charset="-122"/>
                         </a:rPr>
                         <a:t>HTTP</a:t>
                       </a:r>
                       <a:r>
-                        <a:rPr lang="zh-CN" altLang="en-US" sz="2000" b="0" dirty="0">
+                        <a:rPr lang="zh-CN" altLang="en-US" sz="2400" b="0" dirty="0">
                           <a:latin typeface="汉仪家书简" panose="02010609000101010101" pitchFamily="49" charset="-122"/>
                           <a:ea typeface="汉仪家书简" panose="02010609000101010101" pitchFamily="49" charset="-122"/>
                         </a:rPr>
@@ -7767,14 +7767,14 @@
                     <a:p>
                       <a:pPr lvl="4" algn="l"/>
                       <a:r>
-                        <a:rPr lang="en-US" altLang="zh-CN" sz="2000" dirty="0" err="1">
+                        <a:rPr lang="en-US" altLang="zh-CN" sz="2400" dirty="0" err="1">
                           <a:latin typeface="汉仪家书简" panose="02010609000101010101" pitchFamily="49" charset="-122"/>
                           <a:ea typeface="汉仪家书简" panose="02010609000101010101" pitchFamily="49" charset="-122"/>
                         </a:rPr>
                         <a:t>Websocket</a:t>
                       </a:r>
                       <a:r>
-                        <a:rPr lang="zh-CN" altLang="en-US" sz="2000" dirty="0">
+                        <a:rPr lang="zh-CN" altLang="en-US" sz="2400" dirty="0">
                           <a:latin typeface="汉仪家书简" panose="02010609000101010101" pitchFamily="49" charset="-122"/>
                           <a:ea typeface="汉仪家书简" panose="02010609000101010101" pitchFamily="49" charset="-122"/>
                         </a:rPr>
@@ -7825,21 +7825,21 @@
                     <a:p>
                       <a:pPr lvl="4" algn="l"/>
                       <a:r>
-                        <a:rPr lang="zh-CN" altLang="en-US" sz="2000" dirty="0">
+                        <a:rPr lang="zh-CN" altLang="en-US" sz="2400" dirty="0">
                           <a:latin typeface="汉仪家书简" panose="02010609000101010101" pitchFamily="49" charset="-122"/>
                           <a:ea typeface="汉仪家书简" panose="02010609000101010101" pitchFamily="49" charset="-122"/>
                         </a:rPr>
                         <a:t>基于</a:t>
                       </a:r>
                       <a:r>
-                        <a:rPr lang="en-US" altLang="zh-CN" sz="2000" dirty="0" err="1">
+                        <a:rPr lang="en-US" altLang="zh-CN" sz="2400" dirty="0" err="1">
                           <a:latin typeface="汉仪家书简" panose="02010609000101010101" pitchFamily="49" charset="-122"/>
                           <a:ea typeface="汉仪家书简" panose="02010609000101010101" pitchFamily="49" charset="-122"/>
                         </a:rPr>
                         <a:t>Websocket</a:t>
                       </a:r>
                       <a:r>
-                        <a:rPr lang="zh-CN" altLang="en-US" sz="2000" dirty="0">
+                        <a:rPr lang="zh-CN" altLang="en-US" sz="2400" dirty="0">
                           <a:latin typeface="汉仪家书简" panose="02010609000101010101" pitchFamily="49" charset="-122"/>
                           <a:ea typeface="汉仪家书简" panose="02010609000101010101" pitchFamily="49" charset="-122"/>
                         </a:rPr>
@@ -8141,34 +8141,34 @@
           <a:lstStyle/>
           <a:p>
             <a:r>
-              <a:rPr lang="en-US" altLang="zh-CN" sz="2000" dirty="0"/>
+              <a:rPr lang="en-US" altLang="zh-CN" sz="2400" dirty="0"/>
               <a:t>HTTP</a:t>
             </a:r>
             <a:r>
-              <a:rPr lang="zh-CN" altLang="en-US" sz="2000" dirty="0"/>
+              <a:rPr lang="zh-CN" altLang="en-US" sz="2400" dirty="0"/>
               <a:t>是无状态协议，客户端的每次请求之间没有关系。</a:t>
             </a:r>
-            <a:endParaRPr lang="en-US" altLang="zh-CN" sz="2000" dirty="0"/>
-          </a:p>
-          <a:p>
-            <a:endParaRPr lang="en-US" altLang="zh-CN" sz="2000" dirty="0"/>
-          </a:p>
-          <a:p>
-            <a:r>
-              <a:rPr lang="en-US" altLang="zh-CN" sz="2000" dirty="0"/>
+            <a:endParaRPr lang="en-US" altLang="zh-CN" sz="2400" dirty="0"/>
+          </a:p>
+          <a:p>
+            <a:endParaRPr lang="en-US" altLang="zh-CN" sz="2400" dirty="0"/>
+          </a:p>
+          <a:p>
+            <a:r>
+              <a:rPr lang="en-US" altLang="zh-CN" sz="2400" dirty="0"/>
               <a:t>HTTP</a:t>
             </a:r>
             <a:r>
-              <a:rPr lang="zh-CN" altLang="en-US" sz="2000" dirty="0"/>
+              <a:rPr lang="zh-CN" altLang="en-US" sz="2400" dirty="0"/>
               <a:t>服务端并不清楚客户端是什么情况，客户端发起请求，服务端就处理请求返回数据。</a:t>
             </a:r>
-            <a:endParaRPr lang="en-US" altLang="zh-CN" sz="2000" dirty="0"/>
-          </a:p>
-          <a:p>
-            <a:endParaRPr lang="en-US" altLang="zh-CN" sz="2000" dirty="0"/>
-          </a:p>
-          <a:p>
-            <a:endParaRPr lang="en-US" altLang="zh-CN" sz="2000" dirty="0"/>
+            <a:endParaRPr lang="en-US" altLang="zh-CN" sz="2400" dirty="0"/>
+          </a:p>
+          <a:p>
+            <a:endParaRPr lang="en-US" altLang="zh-CN" sz="2400" dirty="0"/>
+          </a:p>
+          <a:p>
+            <a:endParaRPr lang="en-US" altLang="zh-CN" sz="2400" dirty="0"/>
           </a:p>
         </p:txBody>
       </p:sp>
@@ -8268,44 +8268,44 @@
           <a:lstStyle/>
           <a:p>
             <a:r>
-              <a:rPr lang="en-US" altLang="zh-CN" sz="2000" dirty="0"/>
+              <a:rPr lang="en-US" altLang="zh-CN" sz="2400" dirty="0"/>
               <a:t>HTTP/1.0</a:t>
             </a:r>
             <a:r>
-              <a:rPr lang="zh-CN" altLang="en-US" sz="2000" dirty="0"/>
+              <a:rPr lang="zh-CN" altLang="en-US" sz="2400" dirty="0"/>
               <a:t>使用短连接，数据传输完成就会关闭连接。</a:t>
             </a:r>
-            <a:endParaRPr lang="en-US" altLang="zh-CN" sz="2000" dirty="0"/>
-          </a:p>
-          <a:p>
-            <a:endParaRPr lang="en-US" altLang="zh-CN" sz="2000" dirty="0"/>
-          </a:p>
-          <a:p>
-            <a:r>
-              <a:rPr lang="en-US" altLang="zh-CN" sz="2000" dirty="0"/>
+            <a:endParaRPr lang="en-US" altLang="zh-CN" sz="2400" dirty="0"/>
+          </a:p>
+          <a:p>
+            <a:endParaRPr lang="en-US" altLang="zh-CN" sz="2400" dirty="0"/>
+          </a:p>
+          <a:p>
+            <a:r>
+              <a:rPr lang="en-US" altLang="zh-CN" sz="2400" dirty="0"/>
               <a:t>HTTP/1.1</a:t>
             </a:r>
             <a:r>
-              <a:rPr lang="zh-CN" altLang="en-US" sz="2000" dirty="0"/>
+              <a:rPr lang="zh-CN" altLang="en-US" sz="2400" dirty="0"/>
               <a:t>默认使用长连接，响应头部信息会有</a:t>
             </a:r>
             <a:r>
-              <a:rPr lang="en-US" altLang="zh-CN" sz="2000" dirty="0"/>
+              <a:rPr lang="en-US" altLang="zh-CN" sz="2400" dirty="0"/>
               <a:t>Connection:</a:t>
             </a:r>
             <a:r>
-              <a:rPr lang="zh-CN" altLang="en-US" sz="2000" dirty="0"/>
+              <a:rPr lang="zh-CN" altLang="en-US" sz="2400" dirty="0"/>
               <a:t> </a:t>
             </a:r>
             <a:r>
-              <a:rPr lang="en-US" altLang="zh-CN" sz="2000" dirty="0"/>
+              <a:rPr lang="en-US" altLang="zh-CN" sz="2400" dirty="0"/>
               <a:t>keep-alive</a:t>
             </a:r>
             <a:r>
-              <a:rPr lang="zh-CN" altLang="en-US" sz="2000" dirty="0"/>
+              <a:rPr lang="zh-CN" altLang="en-US" sz="2400" dirty="0"/>
               <a:t> 。连接在数据传输完成后会维持一段时间。</a:t>
             </a:r>
-            <a:endParaRPr lang="en-US" altLang="zh-CN" sz="2000" dirty="0"/>
+            <a:endParaRPr lang="en-US" altLang="zh-CN" sz="2400" dirty="0"/>
           </a:p>
         </p:txBody>
       </p:sp>
@@ -8406,36 +8406,24 @@
           </a:bodyPr>
           <a:lstStyle/>
           <a:p>
-            <a:endParaRPr lang="en-US" altLang="zh-CN" sz="2000" dirty="0"/>
-          </a:p>
-          <a:p>
-            <a:r>
-              <a:rPr lang="en-US" altLang="zh-CN" sz="2000" dirty="0"/>
+            <a:endParaRPr lang="en-US" altLang="zh-CN" sz="2400" dirty="0"/>
+          </a:p>
+          <a:p>
+            <a:r>
+              <a:rPr lang="en-US" altLang="zh-CN" sz="2400" dirty="0"/>
               <a:t>HTTP</a:t>
             </a:r>
             <a:r>
-              <a:rPr lang="zh-CN" altLang="en-US" sz="2000" dirty="0"/>
+              <a:rPr lang="zh-CN" altLang="en-US" sz="2400" dirty="0"/>
               <a:t>无法实现服务端推送，请求是由客户端发起的。服务端无法主动向客户端发送数据。</a:t>
             </a:r>
-            <a:endParaRPr lang="en-US" altLang="zh-CN" sz="2000" dirty="0"/>
-          </a:p>
-          <a:p>
-            <a:endParaRPr lang="en-US" altLang="zh-CN" sz="2000" dirty="0"/>
-          </a:p>
-          <a:p>
-            <a:endParaRPr lang="en-US" altLang="zh-CN" sz="2000" dirty="0"/>
-          </a:p>
-          <a:p>
-            <a:endParaRPr lang="en-US" altLang="zh-CN" sz="2000" dirty="0"/>
-          </a:p>
-          <a:p>
-            <a:pPr marL="0" indent="0">
-              <a:buNone/>
-            </a:pPr>
-            <a:endParaRPr lang="en-US" altLang="zh-CN" sz="2000" dirty="0"/>
-          </a:p>
-          <a:p>
-            <a:endParaRPr lang="en-US" altLang="zh-CN" sz="2000" dirty="0"/>
+            <a:endParaRPr lang="en-US" altLang="zh-CN" sz="2400" dirty="0"/>
+          </a:p>
+          <a:p>
+            <a:endParaRPr lang="en-US" altLang="zh-CN" sz="2400" dirty="0"/>
+          </a:p>
+          <a:p>
+            <a:endParaRPr lang="en-US" altLang="zh-CN" sz="2400" dirty="0"/>
           </a:p>
         </p:txBody>
       </p:sp>
@@ -8696,90 +8684,90 @@
           <a:lstStyle/>
           <a:p>
             <a:r>
-              <a:rPr lang="en-US" altLang="zh-CN" sz="2000" dirty="0" err="1"/>
+              <a:rPr lang="en-US" altLang="zh-CN" sz="2400" dirty="0" err="1"/>
               <a:t>Websocket</a:t>
             </a:r>
             <a:r>
-              <a:rPr lang="zh-CN" altLang="en-US" sz="2000" dirty="0"/>
+              <a:rPr lang="zh-CN" altLang="en-US" sz="2400" dirty="0"/>
               <a:t>协议解决了基于</a:t>
             </a:r>
             <a:r>
-              <a:rPr lang="en-US" altLang="zh-CN" sz="2000" dirty="0"/>
+              <a:rPr lang="en-US" altLang="zh-CN" sz="2400" dirty="0"/>
               <a:t>Web</a:t>
             </a:r>
             <a:r>
-              <a:rPr lang="zh-CN" altLang="en-US" sz="2000" dirty="0"/>
+              <a:rPr lang="zh-CN" altLang="en-US" sz="2400" dirty="0"/>
               <a:t>的服务端推送问题。</a:t>
             </a:r>
-            <a:endParaRPr lang="en-US" altLang="zh-CN" sz="2000" dirty="0"/>
-          </a:p>
-          <a:p>
-            <a:endParaRPr lang="en-US" altLang="zh-CN" sz="2000" dirty="0"/>
-          </a:p>
-          <a:p>
-            <a:r>
-              <a:rPr lang="en-US" altLang="zh-CN" sz="2000" dirty="0" err="1"/>
+            <a:endParaRPr lang="en-US" altLang="zh-CN" sz="2400" dirty="0"/>
+          </a:p>
+          <a:p>
+            <a:endParaRPr lang="en-US" altLang="zh-CN" sz="2400" dirty="0"/>
+          </a:p>
+          <a:p>
+            <a:r>
+              <a:rPr lang="en-US" altLang="zh-CN" sz="2400" dirty="0" err="1"/>
               <a:t>Websocket</a:t>
             </a:r>
             <a:r>
-              <a:rPr lang="zh-CN" altLang="en-US" sz="2000" dirty="0"/>
+              <a:rPr lang="zh-CN" altLang="en-US" sz="2400" dirty="0"/>
               <a:t>基于</a:t>
             </a:r>
             <a:r>
-              <a:rPr lang="en-US" altLang="zh-CN" sz="2000" dirty="0"/>
+              <a:rPr lang="en-US" altLang="zh-CN" sz="2400" dirty="0"/>
               <a:t>TCP</a:t>
             </a:r>
             <a:r>
-              <a:rPr lang="zh-CN" altLang="en-US" sz="2000" dirty="0"/>
+              <a:rPr lang="zh-CN" altLang="en-US" sz="2400" dirty="0"/>
               <a:t>协议，但是要依靠</a:t>
             </a:r>
             <a:r>
-              <a:rPr lang="en-US" altLang="zh-CN" sz="2000" dirty="0"/>
+              <a:rPr lang="en-US" altLang="zh-CN" sz="2400" dirty="0"/>
               <a:t>HTTP</a:t>
             </a:r>
             <a:r>
-              <a:rPr lang="zh-CN" altLang="en-US" sz="2000" dirty="0"/>
+              <a:rPr lang="zh-CN" altLang="en-US" sz="2400" dirty="0"/>
               <a:t>协议建立连接。使用</a:t>
             </a:r>
             <a:r>
-              <a:rPr lang="en-US" altLang="zh-CN" sz="2000" dirty="0"/>
+              <a:rPr lang="en-US" altLang="zh-CN" sz="2400" dirty="0"/>
               <a:t>HTTP</a:t>
             </a:r>
             <a:r>
-              <a:rPr lang="zh-CN" altLang="en-US" sz="2000" dirty="0"/>
+              <a:rPr lang="zh-CN" altLang="en-US" sz="2400" dirty="0"/>
               <a:t>实现握手操作之后，就会建立</a:t>
             </a:r>
             <a:r>
-              <a:rPr lang="en-US" altLang="zh-CN" sz="2000" dirty="0" err="1"/>
+              <a:rPr lang="en-US" altLang="zh-CN" sz="2400" dirty="0" err="1"/>
               <a:t>Websocket</a:t>
             </a:r>
             <a:r>
-              <a:rPr lang="zh-CN" altLang="en-US" sz="2000" dirty="0"/>
+              <a:rPr lang="zh-CN" altLang="en-US" sz="2400" dirty="0"/>
               <a:t>连接。</a:t>
             </a:r>
-            <a:endParaRPr lang="en-US" altLang="zh-CN" sz="2000" dirty="0"/>
-          </a:p>
-          <a:p>
-            <a:endParaRPr lang="en-US" altLang="zh-CN" sz="2000" dirty="0"/>
-          </a:p>
-          <a:p>
-            <a:r>
-              <a:rPr lang="en-US" altLang="zh-CN" sz="2000" dirty="0"/>
+            <a:endParaRPr lang="en-US" altLang="zh-CN" sz="2400" dirty="0"/>
+          </a:p>
+          <a:p>
+            <a:endParaRPr lang="en-US" altLang="zh-CN" sz="2400" dirty="0"/>
+          </a:p>
+          <a:p>
+            <a:r>
+              <a:rPr lang="en-US" altLang="zh-CN" sz="2400" dirty="0"/>
               <a:t>2011</a:t>
             </a:r>
             <a:r>
-              <a:rPr lang="zh-CN" altLang="en-US" sz="2000" dirty="0"/>
+              <a:rPr lang="zh-CN" altLang="en-US" sz="2400" dirty="0"/>
               <a:t>年</a:t>
             </a:r>
             <a:r>
-              <a:rPr lang="en-US" altLang="zh-CN" sz="2000" dirty="0" err="1"/>
+              <a:rPr lang="en-US" altLang="zh-CN" sz="2400" dirty="0" err="1"/>
               <a:t>Websocket</a:t>
             </a:r>
             <a:r>
-              <a:rPr lang="zh-CN" altLang="en-US" sz="2000" dirty="0"/>
+              <a:rPr lang="zh-CN" altLang="en-US" sz="2400" dirty="0"/>
               <a:t>成为国际标准。</a:t>
             </a:r>
-            <a:endParaRPr lang="en-US" altLang="zh-CN" sz="2000" dirty="0"/>
+            <a:endParaRPr lang="en-US" altLang="zh-CN" sz="2400" dirty="0"/>
           </a:p>
         </p:txBody>
       </p:sp>
@@ -8887,14 +8875,14 @@
               </a:spcBef>
             </a:pPr>
             <a:r>
-              <a:rPr lang="en-US" altLang="zh-CN" sz="2000" dirty="0"/>
+              <a:rPr lang="en-US" altLang="zh-CN" sz="2400" dirty="0"/>
               <a:t>HTTP</a:t>
             </a:r>
             <a:r>
-              <a:rPr lang="zh-CN" altLang="en-US" sz="2000" dirty="0"/>
+              <a:rPr lang="zh-CN" altLang="en-US" sz="2400" dirty="0"/>
               <a:t>请求头部信息：</a:t>
             </a:r>
-            <a:endParaRPr lang="en-US" altLang="zh-CN" sz="2000" dirty="0"/>
+            <a:endParaRPr lang="en-US" altLang="zh-CN" sz="2400" dirty="0"/>
           </a:p>
           <a:p>
             <a:pPr marL="457200" lvl="1" indent="0">
@@ -8907,7 +8895,7 @@
               <a:buNone/>
             </a:pPr>
             <a:r>
-              <a:rPr lang="en-US" altLang="zh-CN" sz="1800" dirty="0"/>
+              <a:rPr lang="en-US" altLang="zh-CN" sz="2000" dirty="0"/>
               <a:t>GET /chat HTTP/1.1</a:t>
             </a:r>
           </a:p>
@@ -8922,7 +8910,7 @@
               <a:buNone/>
             </a:pPr>
             <a:r>
-              <a:rPr lang="en-US" altLang="zh-CN" sz="1800" dirty="0"/>
+              <a:rPr lang="en-US" altLang="zh-CN" sz="2000" dirty="0"/>
               <a:t>Host: server.example.com</a:t>
             </a:r>
           </a:p>
@@ -8937,7 +8925,7 @@
               <a:buNone/>
             </a:pPr>
             <a:r>
-              <a:rPr lang="en-US" altLang="zh-CN" sz="1800" dirty="0">
+              <a:rPr lang="en-US" altLang="zh-CN" sz="2000" dirty="0">
                 <a:solidFill>
                   <a:srgbClr val="C00000"/>
                 </a:solidFill>
@@ -8945,14 +8933,14 @@
               <a:t>Upgrade: </a:t>
             </a:r>
             <a:r>
-              <a:rPr lang="en-US" altLang="zh-CN" sz="1800" dirty="0" err="1">
+              <a:rPr lang="en-US" altLang="zh-CN" sz="2000" dirty="0" err="1">
                 <a:solidFill>
                   <a:srgbClr val="C00000"/>
                 </a:solidFill>
               </a:rPr>
               <a:t>websocket</a:t>
             </a:r>
-            <a:endParaRPr lang="en-US" altLang="zh-CN" sz="1800" dirty="0">
+            <a:endParaRPr lang="en-US" altLang="zh-CN" sz="2000" dirty="0">
               <a:solidFill>
                 <a:srgbClr val="C00000"/>
               </a:solidFill>
@@ -8969,7 +8957,7 @@
               <a:buNone/>
             </a:pPr>
             <a:r>
-              <a:rPr lang="en-US" altLang="zh-CN" sz="1800" dirty="0">
+              <a:rPr lang="en-US" altLang="zh-CN" sz="2000" dirty="0">
                 <a:solidFill>
                   <a:srgbClr val="C00000"/>
                 </a:solidFill>
@@ -8988,7 +8976,7 @@
               <a:buNone/>
             </a:pPr>
             <a:r>
-              <a:rPr lang="en-US" altLang="zh-CN" sz="1800" dirty="0">
+              <a:rPr lang="en-US" altLang="zh-CN" sz="2000" dirty="0">
                 <a:solidFill>
                   <a:srgbClr val="C00000"/>
                 </a:solidFill>
@@ -8996,7 +8984,7 @@
               <a:t>Sec-</a:t>
             </a:r>
             <a:r>
-              <a:rPr lang="en-US" altLang="zh-CN" sz="1800" dirty="0" err="1">
+              <a:rPr lang="en-US" altLang="zh-CN" sz="2000" dirty="0" err="1">
                 <a:solidFill>
                   <a:srgbClr val="C00000"/>
                 </a:solidFill>
@@ -9004,7 +8992,7 @@
               <a:t>WebSocket</a:t>
             </a:r>
             <a:r>
-              <a:rPr lang="en-US" altLang="zh-CN" sz="1800" dirty="0">
+              <a:rPr lang="en-US" altLang="zh-CN" sz="2000" dirty="0">
                 <a:solidFill>
                   <a:srgbClr val="C00000"/>
                 </a:solidFill>
@@ -9023,7 +9011,7 @@
               <a:buNone/>
             </a:pPr>
             <a:r>
-              <a:rPr lang="en-US" altLang="zh-CN" sz="1800" dirty="0"/>
+              <a:rPr lang="en-US" altLang="zh-CN" sz="2000" dirty="0"/>
               <a:t>Origin: http://example.com</a:t>
             </a:r>
           </a:p>
@@ -9038,22 +9026,22 @@
               <a:buNone/>
             </a:pPr>
             <a:r>
-              <a:rPr lang="en-US" altLang="zh-CN" sz="1800" dirty="0"/>
+              <a:rPr lang="en-US" altLang="zh-CN" sz="2000" dirty="0"/>
               <a:t>Sec-</a:t>
             </a:r>
             <a:r>
-              <a:rPr lang="en-US" altLang="zh-CN" sz="1800" dirty="0" err="1"/>
+              <a:rPr lang="en-US" altLang="zh-CN" sz="2000" dirty="0" err="1"/>
               <a:t>WebSocket</a:t>
             </a:r>
             <a:r>
-              <a:rPr lang="en-US" altLang="zh-CN" sz="1800" dirty="0"/>
+              <a:rPr lang="en-US" altLang="zh-CN" sz="2000" dirty="0"/>
               <a:t>-Protocol: chat, </a:t>
             </a:r>
             <a:r>
-              <a:rPr lang="en-US" altLang="zh-CN" sz="1800" dirty="0" err="1"/>
+              <a:rPr lang="en-US" altLang="zh-CN" sz="2000" dirty="0" err="1"/>
               <a:t>superchat</a:t>
             </a:r>
-            <a:endParaRPr lang="en-US" altLang="zh-CN" sz="1800" dirty="0"/>
+            <a:endParaRPr lang="en-US" altLang="zh-CN" sz="2000" dirty="0"/>
           </a:p>
           <a:p>
             <a:pPr marL="457200" lvl="1" indent="0">
@@ -9066,15 +9054,15 @@
               <a:buNone/>
             </a:pPr>
             <a:r>
-              <a:rPr lang="en-US" altLang="zh-CN" sz="1800" dirty="0"/>
+              <a:rPr lang="en-US" altLang="zh-CN" sz="2000" dirty="0"/>
               <a:t>Sec-</a:t>
             </a:r>
             <a:r>
-              <a:rPr lang="en-US" altLang="zh-CN" sz="1800" dirty="0" err="1"/>
+              <a:rPr lang="en-US" altLang="zh-CN" sz="2000" dirty="0" err="1"/>
               <a:t>WebSocket</a:t>
             </a:r>
             <a:r>
-              <a:rPr lang="en-US" altLang="zh-CN" sz="1800" dirty="0"/>
+              <a:rPr lang="en-US" altLang="zh-CN" sz="2000" dirty="0"/>
               <a:t>-Version: 13</a:t>
             </a:r>
           </a:p>
@@ -9097,130 +9085,114 @@
               </a:spcBef>
             </a:pPr>
             <a:r>
-              <a:rPr lang="en-US" altLang="zh-CN" sz="2000" dirty="0"/>
+              <a:rPr lang="en-US" altLang="zh-CN" sz="2400" dirty="0"/>
               <a:t>Web</a:t>
             </a:r>
             <a:r>
-              <a:rPr lang="zh-CN" altLang="en-US" sz="2000" dirty="0"/>
+              <a:rPr lang="zh-CN" altLang="en-US" sz="2400" dirty="0"/>
               <a:t>服务器在遇到</a:t>
             </a:r>
             <a:r>
-              <a:rPr lang="en-US" altLang="zh-CN" sz="2000" dirty="0"/>
+              <a:rPr lang="en-US" altLang="zh-CN" sz="2400" dirty="0"/>
               <a:t>Upgrade</a:t>
             </a:r>
             <a:r>
-              <a:rPr lang="zh-CN" altLang="en-US" sz="2000" dirty="0"/>
+              <a:rPr lang="zh-CN" altLang="en-US" sz="2400" dirty="0"/>
               <a:t>：</a:t>
             </a:r>
             <a:r>
-              <a:rPr lang="en-US" altLang="zh-CN" sz="2000" dirty="0" err="1"/>
+              <a:rPr lang="en-US" altLang="zh-CN" sz="2400" dirty="0" err="1"/>
               <a:t>websocket</a:t>
             </a:r>
             <a:r>
-              <a:rPr lang="zh-CN" altLang="en-US" sz="2000" dirty="0"/>
+              <a:rPr lang="zh-CN" altLang="en-US" sz="2400" dirty="0"/>
               <a:t>和</a:t>
             </a:r>
             <a:r>
-              <a:rPr lang="en-US" altLang="zh-CN" sz="2000" dirty="0"/>
+              <a:rPr lang="en-US" altLang="zh-CN" sz="2400" dirty="0"/>
               <a:t>Connection</a:t>
             </a:r>
             <a:r>
-              <a:rPr lang="zh-CN" altLang="en-US" sz="2000" dirty="0"/>
+              <a:rPr lang="zh-CN" altLang="en-US" sz="2400" dirty="0"/>
               <a:t>：</a:t>
             </a:r>
             <a:r>
-              <a:rPr lang="en-US" altLang="zh-CN" sz="2000" dirty="0"/>
+              <a:rPr lang="en-US" altLang="zh-CN" sz="2400" dirty="0"/>
               <a:t>Upgrade</a:t>
             </a:r>
             <a:r>
-              <a:rPr lang="zh-CN" altLang="en-US" sz="2000" dirty="0"/>
+              <a:rPr lang="zh-CN" altLang="en-US" sz="2400" dirty="0"/>
               <a:t>后会把连接协议升级成基于</a:t>
             </a:r>
             <a:r>
-              <a:rPr lang="en-US" altLang="zh-CN" sz="2000" dirty="0"/>
+              <a:rPr lang="en-US" altLang="zh-CN" sz="2400" dirty="0"/>
               <a:t>TCP</a:t>
             </a:r>
             <a:r>
-              <a:rPr lang="zh-CN" altLang="en-US" sz="2000" dirty="0"/>
+              <a:rPr lang="zh-CN" altLang="en-US" sz="2400" dirty="0"/>
               <a:t>的</a:t>
             </a:r>
             <a:r>
-              <a:rPr lang="en-US" altLang="zh-CN" sz="2000" dirty="0" err="1"/>
+              <a:rPr lang="en-US" altLang="zh-CN" sz="2400" dirty="0" err="1"/>
               <a:t>Websocket</a:t>
             </a:r>
             <a:r>
-              <a:rPr lang="zh-CN" altLang="en-US" sz="2000" dirty="0"/>
-              <a:t>协议。</a:t>
-            </a:r>
-            <a:endParaRPr lang="en-US" altLang="zh-CN" sz="2000" dirty="0"/>
-          </a:p>
-          <a:p>
-            <a:pPr>
-              <a:spcBef>
-                <a:spcPts val="0"/>
-              </a:spcBef>
-            </a:pPr>
-            <a:endParaRPr lang="en-US" altLang="zh-CN" sz="2000" dirty="0"/>
-          </a:p>
-          <a:p>
-            <a:pPr>
-              <a:spcBef>
-                <a:spcPts val="0"/>
-              </a:spcBef>
-            </a:pPr>
-            <a:r>
-              <a:rPr lang="zh-CN" altLang="en-US" sz="2000" dirty="0"/>
-              <a:t>建立连接的过程称为</a:t>
-            </a:r>
-            <a:r>
-              <a:rPr lang="en-US" altLang="zh-CN" sz="2000" dirty="0"/>
+              <a:rPr lang="zh-CN" altLang="en-US" sz="2400"/>
+              <a:t>协议。建立</a:t>
+            </a:r>
+            <a:r>
+              <a:rPr lang="zh-CN" altLang="en-US" sz="2400" dirty="0"/>
+              <a:t>连接的过程称为</a:t>
+            </a:r>
+            <a:r>
+              <a:rPr lang="en-US" altLang="zh-CN" sz="2400" dirty="0"/>
               <a:t>Handshake</a:t>
             </a:r>
             <a:r>
-              <a:rPr lang="zh-CN" altLang="en-US" sz="2000" dirty="0"/>
+              <a:rPr lang="zh-CN" altLang="en-US" sz="2400" dirty="0"/>
               <a:t>（握手操作）。简单来讲服务端根据</a:t>
             </a:r>
             <a:r>
-              <a:rPr lang="en-US" altLang="zh-CN" sz="2000" dirty="0"/>
+              <a:rPr lang="en-US" altLang="zh-CN" sz="2400" dirty="0"/>
               <a:t>Sec-</a:t>
             </a:r>
             <a:r>
-              <a:rPr lang="en-US" altLang="zh-CN" sz="2000" dirty="0" err="1"/>
+              <a:rPr lang="en-US" altLang="zh-CN" sz="2400" dirty="0" err="1"/>
               <a:t>Websocket</a:t>
             </a:r>
             <a:r>
-              <a:rPr lang="en-US" altLang="zh-CN" sz="2000" dirty="0"/>
+              <a:rPr lang="en-US" altLang="zh-CN" sz="2400" dirty="0"/>
               <a:t>-Key</a:t>
             </a:r>
             <a:r>
-              <a:rPr lang="zh-CN" altLang="en-US" sz="2000" dirty="0"/>
+              <a:rPr lang="zh-CN" altLang="en-US" sz="2400" dirty="0"/>
               <a:t>字段的值加上一个固定的</a:t>
             </a:r>
             <a:r>
-              <a:rPr lang="en-US" altLang="zh-CN" sz="2000" dirty="0"/>
+              <a:rPr lang="en-US" altLang="zh-CN" sz="2400" dirty="0"/>
               <a:t>GUID</a:t>
             </a:r>
             <a:r>
-              <a:rPr lang="zh-CN" altLang="en-US" sz="2000" dirty="0"/>
+              <a:rPr lang="zh-CN" altLang="en-US" sz="2400" dirty="0"/>
               <a:t>值并进行</a:t>
             </a:r>
             <a:r>
-              <a:rPr lang="en-US" altLang="zh-CN" sz="2000" dirty="0"/>
+              <a:rPr lang="en-US" altLang="zh-CN" sz="2400" dirty="0"/>
               <a:t>sha1</a:t>
             </a:r>
             <a:r>
-              <a:rPr lang="zh-CN" altLang="en-US" sz="2000" dirty="0"/>
+              <a:rPr lang="zh-CN" altLang="en-US" sz="2400" dirty="0"/>
               <a:t>与</a:t>
             </a:r>
             <a:r>
-              <a:rPr lang="en-US" altLang="zh-CN" sz="2000" dirty="0"/>
+              <a:rPr lang="en-US" altLang="zh-CN" sz="2400" dirty="0"/>
               <a:t>based64</a:t>
             </a:r>
             <a:r>
-              <a:rPr lang="zh-CN" altLang="en-US" sz="2000" dirty="0"/>
+              <a:rPr lang="zh-CN" altLang="en-US" sz="2400" dirty="0"/>
               <a:t>编码后返回给客户端。</a:t>
             </a:r>
-            <a:endParaRPr lang="en-US" altLang="zh-CN" sz="2000" dirty="0"/>
+            <a:endParaRPr lang="en-US" altLang="zh-CN" sz="2400" dirty="0"/>
           </a:p>
         </p:txBody>
       </p:sp>

--- a/materials/slides/ch09-swoole-and-websocket.pptx
+++ b/materials/slides/ch09-swoole-and-websocket.pptx
@@ -231,7 +231,7 @@
           <a:p>
             <a:fld id="{E923E828-953C-4D4A-9B10-11E7329F433D}" type="datetimeFigureOut">
               <a:rPr lang="zh-CN" altLang="en-US" smtClean="0"/>
-              <a:t>2018/4/9</a:t>
+              <a:t>2018/4/10</a:t>
             </a:fld>
             <a:endParaRPr lang="zh-CN" altLang="en-US"/>
           </a:p>
@@ -412,7 +412,7 @@
           <a:p>
             <a:fld id="{867C5346-22E5-4085-8130-851344A84DFF}" type="datetimeFigureOut">
               <a:rPr lang="zh-CN" altLang="en-US" smtClean="0"/>
-              <a:t>2018/4/9</a:t>
+              <a:t>2018/4/10</a:t>
             </a:fld>
             <a:endParaRPr lang="zh-CN" altLang="en-US"/>
           </a:p>
@@ -1846,7 +1846,7 @@
           <a:p>
             <a:fld id="{A5E21016-498F-4141-B0CA-D95A38CA7D62}" type="datetimeFigureOut">
               <a:rPr lang="zh-CN" altLang="en-US" smtClean="0"/>
-              <a:t>2018/4/9</a:t>
+              <a:t>2018/4/10</a:t>
             </a:fld>
             <a:endParaRPr lang="zh-CN" altLang="en-US"/>
           </a:p>
@@ -2076,7 +2076,7 @@
           <a:p>
             <a:fld id="{A5E21016-498F-4141-B0CA-D95A38CA7D62}" type="datetimeFigureOut">
               <a:rPr lang="zh-CN" altLang="en-US" smtClean="0"/>
-              <a:t>2018/4/9</a:t>
+              <a:t>2018/4/10</a:t>
             </a:fld>
             <a:endParaRPr lang="zh-CN" altLang="en-US"/>
           </a:p>
@@ -2311,7 +2311,7 @@
           <a:p>
             <a:fld id="{A5E21016-498F-4141-B0CA-D95A38CA7D62}" type="datetimeFigureOut">
               <a:rPr lang="zh-CN" altLang="en-US" smtClean="0"/>
-              <a:t>2018/4/9</a:t>
+              <a:t>2018/4/10</a:t>
             </a:fld>
             <a:endParaRPr lang="zh-CN" altLang="en-US"/>
           </a:p>
@@ -2873,7 +2873,7 @@
           <a:p>
             <a:fld id="{A5E21016-498F-4141-B0CA-D95A38CA7D62}" type="datetimeFigureOut">
               <a:rPr lang="zh-CN" altLang="en-US" smtClean="0"/>
-              <a:t>2018/4/9</a:t>
+              <a:t>2018/4/10</a:t>
             </a:fld>
             <a:endParaRPr lang="zh-CN" altLang="en-US"/>
           </a:p>
@@ -3170,7 +3170,7 @@
           <a:p>
             <a:fld id="{A5E21016-498F-4141-B0CA-D95A38CA7D62}" type="datetimeFigureOut">
               <a:rPr lang="zh-CN" altLang="en-US" smtClean="0"/>
-              <a:t>2018/4/9</a:t>
+              <a:t>2018/4/10</a:t>
             </a:fld>
             <a:endParaRPr lang="zh-CN" altLang="en-US"/>
           </a:p>
@@ -3609,7 +3609,7 @@
           <a:p>
             <a:fld id="{A5E21016-498F-4141-B0CA-D95A38CA7D62}" type="datetimeFigureOut">
               <a:rPr lang="zh-CN" altLang="en-US" smtClean="0"/>
-              <a:t>2018/4/9</a:t>
+              <a:t>2018/4/10</a:t>
             </a:fld>
             <a:endParaRPr lang="zh-CN" altLang="en-US"/>
           </a:p>
@@ -3782,7 +3782,7 @@
           <a:p>
             <a:fld id="{A5E21016-498F-4141-B0CA-D95A38CA7D62}" type="datetimeFigureOut">
               <a:rPr lang="zh-CN" altLang="en-US" smtClean="0"/>
-              <a:t>2018/4/9</a:t>
+              <a:t>2018/4/10</a:t>
             </a:fld>
             <a:endParaRPr lang="zh-CN" altLang="en-US"/>
           </a:p>
@@ -3919,7 +3919,7 @@
           <a:p>
             <a:fld id="{A5E21016-498F-4141-B0CA-D95A38CA7D62}" type="datetimeFigureOut">
               <a:rPr lang="zh-CN" altLang="en-US" smtClean="0"/>
-              <a:t>2018/4/9</a:t>
+              <a:t>2018/4/10</a:t>
             </a:fld>
             <a:endParaRPr lang="zh-CN" altLang="en-US"/>
           </a:p>
@@ -4257,7 +4257,7 @@
           <a:p>
             <a:fld id="{A5E21016-498F-4141-B0CA-D95A38CA7D62}" type="datetimeFigureOut">
               <a:rPr lang="zh-CN" altLang="en-US" smtClean="0"/>
-              <a:t>2018/4/9</a:t>
+              <a:t>2018/4/10</a:t>
             </a:fld>
             <a:endParaRPr lang="zh-CN" altLang="en-US"/>
           </a:p>
@@ -4572,7 +4572,7 @@
           <a:p>
             <a:fld id="{A5E21016-498F-4141-B0CA-D95A38CA7D62}" type="datetimeFigureOut">
               <a:rPr lang="zh-CN" altLang="en-US" smtClean="0"/>
-              <a:t>2018/4/9</a:t>
+              <a:t>2018/4/10</a:t>
             </a:fld>
             <a:endParaRPr lang="zh-CN" altLang="en-US"/>
           </a:p>
@@ -5511,31 +5511,11 @@
             </a:br>
             <a:r>
               <a:rPr lang="en-US" altLang="zh-CN" sz="1900" dirty="0"/>
-              <a:t>            $server-&gt;push($</a:t>
-            </a:r>
-            <a:r>
-              <a:rPr lang="en-US" altLang="zh-CN" sz="1900" dirty="0" err="1"/>
-              <a:t>req</a:t>
-            </a:r>
-            <a:r>
-              <a:rPr lang="en-US" altLang="zh-CN" sz="1900" dirty="0"/>
-              <a:t>-&gt;</a:t>
-            </a:r>
-            <a:r>
-              <a:rPr lang="en-US" altLang="zh-CN" sz="1900" dirty="0" err="1"/>
-              <a:t>fd</a:t>
-            </a:r>
-            <a:r>
-              <a:rPr lang="en-US" altLang="zh-CN" sz="1900" dirty="0"/>
-              <a:t>,"Hey. $</a:t>
-            </a:r>
-            <a:r>
-              <a:rPr lang="en-US" altLang="zh-CN" sz="1900" dirty="0" err="1"/>
-              <a:t>fd</a:t>
-            </a:r>
-            <a:r>
-              <a:rPr lang="en-US" altLang="zh-CN" sz="1900" dirty="0"/>
-              <a:t>");</a:t>
+              <a:t>           </a:t>
+            </a:r>
+            <a:r>
+              <a:rPr lang="en-US" altLang="zh-CN" sz="1900"/>
+              <a:t> echo “websocket open by “ . $req-&gt;fd . ”\n”;</a:t>
             </a:r>
             <a:br>
               <a:rPr lang="en-US" altLang="zh-CN" sz="1900" dirty="0"/>
@@ -5557,46 +5537,34 @@
             </a:r>
             <a:r>
               <a:rPr lang="en-US" altLang="zh-CN" sz="1900" dirty="0"/>
-              <a:t>($server,$</a:t>
-            </a:r>
-            <a:r>
-              <a:rPr lang="en-US" altLang="zh-CN" sz="1900" dirty="0" err="1"/>
-              <a:t>cnn</a:t>
+              <a:t>($</a:t>
+            </a:r>
+            <a:r>
+              <a:rPr lang="en-US" altLang="zh-CN" sz="1900"/>
+              <a:t>server,$req) </a:t>
             </a:r>
             <a:r>
               <a:rPr lang="en-US" altLang="zh-CN" sz="1900" dirty="0"/>
-              <a:t>) {</a:t>
+              <a:t>{</a:t>
             </a:r>
             <a:br>
               <a:rPr lang="en-US" altLang="zh-CN" sz="1900" dirty="0"/>
             </a:br>
             <a:r>
               <a:rPr lang="en-US" altLang="zh-CN" sz="1900" dirty="0"/>
-              <a:t>            $server-&gt;push($</a:t>
-            </a:r>
-            <a:r>
-              <a:rPr lang="en-US" altLang="zh-CN" sz="1900" dirty="0" err="1"/>
-              <a:t>cnn</a:t>
-            </a:r>
-            <a:r>
-              <a:rPr lang="en-US" altLang="zh-CN" sz="1900" dirty="0"/>
-              <a:t>-&gt;</a:t>
-            </a:r>
-            <a:r>
-              <a:rPr lang="en-US" altLang="zh-CN" sz="1900" dirty="0" err="1"/>
+              <a:t>            $server-&gt;</a:t>
+            </a:r>
+            <a:r>
+              <a:rPr lang="en-US" altLang="zh-CN" sz="1900"/>
+              <a:t>push($req-&gt;</a:t>
+            </a:r>
+            <a:r>
+              <a:rPr lang="en-US" altLang="zh-CN" sz="1900" err="1"/>
               <a:t>fd</a:t>
             </a:r>
             <a:r>
-              <a:rPr lang="en-US" altLang="zh-CN" sz="1900" dirty="0"/>
-              <a:t>,$</a:t>
-            </a:r>
-            <a:r>
-              <a:rPr lang="en-US" altLang="zh-CN" sz="1900" dirty="0" err="1"/>
-              <a:t>cnn</a:t>
-            </a:r>
-            <a:r>
-              <a:rPr lang="en-US" altLang="zh-CN" sz="1900" dirty="0"/>
-              <a:t>-&gt;data);</a:t>
+              <a:rPr lang="en-US" altLang="zh-CN" sz="1900"/>
+              <a:t>,mt_rand(0,1024));</a:t>
             </a:r>
             <a:br>
               <a:rPr lang="en-US" altLang="zh-CN" sz="1900" dirty="0"/>
@@ -6604,7 +6572,11 @@
             </a:br>
             <a:r>
               <a:rPr lang="en-US" altLang="zh-CN" sz="2000" dirty="0"/>
-              <a:t>        $cli-&gt;push(md5(time()));</a:t>
+              <a:t>        $cli-&gt;</a:t>
+            </a:r>
+            <a:r>
+              <a:rPr lang="en-US" altLang="zh-CN" sz="2000"/>
+              <a:t>push(strftime(“%Y.%m.%d %H:%M:%S”));</a:t>
             </a:r>
             <a:br>
               <a:rPr lang="en-US" altLang="zh-CN" sz="2000" dirty="0"/>
@@ -7093,15 +7065,15 @@
             </a:r>
             <a:r>
               <a:rPr lang="en-US" altLang="zh-CN" sz="2000" dirty="0"/>
-              <a:t>($server, $</a:t>
-            </a:r>
-            <a:r>
-              <a:rPr lang="en-US" altLang="zh-CN" sz="2000" dirty="0" err="1"/>
-              <a:t>cnn</a:t>
-            </a:r>
-            <a:r>
-              <a:rPr lang="en-US" altLang="zh-CN" sz="2000" dirty="0"/>
-              <a:t>) {</a:t>
+              <a:t>($server,</a:t>
+            </a:r>
+            <a:r>
+              <a:rPr lang="en-US" altLang="zh-CN" sz="2000"/>
+              <a:t> $req)</a:t>
+            </a:r>
+            <a:r>
+              <a:rPr lang="en-US" altLang="zh-CN" sz="2000" dirty="0"/>
+              <a:t> {</a:t>
             </a:r>
             <a:br>
               <a:rPr lang="en-US" altLang="zh-CN" sz="2000" dirty="0"/>
@@ -7119,15 +7091,11 @@
             </a:br>
             <a:r>
               <a:rPr lang="en-US" altLang="zh-CN" sz="2000" dirty="0"/>
-              <a:t>        if ($</a:t>
-            </a:r>
-            <a:r>
-              <a:rPr lang="en-US" altLang="zh-CN" sz="2000" dirty="0" err="1"/>
-              <a:t>cnn</a:t>
-            </a:r>
-            <a:r>
-              <a:rPr lang="en-US" altLang="zh-CN" sz="2000" dirty="0"/>
-              <a:t>-&gt;</a:t>
+              <a:t>        if</a:t>
+            </a:r>
+            <a:r>
+              <a:rPr lang="en-US" altLang="zh-CN" sz="2000"/>
+              <a:t> ($req-&gt;</a:t>
             </a:r>
             <a:r>
               <a:rPr lang="en-US" altLang="zh-CN" sz="2000" dirty="0" err="1"/>
@@ -7165,15 +7133,15 @@
             </a:br>
             <a:r>
               <a:rPr lang="en-US" altLang="zh-CN" sz="2000" dirty="0"/>
-              <a:t>            if(!empty($</a:t>
-            </a:r>
-            <a:r>
-              <a:rPr lang="en-US" altLang="zh-CN" sz="2000" dirty="0" err="1"/>
-              <a:t>cnn</a:t>
-            </a:r>
-            <a:r>
-              <a:rPr lang="en-US" altLang="zh-CN" sz="2000" dirty="0"/>
-              <a:t>-&gt;data)) {</a:t>
+              <a:t>            if(!</a:t>
+            </a:r>
+            <a:r>
+              <a:rPr lang="en-US" altLang="zh-CN" sz="2000"/>
+              <a:t>empty($req-&gt;</a:t>
+            </a:r>
+            <a:r>
+              <a:rPr lang="en-US" altLang="zh-CN" sz="2000" dirty="0"/>
+              <a:t>data)) {</a:t>
             </a:r>
             <a:br>
               <a:rPr lang="en-US" altLang="zh-CN" sz="2000" dirty="0"/>
@@ -7287,16 +7255,12 @@
               <a:t>kv</a:t>
             </a:r>
             <a:r>
-              <a:rPr lang="en-US" altLang="zh-CN" sz="2000" dirty="0"/>
-              <a:t>['value'],$</a:t>
-            </a:r>
-            <a:r>
-              <a:rPr lang="en-US" altLang="zh-CN" sz="2000" dirty="0" err="1"/>
-              <a:t>cnn</a:t>
-            </a:r>
-            <a:r>
-              <a:rPr lang="en-US" altLang="zh-CN" sz="2000" dirty="0"/>
-              <a:t>-&gt;data);</a:t>
+              <a:rPr lang="en-US" altLang="zh-CN" sz="2000"/>
+              <a:t>['value’],$req-&gt;</a:t>
+            </a:r>
+            <a:r>
+              <a:rPr lang="en-US" altLang="zh-CN" sz="2000" dirty="0"/>
+              <a:t>data);</a:t>
             </a:r>
             <a:br>
               <a:rPr lang="en-US" altLang="zh-CN" sz="2000" dirty="0"/>
